--- a/ポートフォリオ.pptx
+++ b/ポートフォリオ.pptx
@@ -12,11 +12,11 @@
     <p:sldId id="261" r:id="rId6"/>
     <p:sldId id="262" r:id="rId7"/>
     <p:sldId id="263" r:id="rId8"/>
-    <p:sldId id="264" r:id="rId9"/>
-    <p:sldId id="265" r:id="rId10"/>
-    <p:sldId id="266" r:id="rId11"/>
-    <p:sldId id="270" r:id="rId12"/>
-    <p:sldId id="271" r:id="rId13"/>
+    <p:sldId id="272" r:id="rId9"/>
+    <p:sldId id="266" r:id="rId10"/>
+    <p:sldId id="273" r:id="rId11"/>
+    <p:sldId id="274" r:id="rId12"/>
+    <p:sldId id="275" r:id="rId13"/>
     <p:sldId id="269" r:id="rId14"/>
   </p:sldIdLst>
   <p:sldSz cx="10691813" cy="7559675"/>
@@ -732,7 +732,7 @@
           <a:p>
             <a:fld id="{0EFB48BE-D444-4AA4-A2AB-2E35F8924030}" type="datetimeFigureOut">
               <a:rPr kumimoji="1" lang="ja-JP" altLang="en-US" smtClean="0"/>
-              <a:t>2023/12/8</a:t>
+              <a:t>2024/1/29</a:t>
             </a:fld>
             <a:endParaRPr kumimoji="1" lang="ja-JP" altLang="en-US"/>
           </a:p>
@@ -934,7 +934,7 @@
           <a:p>
             <a:fld id="{0EFB48BE-D444-4AA4-A2AB-2E35F8924030}" type="datetimeFigureOut">
               <a:rPr kumimoji="1" lang="ja-JP" altLang="en-US" smtClean="0"/>
-              <a:t>2023/12/8</a:t>
+              <a:t>2024/1/29</a:t>
             </a:fld>
             <a:endParaRPr kumimoji="1" lang="ja-JP" altLang="en-US"/>
           </a:p>
@@ -1146,7 +1146,7 @@
           <a:p>
             <a:fld id="{0EFB48BE-D444-4AA4-A2AB-2E35F8924030}" type="datetimeFigureOut">
               <a:rPr kumimoji="1" lang="ja-JP" altLang="en-US" smtClean="0"/>
-              <a:t>2023/12/8</a:t>
+              <a:t>2024/1/29</a:t>
             </a:fld>
             <a:endParaRPr kumimoji="1" lang="ja-JP" altLang="en-US"/>
           </a:p>
@@ -1348,7 +1348,7 @@
           <a:p>
             <a:fld id="{0EFB48BE-D444-4AA4-A2AB-2E35F8924030}" type="datetimeFigureOut">
               <a:rPr kumimoji="1" lang="ja-JP" altLang="en-US" smtClean="0"/>
-              <a:t>2023/12/8</a:t>
+              <a:t>2024/1/29</a:t>
             </a:fld>
             <a:endParaRPr kumimoji="1" lang="ja-JP" altLang="en-US"/>
           </a:p>
@@ -1592,7 +1592,7 @@
           <a:p>
             <a:fld id="{0EFB48BE-D444-4AA4-A2AB-2E35F8924030}" type="datetimeFigureOut">
               <a:rPr kumimoji="1" lang="ja-JP" altLang="en-US" smtClean="0"/>
-              <a:t>2023/12/8</a:t>
+              <a:t>2024/1/29</a:t>
             </a:fld>
             <a:endParaRPr kumimoji="1" lang="ja-JP" altLang="en-US"/>
           </a:p>
@@ -1888,7 +1888,7 @@
           <a:p>
             <a:fld id="{0EFB48BE-D444-4AA4-A2AB-2E35F8924030}" type="datetimeFigureOut">
               <a:rPr kumimoji="1" lang="ja-JP" altLang="en-US" smtClean="0"/>
-              <a:t>2023/12/8</a:t>
+              <a:t>2024/1/29</a:t>
             </a:fld>
             <a:endParaRPr kumimoji="1" lang="ja-JP" altLang="en-US"/>
           </a:p>
@@ -2319,7 +2319,7 @@
           <a:p>
             <a:fld id="{0EFB48BE-D444-4AA4-A2AB-2E35F8924030}" type="datetimeFigureOut">
               <a:rPr kumimoji="1" lang="ja-JP" altLang="en-US" smtClean="0"/>
-              <a:t>2023/12/8</a:t>
+              <a:t>2024/1/29</a:t>
             </a:fld>
             <a:endParaRPr kumimoji="1" lang="ja-JP" altLang="en-US"/>
           </a:p>
@@ -2437,7 +2437,7 @@
           <a:p>
             <a:fld id="{0EFB48BE-D444-4AA4-A2AB-2E35F8924030}" type="datetimeFigureOut">
               <a:rPr kumimoji="1" lang="ja-JP" altLang="en-US" smtClean="0"/>
-              <a:t>2023/12/8</a:t>
+              <a:t>2024/1/29</a:t>
             </a:fld>
             <a:endParaRPr kumimoji="1" lang="ja-JP" altLang="en-US"/>
           </a:p>
@@ -2532,7 +2532,7 @@
           <a:p>
             <a:fld id="{0EFB48BE-D444-4AA4-A2AB-2E35F8924030}" type="datetimeFigureOut">
               <a:rPr kumimoji="1" lang="ja-JP" altLang="en-US" smtClean="0"/>
-              <a:t>2023/12/8</a:t>
+              <a:t>2024/1/29</a:t>
             </a:fld>
             <a:endParaRPr kumimoji="1" lang="ja-JP" altLang="en-US"/>
           </a:p>
@@ -2841,7 +2841,7 @@
           <a:p>
             <a:fld id="{0EFB48BE-D444-4AA4-A2AB-2E35F8924030}" type="datetimeFigureOut">
               <a:rPr kumimoji="1" lang="ja-JP" altLang="en-US" smtClean="0"/>
-              <a:t>2023/12/8</a:t>
+              <a:t>2024/1/29</a:t>
             </a:fld>
             <a:endParaRPr kumimoji="1" lang="ja-JP" altLang="en-US"/>
           </a:p>
@@ -3098,7 +3098,7 @@
           <a:p>
             <a:fld id="{0EFB48BE-D444-4AA4-A2AB-2E35F8924030}" type="datetimeFigureOut">
               <a:rPr kumimoji="1" lang="ja-JP" altLang="en-US" smtClean="0"/>
-              <a:t>2023/12/8</a:t>
+              <a:t>2024/1/29</a:t>
             </a:fld>
             <a:endParaRPr kumimoji="1" lang="ja-JP" altLang="en-US"/>
           </a:p>
@@ -3343,7 +3343,7 @@
           <a:p>
             <a:fld id="{0EFB48BE-D444-4AA4-A2AB-2E35F8924030}" type="datetimeFigureOut">
               <a:rPr kumimoji="1" lang="ja-JP" altLang="en-US" smtClean="0"/>
-              <a:t>2023/12/8</a:t>
+              <a:t>2024/1/29</a:t>
             </a:fld>
             <a:endParaRPr kumimoji="1" lang="ja-JP" altLang="en-US"/>
           </a:p>
@@ -3767,21 +3767,21 @@
         <p:spPr/>
         <p:txBody>
           <a:bodyPr>
-            <a:normAutofit fontScale="90000"/>
+            <a:normAutofit/>
           </a:bodyPr>
           <a:lstStyle/>
           <a:p>
             <a:r>
-              <a:rPr kumimoji="1" lang="ja-JP" altLang="en-US" dirty="0"/>
-              <a:t>後で背景、フォント変更</a:t>
-            </a:r>
-            <a:br>
-              <a:rPr kumimoji="1" lang="en-US" altLang="ja-JP" dirty="0"/>
-            </a:br>
-            <a:r>
-              <a:rPr kumimoji="1" lang="ja-JP" altLang="en-US" dirty="0"/>
-              <a:t>ポートフォリオ</a:t>
-            </a:r>
+              <a:rPr lang="en-US" altLang="ja-JP" sz="11500" dirty="0">
+                <a:latin typeface="メイリオ" panose="020B0604030504040204" pitchFamily="50" charset="-128"/>
+                <a:ea typeface="メイリオ" panose="020B0604030504040204" pitchFamily="50" charset="-128"/>
+              </a:rPr>
+              <a:t>Portfolio</a:t>
+            </a:r>
+            <a:endParaRPr kumimoji="1" lang="ja-JP" altLang="en-US" sz="11500" dirty="0">
+              <a:latin typeface="メイリオ" panose="020B0604030504040204" pitchFamily="50" charset="-128"/>
+              <a:ea typeface="メイリオ" panose="020B0604030504040204" pitchFamily="50" charset="-128"/>
+            </a:endParaRPr>
           </a:p>
         </p:txBody>
       </p:sp>
@@ -3813,26 +3813,58 @@
           <a:p>
             <a:pPr algn="r"/>
             <a:r>
-              <a:rPr kumimoji="1" lang="ja-JP" altLang="en-US" dirty="0"/>
+              <a:rPr kumimoji="1" lang="ja-JP" altLang="en-US" dirty="0">
+                <a:latin typeface="メイリオ" panose="020B0604030504040204" pitchFamily="50" charset="-128"/>
+                <a:ea typeface="メイリオ" panose="020B0604030504040204" pitchFamily="50" charset="-128"/>
+              </a:rPr>
               <a:t>福岡情報</a:t>
             </a:r>
             <a:r>
-              <a:rPr kumimoji="1" lang="en-US" altLang="ja-JP" dirty="0"/>
+              <a:rPr kumimoji="1" lang="en-US" altLang="ja-JP" dirty="0">
+                <a:latin typeface="メイリオ" panose="020B0604030504040204" pitchFamily="50" charset="-128"/>
+                <a:ea typeface="メイリオ" panose="020B0604030504040204" pitchFamily="50" charset="-128"/>
+              </a:rPr>
               <a:t>IT</a:t>
             </a:r>
             <a:r>
-              <a:rPr kumimoji="1" lang="ja-JP" altLang="en-US" dirty="0"/>
+              <a:rPr kumimoji="1" lang="ja-JP" altLang="en-US" dirty="0">
+                <a:latin typeface="メイリオ" panose="020B0604030504040204" pitchFamily="50" charset="-128"/>
+                <a:ea typeface="メイリオ" panose="020B0604030504040204" pitchFamily="50" charset="-128"/>
+              </a:rPr>
               <a:t>クリエイター専門学校</a:t>
             </a:r>
-            <a:endParaRPr kumimoji="1" lang="en-US" altLang="ja-JP" dirty="0"/>
+            <a:endParaRPr kumimoji="1" lang="en-US" altLang="ja-JP" dirty="0">
+              <a:latin typeface="メイリオ" panose="020B0604030504040204" pitchFamily="50" charset="-128"/>
+              <a:ea typeface="メイリオ" panose="020B0604030504040204" pitchFamily="50" charset="-128"/>
+            </a:endParaRPr>
           </a:p>
           <a:p>
             <a:pPr algn="r"/>
             <a:r>
-              <a:rPr lang="ja-JP" altLang="en-US" dirty="0"/>
+              <a:rPr lang="ja-JP" altLang="en-US" dirty="0">
+                <a:latin typeface="メイリオ" panose="020B0604030504040204" pitchFamily="50" charset="-128"/>
+                <a:ea typeface="メイリオ" panose="020B0604030504040204" pitchFamily="50" charset="-128"/>
+              </a:rPr>
+              <a:t>ゲーム・クリエイターコース</a:t>
+            </a:r>
+            <a:endParaRPr kumimoji="1" lang="en-US" altLang="ja-JP" dirty="0">
+              <a:latin typeface="メイリオ" panose="020B0604030504040204" pitchFamily="50" charset="-128"/>
+              <a:ea typeface="メイリオ" panose="020B0604030504040204" pitchFamily="50" charset="-128"/>
+            </a:endParaRPr>
+          </a:p>
+          <a:p>
+            <a:pPr algn="r"/>
+            <a:r>
+              <a:rPr lang="ja-JP" altLang="en-US" dirty="0">
+                <a:latin typeface="メイリオ" panose="020B0604030504040204" pitchFamily="50" charset="-128"/>
+                <a:ea typeface="メイリオ" panose="020B0604030504040204" pitchFamily="50" charset="-128"/>
+              </a:rPr>
               <a:t>浜松　廉斗</a:t>
             </a:r>
-            <a:endParaRPr kumimoji="1" lang="ja-JP" altLang="en-US" dirty="0"/>
+            <a:endParaRPr kumimoji="1" lang="ja-JP" altLang="en-US" dirty="0">
+              <a:latin typeface="メイリオ" panose="020B0604030504040204" pitchFamily="50" charset="-128"/>
+              <a:ea typeface="メイリオ" panose="020B0604030504040204" pitchFamily="50" charset="-128"/>
+            </a:endParaRPr>
           </a:p>
         </p:txBody>
       </p:sp>
@@ -3868,42 +3900,6 @@
       </p:grpSpPr>
       <p:sp>
         <p:nvSpPr>
-          <p:cNvPr id="2" name="テキスト ボックス 1">
-            <a:extLst>
-              <a:ext uri="{FF2B5EF4-FFF2-40B4-BE49-F238E27FC236}">
-                <a16:creationId xmlns:a16="http://schemas.microsoft.com/office/drawing/2014/main" id="{58890BA2-147B-4C3F-853F-D8DB86E09C0F}"/>
-              </a:ext>
-            </a:extLst>
-          </p:cNvPr>
-          <p:cNvSpPr txBox="1"/>
-          <p:nvPr/>
-        </p:nvSpPr>
-        <p:spPr>
-          <a:xfrm>
-            <a:off x="491490" y="411480"/>
-            <a:ext cx="1800493" cy="369332"/>
-          </a:xfrm>
-          <a:prstGeom prst="rect">
-            <a:avLst/>
-          </a:prstGeom>
-          <a:noFill/>
-        </p:spPr>
-        <p:txBody>
-          <a:bodyPr wrap="none" rtlCol="0">
-            <a:spAutoFit/>
-          </a:bodyPr>
-          <a:lstStyle/>
-          <a:p>
-            <a:r>
-              <a:rPr kumimoji="1" lang="ja-JP" altLang="en-US" dirty="0"/>
-              <a:t>ゲーム作品一覧</a:t>
-            </a:r>
-            <a:endParaRPr kumimoji="1" lang="en-US" altLang="ja-JP" dirty="0"/>
-          </a:p>
-        </p:txBody>
-      </p:sp>
-      <p:sp>
-        <p:nvSpPr>
           <p:cNvPr id="3" name="テキスト ボックス 2">
             <a:extLst>
               <a:ext uri="{FF2B5EF4-FFF2-40B4-BE49-F238E27FC236}">
@@ -3916,8 +3912,8 @@
         </p:nvSpPr>
         <p:spPr>
           <a:xfrm>
-            <a:off x="491489" y="906780"/>
-            <a:ext cx="1569660" cy="369332"/>
+            <a:off x="491489" y="362494"/>
+            <a:ext cx="1481496" cy="369332"/>
           </a:xfrm>
           <a:prstGeom prst="rect">
             <a:avLst/>
@@ -3931,10 +3927,19 @@
           <a:lstStyle/>
           <a:p>
             <a:r>
-              <a:rPr kumimoji="1" lang="ja-JP" altLang="en-US" dirty="0"/>
-              <a:t>ゲーム作品１</a:t>
-            </a:r>
-            <a:endParaRPr kumimoji="1" lang="en-US" altLang="ja-JP" dirty="0"/>
+              <a:rPr kumimoji="1" lang="ja-JP" altLang="en-US" dirty="0">
+                <a:latin typeface="メイリオ" panose="020B0604030504040204" pitchFamily="50" charset="-128"/>
+                <a:ea typeface="メイリオ" panose="020B0604030504040204" pitchFamily="50" charset="-128"/>
+              </a:rPr>
+              <a:t>ゲーム作品</a:t>
+            </a:r>
+            <a:r>
+              <a:rPr kumimoji="1" lang="en-US" altLang="ja-JP" dirty="0">
+                <a:latin typeface="メイリオ" panose="020B0604030504040204" pitchFamily="50" charset="-128"/>
+                <a:ea typeface="メイリオ" panose="020B0604030504040204" pitchFamily="50" charset="-128"/>
+              </a:rPr>
+              <a:t>3</a:t>
+            </a:r>
           </a:p>
         </p:txBody>
       </p:sp>
@@ -3952,8 +3957,8 @@
         </p:nvSpPr>
         <p:spPr>
           <a:xfrm>
-            <a:off x="491490" y="4533900"/>
-            <a:ext cx="1569660" cy="369332"/>
+            <a:off x="491490" y="3989614"/>
+            <a:ext cx="1481496" cy="369332"/>
           </a:xfrm>
           <a:prstGeom prst="rect">
             <a:avLst/>
@@ -3967,10 +3972,19 @@
           <a:lstStyle/>
           <a:p>
             <a:r>
-              <a:rPr kumimoji="1" lang="ja-JP" altLang="en-US" dirty="0"/>
-              <a:t>ゲーム作品２</a:t>
-            </a:r>
-            <a:endParaRPr kumimoji="1" lang="en-US" altLang="ja-JP" dirty="0"/>
+              <a:rPr kumimoji="1" lang="ja-JP" altLang="en-US" dirty="0">
+                <a:latin typeface="メイリオ" panose="020B0604030504040204" pitchFamily="50" charset="-128"/>
+                <a:ea typeface="メイリオ" panose="020B0604030504040204" pitchFamily="50" charset="-128"/>
+              </a:rPr>
+              <a:t>ゲーム作品</a:t>
+            </a:r>
+            <a:r>
+              <a:rPr kumimoji="1" lang="en-US" altLang="ja-JP" dirty="0">
+                <a:latin typeface="メイリオ" panose="020B0604030504040204" pitchFamily="50" charset="-128"/>
+                <a:ea typeface="メイリオ" panose="020B0604030504040204" pitchFamily="50" charset="-128"/>
+              </a:rPr>
+              <a:t>4</a:t>
+            </a:r>
           </a:p>
         </p:txBody>
       </p:sp>
@@ -3988,7 +4002,7 @@
         </p:nvSpPr>
         <p:spPr>
           <a:xfrm>
-            <a:off x="582929" y="2181731"/>
+            <a:off x="582929" y="1637445"/>
             <a:ext cx="2526031" cy="1446550"/>
           </a:xfrm>
           <a:prstGeom prst="rect">
@@ -4024,7 +4038,7 @@
         </p:nvSpPr>
         <p:spPr>
           <a:xfrm>
-            <a:off x="491489" y="5427851"/>
+            <a:off x="491489" y="4883565"/>
             <a:ext cx="2526031" cy="1446550"/>
           </a:xfrm>
           <a:prstGeom prst="rect">
@@ -4060,8 +4074,8 @@
         </p:nvSpPr>
         <p:spPr>
           <a:xfrm>
-            <a:off x="4530089" y="2076450"/>
-            <a:ext cx="2031325" cy="1200329"/>
+            <a:off x="4530088" y="511739"/>
+            <a:ext cx="5929828" cy="3477875"/>
           </a:xfrm>
           <a:prstGeom prst="rect">
             <a:avLst/>
@@ -4075,40 +4089,230 @@
           <a:lstStyle/>
           <a:p>
             <a:r>
-              <a:rPr kumimoji="1" lang="ja-JP" altLang="en-US" dirty="0"/>
+              <a:rPr kumimoji="1" lang="ja-JP" altLang="en-US" sz="2000" dirty="0">
+                <a:latin typeface="メイリオ" panose="020B0604030504040204" pitchFamily="50" charset="-128"/>
+                <a:ea typeface="メイリオ" panose="020B0604030504040204" pitchFamily="50" charset="-128"/>
+              </a:rPr>
               <a:t>作品名</a:t>
             </a:r>
-            <a:endParaRPr kumimoji="1" lang="en-US" altLang="ja-JP" dirty="0"/>
-          </a:p>
-          <a:p>
-            <a:r>
-              <a:rPr kumimoji="1" lang="ja-JP" altLang="en-US" dirty="0"/>
+            <a:r>
+              <a:rPr kumimoji="1" lang="en-US" altLang="ja-JP" sz="2000" dirty="0">
+                <a:latin typeface="メイリオ" panose="020B0604030504040204" pitchFamily="50" charset="-128"/>
+                <a:ea typeface="メイリオ" panose="020B0604030504040204" pitchFamily="50" charset="-128"/>
+              </a:rPr>
+              <a:t>		MFM</a:t>
+            </a:r>
+          </a:p>
+          <a:p>
+            <a:r>
+              <a:rPr kumimoji="1" lang="ja-JP" altLang="en-US" sz="2000" dirty="0">
+                <a:latin typeface="メイリオ" panose="020B0604030504040204" pitchFamily="50" charset="-128"/>
+                <a:ea typeface="メイリオ" panose="020B0604030504040204" pitchFamily="50" charset="-128"/>
+              </a:rPr>
+              <a:t>ジャンル</a:t>
+            </a:r>
+            <a:r>
+              <a:rPr kumimoji="1" lang="en-US" altLang="ja-JP" sz="2000" dirty="0">
+                <a:latin typeface="メイリオ" panose="020B0604030504040204" pitchFamily="50" charset="-128"/>
+                <a:ea typeface="メイリオ" panose="020B0604030504040204" pitchFamily="50" charset="-128"/>
+              </a:rPr>
+              <a:t>	2D</a:t>
+            </a:r>
+            <a:r>
+              <a:rPr kumimoji="1" lang="ja-JP" altLang="en-US" sz="2000" dirty="0">
+                <a:latin typeface="メイリオ" panose="020B0604030504040204" pitchFamily="50" charset="-128"/>
+                <a:ea typeface="メイリオ" panose="020B0604030504040204" pitchFamily="50" charset="-128"/>
+              </a:rPr>
+              <a:t>格闘ゲーム</a:t>
+            </a:r>
+            <a:endParaRPr kumimoji="1" lang="en-US" altLang="ja-JP" sz="2000" dirty="0">
+              <a:latin typeface="メイリオ" panose="020B0604030504040204" pitchFamily="50" charset="-128"/>
+              <a:ea typeface="メイリオ" panose="020B0604030504040204" pitchFamily="50" charset="-128"/>
+            </a:endParaRPr>
+          </a:p>
+          <a:p>
+            <a:r>
+              <a:rPr kumimoji="1" lang="ja-JP" altLang="en-US" sz="2000" dirty="0">
+                <a:latin typeface="メイリオ" panose="020B0604030504040204" pitchFamily="50" charset="-128"/>
+                <a:ea typeface="メイリオ" panose="020B0604030504040204" pitchFamily="50" charset="-128"/>
+              </a:rPr>
               <a:t>製作期間</a:t>
             </a:r>
-            <a:endParaRPr kumimoji="1" lang="en-US" altLang="ja-JP" dirty="0"/>
-          </a:p>
-          <a:p>
-            <a:r>
-              <a:rPr kumimoji="1" lang="ja-JP" altLang="en-US" dirty="0"/>
+            <a:r>
+              <a:rPr kumimoji="1" lang="en-US" altLang="ja-JP" sz="2000" dirty="0">
+                <a:latin typeface="メイリオ" panose="020B0604030504040204" pitchFamily="50" charset="-128"/>
+                <a:ea typeface="メイリオ" panose="020B0604030504040204" pitchFamily="50" charset="-128"/>
+              </a:rPr>
+              <a:t>	2023/04/17</a:t>
+            </a:r>
+            <a:r>
+              <a:rPr kumimoji="1" lang="ja-JP" altLang="en-US" sz="2000" dirty="0">
+                <a:latin typeface="メイリオ" panose="020B0604030504040204" pitchFamily="50" charset="-128"/>
+                <a:ea typeface="メイリオ" panose="020B0604030504040204" pitchFamily="50" charset="-128"/>
+              </a:rPr>
+              <a:t>～</a:t>
+            </a:r>
+            <a:r>
+              <a:rPr kumimoji="1" lang="en-US" altLang="ja-JP" sz="2000" dirty="0">
+                <a:latin typeface="メイリオ" panose="020B0604030504040204" pitchFamily="50" charset="-128"/>
+                <a:ea typeface="メイリオ" panose="020B0604030504040204" pitchFamily="50" charset="-128"/>
+              </a:rPr>
+              <a:t>2023/06/09</a:t>
+            </a:r>
+          </a:p>
+          <a:p>
+            <a:r>
+              <a:rPr kumimoji="1" lang="ja-JP" altLang="en-US" sz="2000" dirty="0">
+                <a:latin typeface="メイリオ" panose="020B0604030504040204" pitchFamily="50" charset="-128"/>
+                <a:ea typeface="メイリオ" panose="020B0604030504040204" pitchFamily="50" charset="-128"/>
+              </a:rPr>
               <a:t>制作環境</a:t>
             </a:r>
-            <a:endParaRPr kumimoji="1" lang="en-US" altLang="ja-JP" dirty="0"/>
-          </a:p>
-          <a:p>
-            <a:r>
-              <a:rPr kumimoji="1" lang="ja-JP" altLang="en-US" dirty="0"/>
-              <a:t>アピールポイント</a:t>
-            </a:r>
-            <a:endParaRPr kumimoji="1" lang="en-US" altLang="ja-JP" dirty="0"/>
-          </a:p>
-        </p:txBody>
-      </p:sp>
-      <p:sp>
-        <p:nvSpPr>
-          <p:cNvPr id="8" name="テキスト ボックス 7">
+            <a:r>
+              <a:rPr kumimoji="1" lang="en-US" altLang="ja-JP" sz="2000" dirty="0">
+                <a:latin typeface="メイリオ" panose="020B0604030504040204" pitchFamily="50" charset="-128"/>
+                <a:ea typeface="メイリオ" panose="020B0604030504040204" pitchFamily="50" charset="-128"/>
+              </a:rPr>
+              <a:t>	DX</a:t>
+            </a:r>
+            <a:r>
+              <a:rPr kumimoji="1" lang="ja-JP" altLang="en-US" sz="2000" dirty="0">
+                <a:latin typeface="メイリオ" panose="020B0604030504040204" pitchFamily="50" charset="-128"/>
+                <a:ea typeface="メイリオ" panose="020B0604030504040204" pitchFamily="50" charset="-128"/>
+              </a:rPr>
+              <a:t>ライブラリ</a:t>
+            </a:r>
+            <a:r>
+              <a:rPr kumimoji="1" lang="en-US" altLang="ja-JP" sz="2000" dirty="0">
+                <a:latin typeface="メイリオ" panose="020B0604030504040204" pitchFamily="50" charset="-128"/>
+                <a:ea typeface="メイリオ" panose="020B0604030504040204" pitchFamily="50" charset="-128"/>
+              </a:rPr>
+              <a:t>/C++</a:t>
+            </a:r>
+          </a:p>
+          <a:p>
+            <a:r>
+              <a:rPr kumimoji="1" lang="ja-JP" altLang="en-US" sz="2000" dirty="0">
+                <a:latin typeface="メイリオ" panose="020B0604030504040204" pitchFamily="50" charset="-128"/>
+                <a:ea typeface="メイリオ" panose="020B0604030504040204" pitchFamily="50" charset="-128"/>
+              </a:rPr>
+              <a:t>対応機種</a:t>
+            </a:r>
+            <a:r>
+              <a:rPr kumimoji="1" lang="en-US" altLang="ja-JP" sz="2000" dirty="0">
+                <a:latin typeface="メイリオ" panose="020B0604030504040204" pitchFamily="50" charset="-128"/>
+                <a:ea typeface="メイリオ" panose="020B0604030504040204" pitchFamily="50" charset="-128"/>
+              </a:rPr>
+              <a:t>	Windows</a:t>
+            </a:r>
+          </a:p>
+          <a:p>
+            <a:r>
+              <a:rPr kumimoji="1" lang="ja-JP" altLang="en-US" sz="2000" dirty="0">
+                <a:latin typeface="メイリオ" panose="020B0604030504040204" pitchFamily="50" charset="-128"/>
+                <a:ea typeface="メイリオ" panose="020B0604030504040204" pitchFamily="50" charset="-128"/>
+              </a:rPr>
+              <a:t>担当</a:t>
+            </a:r>
+            <a:r>
+              <a:rPr kumimoji="1" lang="en-US" altLang="ja-JP" sz="2000" dirty="0">
+                <a:latin typeface="メイリオ" panose="020B0604030504040204" pitchFamily="50" charset="-128"/>
+                <a:ea typeface="メイリオ" panose="020B0604030504040204" pitchFamily="50" charset="-128"/>
+              </a:rPr>
+              <a:t>		</a:t>
+            </a:r>
+            <a:r>
+              <a:rPr kumimoji="1" lang="ja-JP" altLang="en-US" sz="2000" dirty="0">
+                <a:latin typeface="メイリオ" panose="020B0604030504040204" pitchFamily="50" charset="-128"/>
+                <a:ea typeface="メイリオ" panose="020B0604030504040204" pitchFamily="50" charset="-128"/>
+              </a:rPr>
+              <a:t>プログラムチーフ、バージョン管理、</a:t>
+            </a:r>
+            <a:endParaRPr kumimoji="1" lang="en-US" altLang="ja-JP" sz="2000" dirty="0">
+              <a:latin typeface="メイリオ" panose="020B0604030504040204" pitchFamily="50" charset="-128"/>
+              <a:ea typeface="メイリオ" panose="020B0604030504040204" pitchFamily="50" charset="-128"/>
+            </a:endParaRPr>
+          </a:p>
+          <a:p>
+            <a:r>
+              <a:rPr kumimoji="1" lang="en-US" altLang="ja-JP" sz="2000" dirty="0">
+                <a:latin typeface="メイリオ" panose="020B0604030504040204" pitchFamily="50" charset="-128"/>
+                <a:ea typeface="メイリオ" panose="020B0604030504040204" pitchFamily="50" charset="-128"/>
+              </a:rPr>
+              <a:t>			</a:t>
+            </a:r>
+            <a:r>
+              <a:rPr kumimoji="1" lang="ja-JP" altLang="en-US" sz="2000" dirty="0">
+                <a:latin typeface="メイリオ" panose="020B0604030504040204" pitchFamily="50" charset="-128"/>
+                <a:ea typeface="メイリオ" panose="020B0604030504040204" pitchFamily="50" charset="-128"/>
+              </a:rPr>
+              <a:t>一体のプレイヤーの作成</a:t>
+            </a:r>
+            <a:endParaRPr kumimoji="1" lang="en-US" altLang="ja-JP" sz="2000" dirty="0">
+              <a:latin typeface="メイリオ" panose="020B0604030504040204" pitchFamily="50" charset="-128"/>
+              <a:ea typeface="メイリオ" panose="020B0604030504040204" pitchFamily="50" charset="-128"/>
+            </a:endParaRPr>
+          </a:p>
+          <a:p>
+            <a:endParaRPr kumimoji="1" lang="en-US" altLang="ja-JP" sz="2000" dirty="0">
+              <a:latin typeface="メイリオ" panose="020B0604030504040204" pitchFamily="50" charset="-128"/>
+              <a:ea typeface="メイリオ" panose="020B0604030504040204" pitchFamily="50" charset="-128"/>
+            </a:endParaRPr>
+          </a:p>
+          <a:p>
+            <a:r>
+              <a:rPr kumimoji="1" lang="ja-JP" altLang="en-US" sz="2000" dirty="0">
+                <a:latin typeface="メイリオ" panose="020B0604030504040204" pitchFamily="50" charset="-128"/>
+                <a:ea typeface="メイリオ" panose="020B0604030504040204" pitchFamily="50" charset="-128"/>
+              </a:rPr>
+              <a:t>目的、学んだこと</a:t>
+            </a:r>
+            <a:endParaRPr kumimoji="1" lang="en-US" altLang="ja-JP" sz="2000" dirty="0">
+              <a:latin typeface="メイリオ" panose="020B0604030504040204" pitchFamily="50" charset="-128"/>
+              <a:ea typeface="メイリオ" panose="020B0604030504040204" pitchFamily="50" charset="-128"/>
+            </a:endParaRPr>
+          </a:p>
+          <a:p>
+            <a:r>
+              <a:rPr kumimoji="1" lang="ja-JP" altLang="en-US" sz="2000" dirty="0">
+                <a:latin typeface="メイリオ" panose="020B0604030504040204" pitchFamily="50" charset="-128"/>
+                <a:ea typeface="メイリオ" panose="020B0604030504040204" pitchFamily="50" charset="-128"/>
+              </a:rPr>
+              <a:t>チーム制作の基礎知識</a:t>
+            </a:r>
+            <a:endParaRPr kumimoji="1" lang="en-US" altLang="ja-JP" sz="2000" dirty="0">
+              <a:latin typeface="メイリオ" panose="020B0604030504040204" pitchFamily="50" charset="-128"/>
+              <a:ea typeface="メイリオ" panose="020B0604030504040204" pitchFamily="50" charset="-128"/>
+            </a:endParaRPr>
+          </a:p>
+          <a:p>
+            <a:r>
+              <a:rPr kumimoji="1" lang="en-US" altLang="ja-JP" sz="2000" dirty="0" err="1">
+                <a:latin typeface="メイリオ" panose="020B0604030504040204" pitchFamily="50" charset="-128"/>
+                <a:ea typeface="メイリオ" panose="020B0604030504040204" pitchFamily="50" charset="-128"/>
+              </a:rPr>
+              <a:t>GitHubDesktop</a:t>
+            </a:r>
+            <a:r>
+              <a:rPr kumimoji="1" lang="ja-JP" altLang="en-US" sz="2000" dirty="0">
+                <a:latin typeface="メイリオ" panose="020B0604030504040204" pitchFamily="50" charset="-128"/>
+                <a:ea typeface="メイリオ" panose="020B0604030504040204" pitchFamily="50" charset="-128"/>
+              </a:rPr>
+              <a:t>の知識</a:t>
+            </a:r>
+            <a:endParaRPr kumimoji="1" lang="en-US" altLang="ja-JP" sz="2000" dirty="0">
+              <a:latin typeface="メイリオ" panose="020B0604030504040204" pitchFamily="50" charset="-128"/>
+              <a:ea typeface="メイリオ" panose="020B0604030504040204" pitchFamily="50" charset="-128"/>
+            </a:endParaRPr>
+          </a:p>
+        </p:txBody>
+      </p:sp>
+      <p:sp>
+        <p:nvSpPr>
+          <p:cNvPr id="9" name="テキスト ボックス 8">
             <a:extLst>
               <a:ext uri="{FF2B5EF4-FFF2-40B4-BE49-F238E27FC236}">
-                <a16:creationId xmlns:a16="http://schemas.microsoft.com/office/drawing/2014/main" id="{0729269A-5B57-4CB7-B90E-B37A8F1C61E1}"/>
+                <a16:creationId xmlns:a16="http://schemas.microsoft.com/office/drawing/2014/main" id="{F7549F22-EC0F-4EAF-BE5B-CAA4FFF91E33}"/>
               </a:ext>
             </a:extLst>
           </p:cNvPr>
@@ -4117,8 +4321,8 @@
         </p:nvSpPr>
         <p:spPr>
           <a:xfrm>
-            <a:off x="4530088" y="5427851"/>
-            <a:ext cx="2031325" cy="1200329"/>
+            <a:off x="4530088" y="4174280"/>
+            <a:ext cx="4826962" cy="3170099"/>
           </a:xfrm>
           <a:prstGeom prst="rect">
             <a:avLst/>
@@ -4132,38 +4336,212 @@
           <a:lstStyle/>
           <a:p>
             <a:r>
-              <a:rPr kumimoji="1" lang="ja-JP" altLang="en-US" dirty="0"/>
+              <a:rPr kumimoji="1" lang="ja-JP" altLang="en-US" sz="2000" dirty="0">
+                <a:latin typeface="メイリオ" panose="020B0604030504040204" pitchFamily="50" charset="-128"/>
+                <a:ea typeface="メイリオ" panose="020B0604030504040204" pitchFamily="50" charset="-128"/>
+              </a:rPr>
               <a:t>作品名</a:t>
             </a:r>
-            <a:endParaRPr kumimoji="1" lang="en-US" altLang="ja-JP" dirty="0"/>
-          </a:p>
-          <a:p>
-            <a:r>
-              <a:rPr kumimoji="1" lang="ja-JP" altLang="en-US" dirty="0"/>
+            <a:r>
+              <a:rPr kumimoji="1" lang="en-US" altLang="ja-JP" sz="2000" dirty="0">
+                <a:latin typeface="メイリオ" panose="020B0604030504040204" pitchFamily="50" charset="-128"/>
+                <a:ea typeface="メイリオ" panose="020B0604030504040204" pitchFamily="50" charset="-128"/>
+              </a:rPr>
+              <a:t>		</a:t>
+            </a:r>
+            <a:r>
+              <a:rPr kumimoji="1" lang="en-US" altLang="ja-JP" sz="2000" dirty="0" err="1">
+                <a:latin typeface="メイリオ" panose="020B0604030504040204" pitchFamily="50" charset="-128"/>
+                <a:ea typeface="メイリオ" panose="020B0604030504040204" pitchFamily="50" charset="-128"/>
+              </a:rPr>
+              <a:t>JumpLabyrinth</a:t>
+            </a:r>
+            <a:endParaRPr kumimoji="1" lang="en-US" altLang="ja-JP" sz="2000" dirty="0">
+              <a:latin typeface="メイリオ" panose="020B0604030504040204" pitchFamily="50" charset="-128"/>
+              <a:ea typeface="メイリオ" panose="020B0604030504040204" pitchFamily="50" charset="-128"/>
+            </a:endParaRPr>
+          </a:p>
+          <a:p>
+            <a:r>
+              <a:rPr kumimoji="1" lang="ja-JP" altLang="en-US" sz="2000" dirty="0">
+                <a:latin typeface="メイリオ" panose="020B0604030504040204" pitchFamily="50" charset="-128"/>
+                <a:ea typeface="メイリオ" panose="020B0604030504040204" pitchFamily="50" charset="-128"/>
+              </a:rPr>
+              <a:t>ジャンル</a:t>
+            </a:r>
+            <a:r>
+              <a:rPr kumimoji="1" lang="en-US" altLang="ja-JP" sz="2000" dirty="0">
+                <a:latin typeface="メイリオ" panose="020B0604030504040204" pitchFamily="50" charset="-128"/>
+                <a:ea typeface="メイリオ" panose="020B0604030504040204" pitchFamily="50" charset="-128"/>
+              </a:rPr>
+              <a:t>	2D</a:t>
+            </a:r>
+            <a:r>
+              <a:rPr kumimoji="1" lang="ja-JP" altLang="en-US" sz="2000" dirty="0">
+                <a:latin typeface="メイリオ" panose="020B0604030504040204" pitchFamily="50" charset="-128"/>
+                <a:ea typeface="メイリオ" panose="020B0604030504040204" pitchFamily="50" charset="-128"/>
+              </a:rPr>
+              <a:t>パズルゲーム</a:t>
+            </a:r>
+            <a:endParaRPr kumimoji="1" lang="en-US" altLang="ja-JP" sz="2000" dirty="0">
+              <a:latin typeface="メイリオ" panose="020B0604030504040204" pitchFamily="50" charset="-128"/>
+              <a:ea typeface="メイリオ" panose="020B0604030504040204" pitchFamily="50" charset="-128"/>
+            </a:endParaRPr>
+          </a:p>
+          <a:p>
+            <a:r>
+              <a:rPr kumimoji="1" lang="ja-JP" altLang="en-US" sz="2000" dirty="0">
+                <a:latin typeface="メイリオ" panose="020B0604030504040204" pitchFamily="50" charset="-128"/>
+                <a:ea typeface="メイリオ" panose="020B0604030504040204" pitchFamily="50" charset="-128"/>
+              </a:rPr>
               <a:t>製作期間</a:t>
             </a:r>
-            <a:endParaRPr kumimoji="1" lang="en-US" altLang="ja-JP" dirty="0"/>
-          </a:p>
-          <a:p>
-            <a:r>
-              <a:rPr kumimoji="1" lang="ja-JP" altLang="en-US" dirty="0"/>
+            <a:r>
+              <a:rPr kumimoji="1" lang="en-US" altLang="ja-JP" sz="2000" dirty="0">
+                <a:latin typeface="メイリオ" panose="020B0604030504040204" pitchFamily="50" charset="-128"/>
+                <a:ea typeface="メイリオ" panose="020B0604030504040204" pitchFamily="50" charset="-128"/>
+              </a:rPr>
+              <a:t>	2023/01/09</a:t>
+            </a:r>
+            <a:r>
+              <a:rPr kumimoji="1" lang="ja-JP" altLang="en-US" sz="2000" dirty="0">
+                <a:latin typeface="メイリオ" panose="020B0604030504040204" pitchFamily="50" charset="-128"/>
+                <a:ea typeface="メイリオ" panose="020B0604030504040204" pitchFamily="50" charset="-128"/>
+              </a:rPr>
+              <a:t>～</a:t>
+            </a:r>
+            <a:r>
+              <a:rPr kumimoji="1" lang="en-US" altLang="ja-JP" sz="2000" dirty="0">
+                <a:latin typeface="メイリオ" panose="020B0604030504040204" pitchFamily="50" charset="-128"/>
+                <a:ea typeface="メイリオ" panose="020B0604030504040204" pitchFamily="50" charset="-128"/>
+              </a:rPr>
+              <a:t>2023/03/17</a:t>
+            </a:r>
+          </a:p>
+          <a:p>
+            <a:r>
+              <a:rPr kumimoji="1" lang="ja-JP" altLang="en-US" sz="2000" dirty="0">
+                <a:latin typeface="メイリオ" panose="020B0604030504040204" pitchFamily="50" charset="-128"/>
+                <a:ea typeface="メイリオ" panose="020B0604030504040204" pitchFamily="50" charset="-128"/>
+              </a:rPr>
               <a:t>制作環境</a:t>
             </a:r>
-            <a:endParaRPr kumimoji="1" lang="en-US" altLang="ja-JP" dirty="0"/>
-          </a:p>
-          <a:p>
-            <a:r>
-              <a:rPr kumimoji="1" lang="ja-JP" altLang="en-US" dirty="0"/>
-              <a:t>アピールポイント</a:t>
-            </a:r>
-            <a:endParaRPr kumimoji="1" lang="en-US" altLang="ja-JP" dirty="0"/>
+            <a:r>
+              <a:rPr kumimoji="1" lang="en-US" altLang="ja-JP" sz="2000" dirty="0">
+                <a:latin typeface="メイリオ" panose="020B0604030504040204" pitchFamily="50" charset="-128"/>
+                <a:ea typeface="メイリオ" panose="020B0604030504040204" pitchFamily="50" charset="-128"/>
+              </a:rPr>
+              <a:t>	DX</a:t>
+            </a:r>
+            <a:r>
+              <a:rPr kumimoji="1" lang="ja-JP" altLang="en-US" sz="2000" dirty="0">
+                <a:latin typeface="メイリオ" panose="020B0604030504040204" pitchFamily="50" charset="-128"/>
+                <a:ea typeface="メイリオ" panose="020B0604030504040204" pitchFamily="50" charset="-128"/>
+              </a:rPr>
+              <a:t>ライブラリ</a:t>
+            </a:r>
+            <a:r>
+              <a:rPr kumimoji="1" lang="en-US" altLang="ja-JP" sz="2000" dirty="0">
+                <a:latin typeface="メイリオ" panose="020B0604030504040204" pitchFamily="50" charset="-128"/>
+                <a:ea typeface="メイリオ" panose="020B0604030504040204" pitchFamily="50" charset="-128"/>
+              </a:rPr>
+              <a:t>/C++</a:t>
+            </a:r>
+          </a:p>
+          <a:p>
+            <a:r>
+              <a:rPr kumimoji="1" lang="ja-JP" altLang="en-US" sz="2000" dirty="0">
+                <a:latin typeface="メイリオ" panose="020B0604030504040204" pitchFamily="50" charset="-128"/>
+                <a:ea typeface="メイリオ" panose="020B0604030504040204" pitchFamily="50" charset="-128"/>
+              </a:rPr>
+              <a:t>対応機種</a:t>
+            </a:r>
+            <a:r>
+              <a:rPr kumimoji="1" lang="en-US" altLang="ja-JP" sz="2000" dirty="0">
+                <a:latin typeface="メイリオ" panose="020B0604030504040204" pitchFamily="50" charset="-128"/>
+                <a:ea typeface="メイリオ" panose="020B0604030504040204" pitchFamily="50" charset="-128"/>
+              </a:rPr>
+              <a:t>	Windows</a:t>
+            </a:r>
+          </a:p>
+          <a:p>
+            <a:r>
+              <a:rPr kumimoji="1" lang="ja-JP" altLang="en-US" sz="2000" dirty="0">
+                <a:latin typeface="メイリオ" panose="020B0604030504040204" pitchFamily="50" charset="-128"/>
+                <a:ea typeface="メイリオ" panose="020B0604030504040204" pitchFamily="50" charset="-128"/>
+              </a:rPr>
+              <a:t>担当</a:t>
+            </a:r>
+            <a:r>
+              <a:rPr kumimoji="1" lang="en-US" altLang="ja-JP" sz="2000" dirty="0">
+                <a:latin typeface="メイリオ" panose="020B0604030504040204" pitchFamily="50" charset="-128"/>
+                <a:ea typeface="メイリオ" panose="020B0604030504040204" pitchFamily="50" charset="-128"/>
+              </a:rPr>
+              <a:t>		</a:t>
+            </a:r>
+            <a:r>
+              <a:rPr kumimoji="1" lang="ja-JP" altLang="en-US" sz="2000" dirty="0">
+                <a:latin typeface="メイリオ" panose="020B0604030504040204" pitchFamily="50" charset="-128"/>
+                <a:ea typeface="メイリオ" panose="020B0604030504040204" pitchFamily="50" charset="-128"/>
+              </a:rPr>
+              <a:t>グラフィック以外</a:t>
+            </a:r>
+            <a:endParaRPr kumimoji="1" lang="en-US" altLang="ja-JP" sz="2000" dirty="0">
+              <a:latin typeface="メイリオ" panose="020B0604030504040204" pitchFamily="50" charset="-128"/>
+              <a:ea typeface="メイリオ" panose="020B0604030504040204" pitchFamily="50" charset="-128"/>
+            </a:endParaRPr>
+          </a:p>
+          <a:p>
+            <a:endParaRPr kumimoji="1" lang="en-US" altLang="ja-JP" sz="2000" dirty="0">
+              <a:latin typeface="メイリオ" panose="020B0604030504040204" pitchFamily="50" charset="-128"/>
+              <a:ea typeface="メイリオ" panose="020B0604030504040204" pitchFamily="50" charset="-128"/>
+            </a:endParaRPr>
+          </a:p>
+          <a:p>
+            <a:r>
+              <a:rPr kumimoji="1" lang="ja-JP" altLang="en-US" sz="2000" dirty="0">
+                <a:latin typeface="メイリオ" panose="020B0604030504040204" pitchFamily="50" charset="-128"/>
+                <a:ea typeface="メイリオ" panose="020B0604030504040204" pitchFamily="50" charset="-128"/>
+              </a:rPr>
+              <a:t>目的、学んだこと</a:t>
+            </a:r>
+            <a:endParaRPr kumimoji="1" lang="en-US" altLang="ja-JP" sz="2000" dirty="0">
+              <a:latin typeface="メイリオ" panose="020B0604030504040204" pitchFamily="50" charset="-128"/>
+              <a:ea typeface="メイリオ" panose="020B0604030504040204" pitchFamily="50" charset="-128"/>
+            </a:endParaRPr>
+          </a:p>
+          <a:p>
+            <a:r>
+              <a:rPr kumimoji="1" lang="ja-JP" altLang="en-US" sz="2000" dirty="0">
+                <a:latin typeface="メイリオ" panose="020B0604030504040204" pitchFamily="50" charset="-128"/>
+                <a:ea typeface="メイリオ" panose="020B0604030504040204" pitchFamily="50" charset="-128"/>
+              </a:rPr>
+              <a:t>ゲームの制作の流れ</a:t>
+            </a:r>
+            <a:endParaRPr kumimoji="1" lang="en-US" altLang="ja-JP" sz="2000" dirty="0">
+              <a:latin typeface="メイリオ" panose="020B0604030504040204" pitchFamily="50" charset="-128"/>
+              <a:ea typeface="メイリオ" panose="020B0604030504040204" pitchFamily="50" charset="-128"/>
+            </a:endParaRPr>
+          </a:p>
+          <a:p>
+            <a:r>
+              <a:rPr kumimoji="1" lang="ja-JP" altLang="en-US" sz="2000" dirty="0">
+                <a:latin typeface="メイリオ" panose="020B0604030504040204" pitchFamily="50" charset="-128"/>
+                <a:ea typeface="メイリオ" panose="020B0604030504040204" pitchFamily="50" charset="-128"/>
+              </a:rPr>
+              <a:t>スケジュール管理</a:t>
+            </a:r>
+            <a:endParaRPr kumimoji="1" lang="en-US" altLang="ja-JP" sz="2000" dirty="0">
+              <a:latin typeface="メイリオ" panose="020B0604030504040204" pitchFamily="50" charset="-128"/>
+              <a:ea typeface="メイリオ" panose="020B0604030504040204" pitchFamily="50" charset="-128"/>
+            </a:endParaRPr>
           </a:p>
         </p:txBody>
       </p:sp>
     </p:spTree>
     <p:extLst>
       <p:ext uri="{BB962C8B-B14F-4D97-AF65-F5344CB8AC3E}">
-        <p14:creationId xmlns:p14="http://schemas.microsoft.com/office/powerpoint/2010/main" val="576450008"/>
+        <p14:creationId xmlns:p14="http://schemas.microsoft.com/office/powerpoint/2010/main" val="744134139"/>
       </p:ext>
     </p:extLst>
   </p:cSld>
@@ -4192,42 +4570,6 @@
       </p:grpSpPr>
       <p:sp>
         <p:nvSpPr>
-          <p:cNvPr id="2" name="テキスト ボックス 1">
-            <a:extLst>
-              <a:ext uri="{FF2B5EF4-FFF2-40B4-BE49-F238E27FC236}">
-                <a16:creationId xmlns:a16="http://schemas.microsoft.com/office/drawing/2014/main" id="{58890BA2-147B-4C3F-853F-D8DB86E09C0F}"/>
-              </a:ext>
-            </a:extLst>
-          </p:cNvPr>
-          <p:cNvSpPr txBox="1"/>
-          <p:nvPr/>
-        </p:nvSpPr>
-        <p:spPr>
-          <a:xfrm>
-            <a:off x="491490" y="411480"/>
-            <a:ext cx="1800493" cy="369332"/>
-          </a:xfrm>
-          <a:prstGeom prst="rect">
-            <a:avLst/>
-          </a:prstGeom>
-          <a:noFill/>
-        </p:spPr>
-        <p:txBody>
-          <a:bodyPr wrap="none" rtlCol="0">
-            <a:spAutoFit/>
-          </a:bodyPr>
-          <a:lstStyle/>
-          <a:p>
-            <a:r>
-              <a:rPr kumimoji="1" lang="ja-JP" altLang="en-US" dirty="0"/>
-              <a:t>ゲーム作品一覧</a:t>
-            </a:r>
-            <a:endParaRPr kumimoji="1" lang="en-US" altLang="ja-JP" dirty="0"/>
-          </a:p>
-        </p:txBody>
-      </p:sp>
-      <p:sp>
-        <p:nvSpPr>
           <p:cNvPr id="3" name="テキスト ボックス 2">
             <a:extLst>
               <a:ext uri="{FF2B5EF4-FFF2-40B4-BE49-F238E27FC236}">
@@ -4240,8 +4582,8 @@
         </p:nvSpPr>
         <p:spPr>
           <a:xfrm>
-            <a:off x="491489" y="906780"/>
-            <a:ext cx="1569660" cy="369332"/>
+            <a:off x="491489" y="362494"/>
+            <a:ext cx="1481496" cy="369332"/>
           </a:xfrm>
           <a:prstGeom prst="rect">
             <a:avLst/>
@@ -4255,10 +4597,19 @@
           <a:lstStyle/>
           <a:p>
             <a:r>
-              <a:rPr kumimoji="1" lang="ja-JP" altLang="en-US" dirty="0"/>
-              <a:t>ゲーム作品３</a:t>
-            </a:r>
-            <a:endParaRPr kumimoji="1" lang="en-US" altLang="ja-JP" dirty="0"/>
+              <a:rPr kumimoji="1" lang="ja-JP" altLang="en-US" dirty="0">
+                <a:latin typeface="メイリオ" panose="020B0604030504040204" pitchFamily="50" charset="-128"/>
+                <a:ea typeface="メイリオ" panose="020B0604030504040204" pitchFamily="50" charset="-128"/>
+              </a:rPr>
+              <a:t>ゲーム作品</a:t>
+            </a:r>
+            <a:r>
+              <a:rPr kumimoji="1" lang="en-US" altLang="ja-JP" dirty="0">
+                <a:latin typeface="メイリオ" panose="020B0604030504040204" pitchFamily="50" charset="-128"/>
+                <a:ea typeface="メイリオ" panose="020B0604030504040204" pitchFamily="50" charset="-128"/>
+              </a:rPr>
+              <a:t>5</a:t>
+            </a:r>
           </a:p>
         </p:txBody>
       </p:sp>
@@ -4276,8 +4627,8 @@
         </p:nvSpPr>
         <p:spPr>
           <a:xfrm>
-            <a:off x="491490" y="4533900"/>
-            <a:ext cx="1569660" cy="369332"/>
+            <a:off x="491490" y="3989614"/>
+            <a:ext cx="1481496" cy="369332"/>
           </a:xfrm>
           <a:prstGeom prst="rect">
             <a:avLst/>
@@ -4291,19 +4642,28 @@
           <a:lstStyle/>
           <a:p>
             <a:r>
-              <a:rPr kumimoji="1" lang="ja-JP" altLang="en-US" dirty="0"/>
-              <a:t>ゲーム作品４</a:t>
-            </a:r>
-            <a:endParaRPr kumimoji="1" lang="en-US" altLang="ja-JP" dirty="0"/>
-          </a:p>
-        </p:txBody>
-      </p:sp>
-      <p:sp>
-        <p:nvSpPr>
-          <p:cNvPr id="7" name="テキスト ボックス 6">
+              <a:rPr kumimoji="1" lang="ja-JP" altLang="en-US" dirty="0">
+                <a:latin typeface="メイリオ" panose="020B0604030504040204" pitchFamily="50" charset="-128"/>
+                <a:ea typeface="メイリオ" panose="020B0604030504040204" pitchFamily="50" charset="-128"/>
+              </a:rPr>
+              <a:t>ゲーム作品</a:t>
+            </a:r>
+            <a:r>
+              <a:rPr kumimoji="1" lang="en-US" altLang="ja-JP" dirty="0">
+                <a:latin typeface="メイリオ" panose="020B0604030504040204" pitchFamily="50" charset="-128"/>
+                <a:ea typeface="メイリオ" panose="020B0604030504040204" pitchFamily="50" charset="-128"/>
+              </a:rPr>
+              <a:t>6</a:t>
+            </a:r>
+          </a:p>
+        </p:txBody>
+      </p:sp>
+      <p:sp>
+        <p:nvSpPr>
+          <p:cNvPr id="5" name="テキスト ボックス 4">
             <a:extLst>
               <a:ext uri="{FF2B5EF4-FFF2-40B4-BE49-F238E27FC236}">
-                <a16:creationId xmlns:a16="http://schemas.microsoft.com/office/drawing/2014/main" id="{DC8DAFEB-50C0-4315-9AC6-62DA011E7C2F}"/>
+                <a16:creationId xmlns:a16="http://schemas.microsoft.com/office/drawing/2014/main" id="{E9CF6073-1E8B-4106-A9B1-5E6450D659D8}"/>
               </a:ext>
             </a:extLst>
           </p:cNvPr>
@@ -4312,7 +4672,7 @@
         </p:nvSpPr>
         <p:spPr>
           <a:xfrm>
-            <a:off x="582929" y="2181731"/>
+            <a:off x="582929" y="1637445"/>
             <a:ext cx="2526031" cy="1446550"/>
           </a:xfrm>
           <a:prstGeom prst="rect">
@@ -4336,10 +4696,10 @@
       </p:sp>
       <p:sp>
         <p:nvSpPr>
-          <p:cNvPr id="8" name="テキスト ボックス 7">
+          <p:cNvPr id="6" name="テキスト ボックス 5">
             <a:extLst>
               <a:ext uri="{FF2B5EF4-FFF2-40B4-BE49-F238E27FC236}">
-                <a16:creationId xmlns:a16="http://schemas.microsoft.com/office/drawing/2014/main" id="{AE132045-6FEE-48A5-9747-4F5491DDB9BE}"/>
+                <a16:creationId xmlns:a16="http://schemas.microsoft.com/office/drawing/2014/main" id="{F6F2CD01-C918-428A-B6F0-1B665F589E83}"/>
               </a:ext>
             </a:extLst>
           </p:cNvPr>
@@ -4348,7 +4708,7 @@
         </p:nvSpPr>
         <p:spPr>
           <a:xfrm>
-            <a:off x="491489" y="5427851"/>
+            <a:off x="491489" y="4883565"/>
             <a:ext cx="2526031" cy="1446550"/>
           </a:xfrm>
           <a:prstGeom prst="rect">
@@ -4372,10 +4732,10 @@
       </p:sp>
       <p:sp>
         <p:nvSpPr>
-          <p:cNvPr id="9" name="テキスト ボックス 8">
+          <p:cNvPr id="7" name="テキスト ボックス 6">
             <a:extLst>
               <a:ext uri="{FF2B5EF4-FFF2-40B4-BE49-F238E27FC236}">
-                <a16:creationId xmlns:a16="http://schemas.microsoft.com/office/drawing/2014/main" id="{20448B1C-08E9-46DC-846B-A629F716AD9C}"/>
+                <a16:creationId xmlns:a16="http://schemas.microsoft.com/office/drawing/2014/main" id="{491CE403-E128-4CCF-8775-8749A0A20407}"/>
               </a:ext>
             </a:extLst>
           </p:cNvPr>
@@ -4384,8 +4744,8 @@
         </p:nvSpPr>
         <p:spPr>
           <a:xfrm>
-            <a:off x="4530089" y="2076450"/>
-            <a:ext cx="2031325" cy="1200329"/>
+            <a:off x="4530088" y="511739"/>
+            <a:ext cx="4834272" cy="2862322"/>
           </a:xfrm>
           <a:prstGeom prst="rect">
             <a:avLst/>
@@ -4399,40 +4759,208 @@
           <a:lstStyle/>
           <a:p>
             <a:r>
-              <a:rPr kumimoji="1" lang="ja-JP" altLang="en-US" dirty="0"/>
+              <a:rPr kumimoji="1" lang="ja-JP" altLang="en-US" sz="2000" dirty="0">
+                <a:latin typeface="メイリオ" panose="020B0604030504040204" pitchFamily="50" charset="-128"/>
+                <a:ea typeface="メイリオ" panose="020B0604030504040204" pitchFamily="50" charset="-128"/>
+              </a:rPr>
               <a:t>作品名</a:t>
             </a:r>
-            <a:endParaRPr kumimoji="1" lang="en-US" altLang="ja-JP" dirty="0"/>
-          </a:p>
-          <a:p>
-            <a:r>
-              <a:rPr kumimoji="1" lang="ja-JP" altLang="en-US" dirty="0"/>
+            <a:r>
+              <a:rPr kumimoji="1" lang="en-US" altLang="ja-JP" sz="2000" dirty="0">
+                <a:latin typeface="メイリオ" panose="020B0604030504040204" pitchFamily="50" charset="-128"/>
+                <a:ea typeface="メイリオ" panose="020B0604030504040204" pitchFamily="50" charset="-128"/>
+              </a:rPr>
+              <a:t>		</a:t>
+            </a:r>
+            <a:r>
+              <a:rPr kumimoji="1" lang="ja-JP" altLang="en-US" sz="2000" dirty="0">
+                <a:latin typeface="メイリオ" panose="020B0604030504040204" pitchFamily="50" charset="-128"/>
+                <a:ea typeface="メイリオ" panose="020B0604030504040204" pitchFamily="50" charset="-128"/>
+              </a:rPr>
+              <a:t>やつを撃て</a:t>
+            </a:r>
+            <a:endParaRPr kumimoji="1" lang="en-US" altLang="ja-JP" sz="2000" dirty="0">
+              <a:latin typeface="メイリオ" panose="020B0604030504040204" pitchFamily="50" charset="-128"/>
+              <a:ea typeface="メイリオ" panose="020B0604030504040204" pitchFamily="50" charset="-128"/>
+            </a:endParaRPr>
+          </a:p>
+          <a:p>
+            <a:r>
+              <a:rPr kumimoji="1" lang="ja-JP" altLang="en-US" sz="2000" dirty="0">
+                <a:latin typeface="メイリオ" panose="020B0604030504040204" pitchFamily="50" charset="-128"/>
+                <a:ea typeface="メイリオ" panose="020B0604030504040204" pitchFamily="50" charset="-128"/>
+              </a:rPr>
+              <a:t>ジャンル</a:t>
+            </a:r>
+            <a:r>
+              <a:rPr kumimoji="1" lang="en-US" altLang="ja-JP" sz="2000" dirty="0">
+                <a:latin typeface="メイリオ" panose="020B0604030504040204" pitchFamily="50" charset="-128"/>
+                <a:ea typeface="メイリオ" panose="020B0604030504040204" pitchFamily="50" charset="-128"/>
+              </a:rPr>
+              <a:t>	2D</a:t>
+            </a:r>
+            <a:r>
+              <a:rPr kumimoji="1" lang="ja-JP" altLang="en-US" sz="2000" dirty="0">
+                <a:latin typeface="メイリオ" panose="020B0604030504040204" pitchFamily="50" charset="-128"/>
+                <a:ea typeface="メイリオ" panose="020B0604030504040204" pitchFamily="50" charset="-128"/>
+              </a:rPr>
+              <a:t>シューティングゲーム</a:t>
+            </a:r>
+            <a:endParaRPr kumimoji="1" lang="en-US" altLang="ja-JP" sz="2000" dirty="0">
+              <a:latin typeface="メイリオ" panose="020B0604030504040204" pitchFamily="50" charset="-128"/>
+              <a:ea typeface="メイリオ" panose="020B0604030504040204" pitchFamily="50" charset="-128"/>
+            </a:endParaRPr>
+          </a:p>
+          <a:p>
+            <a:r>
+              <a:rPr kumimoji="1" lang="ja-JP" altLang="en-US" sz="2000" dirty="0">
+                <a:latin typeface="メイリオ" panose="020B0604030504040204" pitchFamily="50" charset="-128"/>
+                <a:ea typeface="メイリオ" panose="020B0604030504040204" pitchFamily="50" charset="-128"/>
+              </a:rPr>
               <a:t>製作期間</a:t>
             </a:r>
-            <a:endParaRPr kumimoji="1" lang="en-US" altLang="ja-JP" dirty="0"/>
-          </a:p>
-          <a:p>
-            <a:r>
-              <a:rPr kumimoji="1" lang="ja-JP" altLang="en-US" dirty="0"/>
+            <a:r>
+              <a:rPr kumimoji="1" lang="en-US" altLang="ja-JP" sz="2000" dirty="0">
+                <a:latin typeface="メイリオ" panose="020B0604030504040204" pitchFamily="50" charset="-128"/>
+                <a:ea typeface="メイリオ" panose="020B0604030504040204" pitchFamily="50" charset="-128"/>
+              </a:rPr>
+              <a:t>	2022/10/06</a:t>
+            </a:r>
+            <a:r>
+              <a:rPr kumimoji="1" lang="ja-JP" altLang="en-US" sz="2000" dirty="0">
+                <a:latin typeface="メイリオ" panose="020B0604030504040204" pitchFamily="50" charset="-128"/>
+                <a:ea typeface="メイリオ" panose="020B0604030504040204" pitchFamily="50" charset="-128"/>
+              </a:rPr>
+              <a:t>～</a:t>
+            </a:r>
+            <a:r>
+              <a:rPr kumimoji="1" lang="en-US" altLang="ja-JP" sz="2000" dirty="0">
+                <a:latin typeface="メイリオ" panose="020B0604030504040204" pitchFamily="50" charset="-128"/>
+                <a:ea typeface="メイリオ" panose="020B0604030504040204" pitchFamily="50" charset="-128"/>
+              </a:rPr>
+              <a:t>2022/11/09</a:t>
+            </a:r>
+          </a:p>
+          <a:p>
+            <a:r>
+              <a:rPr kumimoji="1" lang="ja-JP" altLang="en-US" sz="2000" dirty="0">
+                <a:latin typeface="メイリオ" panose="020B0604030504040204" pitchFamily="50" charset="-128"/>
+                <a:ea typeface="メイリオ" panose="020B0604030504040204" pitchFamily="50" charset="-128"/>
+              </a:rPr>
               <a:t>制作環境</a:t>
             </a:r>
-            <a:endParaRPr kumimoji="1" lang="en-US" altLang="ja-JP" dirty="0"/>
-          </a:p>
-          <a:p>
-            <a:r>
-              <a:rPr kumimoji="1" lang="ja-JP" altLang="en-US" dirty="0"/>
-              <a:t>アピールポイント</a:t>
-            </a:r>
-            <a:endParaRPr kumimoji="1" lang="en-US" altLang="ja-JP" dirty="0"/>
-          </a:p>
-        </p:txBody>
-      </p:sp>
-      <p:sp>
-        <p:nvSpPr>
-          <p:cNvPr id="10" name="テキスト ボックス 9">
+            <a:r>
+              <a:rPr kumimoji="1" lang="en-US" altLang="ja-JP" sz="2000" dirty="0">
+                <a:latin typeface="メイリオ" panose="020B0604030504040204" pitchFamily="50" charset="-128"/>
+                <a:ea typeface="メイリオ" panose="020B0604030504040204" pitchFamily="50" charset="-128"/>
+              </a:rPr>
+              <a:t>	DX</a:t>
+            </a:r>
+            <a:r>
+              <a:rPr kumimoji="1" lang="ja-JP" altLang="en-US" sz="2000" dirty="0">
+                <a:latin typeface="メイリオ" panose="020B0604030504040204" pitchFamily="50" charset="-128"/>
+                <a:ea typeface="メイリオ" panose="020B0604030504040204" pitchFamily="50" charset="-128"/>
+              </a:rPr>
+              <a:t>ライブラリ</a:t>
+            </a:r>
+            <a:r>
+              <a:rPr kumimoji="1" lang="en-US" altLang="ja-JP" sz="2000" dirty="0">
+                <a:latin typeface="メイリオ" panose="020B0604030504040204" pitchFamily="50" charset="-128"/>
+                <a:ea typeface="メイリオ" panose="020B0604030504040204" pitchFamily="50" charset="-128"/>
+              </a:rPr>
+              <a:t>/C++</a:t>
+            </a:r>
+          </a:p>
+          <a:p>
+            <a:r>
+              <a:rPr kumimoji="1" lang="ja-JP" altLang="en-US" sz="2000" dirty="0">
+                <a:latin typeface="メイリオ" panose="020B0604030504040204" pitchFamily="50" charset="-128"/>
+                <a:ea typeface="メイリオ" panose="020B0604030504040204" pitchFamily="50" charset="-128"/>
+              </a:rPr>
+              <a:t>対応機種</a:t>
+            </a:r>
+            <a:r>
+              <a:rPr kumimoji="1" lang="en-US" altLang="ja-JP" sz="2000" dirty="0">
+                <a:latin typeface="メイリオ" panose="020B0604030504040204" pitchFamily="50" charset="-128"/>
+                <a:ea typeface="メイリオ" panose="020B0604030504040204" pitchFamily="50" charset="-128"/>
+              </a:rPr>
+              <a:t>	Windows</a:t>
+            </a:r>
+          </a:p>
+          <a:p>
+            <a:r>
+              <a:rPr kumimoji="1" lang="ja-JP" altLang="en-US" sz="2000" dirty="0">
+                <a:latin typeface="メイリオ" panose="020B0604030504040204" pitchFamily="50" charset="-128"/>
+                <a:ea typeface="メイリオ" panose="020B0604030504040204" pitchFamily="50" charset="-128"/>
+              </a:rPr>
+              <a:t>担当</a:t>
+            </a:r>
+            <a:r>
+              <a:rPr kumimoji="1" lang="en-US" altLang="ja-JP" sz="2000" dirty="0">
+                <a:latin typeface="メイリオ" panose="020B0604030504040204" pitchFamily="50" charset="-128"/>
+                <a:ea typeface="メイリオ" panose="020B0604030504040204" pitchFamily="50" charset="-128"/>
+              </a:rPr>
+              <a:t>		</a:t>
+            </a:r>
+            <a:r>
+              <a:rPr kumimoji="1" lang="ja-JP" altLang="en-US" sz="2000" dirty="0">
+                <a:latin typeface="メイリオ" panose="020B0604030504040204" pitchFamily="50" charset="-128"/>
+                <a:ea typeface="メイリオ" panose="020B0604030504040204" pitchFamily="50" charset="-128"/>
+              </a:rPr>
+              <a:t>プログラム全般</a:t>
+            </a:r>
+            <a:endParaRPr kumimoji="1" lang="en-US" altLang="ja-JP" sz="2000" dirty="0">
+              <a:latin typeface="メイリオ" panose="020B0604030504040204" pitchFamily="50" charset="-128"/>
+              <a:ea typeface="メイリオ" panose="020B0604030504040204" pitchFamily="50" charset="-128"/>
+            </a:endParaRPr>
+          </a:p>
+          <a:p>
+            <a:endParaRPr kumimoji="1" lang="en-US" altLang="ja-JP" sz="2000" dirty="0">
+              <a:latin typeface="メイリオ" panose="020B0604030504040204" pitchFamily="50" charset="-128"/>
+              <a:ea typeface="メイリオ" panose="020B0604030504040204" pitchFamily="50" charset="-128"/>
+            </a:endParaRPr>
+          </a:p>
+          <a:p>
+            <a:r>
+              <a:rPr kumimoji="1" lang="ja-JP" altLang="en-US" sz="2000" dirty="0">
+                <a:latin typeface="メイリオ" panose="020B0604030504040204" pitchFamily="50" charset="-128"/>
+                <a:ea typeface="メイリオ" panose="020B0604030504040204" pitchFamily="50" charset="-128"/>
+              </a:rPr>
+              <a:t>目的、学んだこと</a:t>
+            </a:r>
+            <a:endParaRPr kumimoji="1" lang="en-US" altLang="ja-JP" sz="2000" dirty="0">
+              <a:latin typeface="メイリオ" panose="020B0604030504040204" pitchFamily="50" charset="-128"/>
+              <a:ea typeface="メイリオ" panose="020B0604030504040204" pitchFamily="50" charset="-128"/>
+            </a:endParaRPr>
+          </a:p>
+          <a:p>
+            <a:r>
+              <a:rPr kumimoji="1" lang="en-US" altLang="ja-JP" sz="2000" dirty="0">
+                <a:latin typeface="メイリオ" panose="020B0604030504040204" pitchFamily="50" charset="-128"/>
+                <a:ea typeface="メイリオ" panose="020B0604030504040204" pitchFamily="50" charset="-128"/>
+              </a:rPr>
+              <a:t>DX</a:t>
+            </a:r>
+            <a:r>
+              <a:rPr kumimoji="1" lang="ja-JP" altLang="en-US" sz="2000" dirty="0">
+                <a:latin typeface="メイリオ" panose="020B0604030504040204" pitchFamily="50" charset="-128"/>
+                <a:ea typeface="メイリオ" panose="020B0604030504040204" pitchFamily="50" charset="-128"/>
+              </a:rPr>
+              <a:t>ライブラリの基礎知識</a:t>
+            </a:r>
+            <a:endParaRPr kumimoji="1" lang="en-US" altLang="ja-JP" sz="2000" dirty="0">
+              <a:latin typeface="メイリオ" panose="020B0604030504040204" pitchFamily="50" charset="-128"/>
+              <a:ea typeface="メイリオ" panose="020B0604030504040204" pitchFamily="50" charset="-128"/>
+            </a:endParaRPr>
+          </a:p>
+        </p:txBody>
+      </p:sp>
+      <p:sp>
+        <p:nvSpPr>
+          <p:cNvPr id="9" name="テキスト ボックス 8">
             <a:extLst>
               <a:ext uri="{FF2B5EF4-FFF2-40B4-BE49-F238E27FC236}">
-                <a16:creationId xmlns:a16="http://schemas.microsoft.com/office/drawing/2014/main" id="{BFD0DAB4-6CCC-476F-9286-E5B048F3383C}"/>
+                <a16:creationId xmlns:a16="http://schemas.microsoft.com/office/drawing/2014/main" id="{F7549F22-EC0F-4EAF-BE5B-CAA4FFF91E33}"/>
               </a:ext>
             </a:extLst>
           </p:cNvPr>
@@ -4441,8 +4969,8 @@
         </p:nvSpPr>
         <p:spPr>
           <a:xfrm>
-            <a:off x="4530088" y="5427851"/>
-            <a:ext cx="2031325" cy="1200329"/>
+            <a:off x="4530088" y="4174280"/>
+            <a:ext cx="5160387" cy="3170099"/>
           </a:xfrm>
           <a:prstGeom prst="rect">
             <a:avLst/>
@@ -4456,38 +4984,205 @@
           <a:lstStyle/>
           <a:p>
             <a:r>
-              <a:rPr kumimoji="1" lang="ja-JP" altLang="en-US" dirty="0"/>
+              <a:rPr kumimoji="1" lang="ja-JP" altLang="en-US" sz="2000" dirty="0">
+                <a:latin typeface="メイリオ" panose="020B0604030504040204" pitchFamily="50" charset="-128"/>
+                <a:ea typeface="メイリオ" panose="020B0604030504040204" pitchFamily="50" charset="-128"/>
+              </a:rPr>
               <a:t>作品名</a:t>
             </a:r>
-            <a:endParaRPr kumimoji="1" lang="en-US" altLang="ja-JP" dirty="0"/>
-          </a:p>
-          <a:p>
-            <a:r>
-              <a:rPr kumimoji="1" lang="ja-JP" altLang="en-US" dirty="0"/>
+            <a:r>
+              <a:rPr kumimoji="1" lang="en-US" altLang="ja-JP" sz="2000" dirty="0">
+                <a:latin typeface="メイリオ" panose="020B0604030504040204" pitchFamily="50" charset="-128"/>
+                <a:ea typeface="メイリオ" panose="020B0604030504040204" pitchFamily="50" charset="-128"/>
+              </a:rPr>
+              <a:t>		</a:t>
+            </a:r>
+            <a:r>
+              <a:rPr kumimoji="1" lang="ja-JP" altLang="en-US" sz="2000" dirty="0">
+                <a:latin typeface="メイリオ" panose="020B0604030504040204" pitchFamily="50" charset="-128"/>
+                <a:ea typeface="メイリオ" panose="020B0604030504040204" pitchFamily="50" charset="-128"/>
+              </a:rPr>
+              <a:t>ブロックを壊せ</a:t>
+            </a:r>
+            <a:endParaRPr kumimoji="1" lang="en-US" altLang="ja-JP" sz="2000" dirty="0">
+              <a:latin typeface="メイリオ" panose="020B0604030504040204" pitchFamily="50" charset="-128"/>
+              <a:ea typeface="メイリオ" panose="020B0604030504040204" pitchFamily="50" charset="-128"/>
+            </a:endParaRPr>
+          </a:p>
+          <a:p>
+            <a:r>
+              <a:rPr kumimoji="1" lang="ja-JP" altLang="en-US" sz="2000" dirty="0">
+                <a:latin typeface="メイリオ" panose="020B0604030504040204" pitchFamily="50" charset="-128"/>
+                <a:ea typeface="メイリオ" panose="020B0604030504040204" pitchFamily="50" charset="-128"/>
+              </a:rPr>
+              <a:t>ジャンル</a:t>
+            </a:r>
+            <a:r>
+              <a:rPr kumimoji="1" lang="en-US" altLang="ja-JP" sz="2000" dirty="0">
+                <a:latin typeface="メイリオ" panose="020B0604030504040204" pitchFamily="50" charset="-128"/>
+                <a:ea typeface="メイリオ" panose="020B0604030504040204" pitchFamily="50" charset="-128"/>
+              </a:rPr>
+              <a:t>	</a:t>
+            </a:r>
+            <a:r>
+              <a:rPr kumimoji="1" lang="ja-JP" altLang="en-US" sz="2000" dirty="0">
+                <a:latin typeface="メイリオ" panose="020B0604030504040204" pitchFamily="50" charset="-128"/>
+                <a:ea typeface="メイリオ" panose="020B0604030504040204" pitchFamily="50" charset="-128"/>
+              </a:rPr>
+              <a:t>？</a:t>
+            </a:r>
+            <a:endParaRPr kumimoji="1" lang="en-US" altLang="ja-JP" sz="2000" dirty="0">
+              <a:latin typeface="メイリオ" panose="020B0604030504040204" pitchFamily="50" charset="-128"/>
+              <a:ea typeface="メイリオ" panose="020B0604030504040204" pitchFamily="50" charset="-128"/>
+            </a:endParaRPr>
+          </a:p>
+          <a:p>
+            <a:r>
+              <a:rPr kumimoji="1" lang="ja-JP" altLang="en-US" sz="2000" dirty="0">
+                <a:latin typeface="メイリオ" panose="020B0604030504040204" pitchFamily="50" charset="-128"/>
+                <a:ea typeface="メイリオ" panose="020B0604030504040204" pitchFamily="50" charset="-128"/>
+              </a:rPr>
               <a:t>製作期間</a:t>
             </a:r>
-            <a:endParaRPr kumimoji="1" lang="en-US" altLang="ja-JP" dirty="0"/>
-          </a:p>
-          <a:p>
-            <a:r>
-              <a:rPr kumimoji="1" lang="ja-JP" altLang="en-US" dirty="0"/>
+            <a:r>
+              <a:rPr kumimoji="1" lang="en-US" altLang="ja-JP" sz="2000" dirty="0">
+                <a:latin typeface="メイリオ" panose="020B0604030504040204" pitchFamily="50" charset="-128"/>
+                <a:ea typeface="メイリオ" panose="020B0604030504040204" pitchFamily="50" charset="-128"/>
+              </a:rPr>
+              <a:t>	2022/08/15</a:t>
+            </a:r>
+            <a:r>
+              <a:rPr kumimoji="1" lang="ja-JP" altLang="en-US" sz="2000" dirty="0">
+                <a:latin typeface="メイリオ" panose="020B0604030504040204" pitchFamily="50" charset="-128"/>
+                <a:ea typeface="メイリオ" panose="020B0604030504040204" pitchFamily="50" charset="-128"/>
+              </a:rPr>
+              <a:t>～</a:t>
+            </a:r>
+            <a:r>
+              <a:rPr kumimoji="1" lang="en-US" altLang="ja-JP" sz="2000" dirty="0">
+                <a:latin typeface="メイリオ" panose="020B0604030504040204" pitchFamily="50" charset="-128"/>
+                <a:ea typeface="メイリオ" panose="020B0604030504040204" pitchFamily="50" charset="-128"/>
+              </a:rPr>
+              <a:t>2022/08/31</a:t>
+            </a:r>
+          </a:p>
+          <a:p>
+            <a:r>
+              <a:rPr kumimoji="1" lang="ja-JP" altLang="en-US" sz="2000" dirty="0">
+                <a:latin typeface="メイリオ" panose="020B0604030504040204" pitchFamily="50" charset="-128"/>
+                <a:ea typeface="メイリオ" panose="020B0604030504040204" pitchFamily="50" charset="-128"/>
+              </a:rPr>
               <a:t>制作環境</a:t>
             </a:r>
-            <a:endParaRPr kumimoji="1" lang="en-US" altLang="ja-JP" dirty="0"/>
-          </a:p>
-          <a:p>
-            <a:r>
-              <a:rPr kumimoji="1" lang="ja-JP" altLang="en-US" dirty="0"/>
-              <a:t>アピールポイント</a:t>
-            </a:r>
-            <a:endParaRPr kumimoji="1" lang="en-US" altLang="ja-JP" dirty="0"/>
+            <a:r>
+              <a:rPr kumimoji="1" lang="en-US" altLang="ja-JP" sz="2000" dirty="0">
+                <a:latin typeface="メイリオ" panose="020B0604030504040204" pitchFamily="50" charset="-128"/>
+                <a:ea typeface="メイリオ" panose="020B0604030504040204" pitchFamily="50" charset="-128"/>
+              </a:rPr>
+              <a:t>	Unity/C#</a:t>
+            </a:r>
+          </a:p>
+          <a:p>
+            <a:r>
+              <a:rPr kumimoji="1" lang="ja-JP" altLang="en-US" sz="2000" dirty="0">
+                <a:latin typeface="メイリオ" panose="020B0604030504040204" pitchFamily="50" charset="-128"/>
+                <a:ea typeface="メイリオ" panose="020B0604030504040204" pitchFamily="50" charset="-128"/>
+              </a:rPr>
+              <a:t>対応機種</a:t>
+            </a:r>
+            <a:r>
+              <a:rPr kumimoji="1" lang="en-US" altLang="ja-JP" sz="2000" dirty="0">
+                <a:latin typeface="メイリオ" panose="020B0604030504040204" pitchFamily="50" charset="-128"/>
+                <a:ea typeface="メイリオ" panose="020B0604030504040204" pitchFamily="50" charset="-128"/>
+              </a:rPr>
+              <a:t>	Windows</a:t>
+            </a:r>
+          </a:p>
+          <a:p>
+            <a:r>
+              <a:rPr kumimoji="1" lang="ja-JP" altLang="en-US" sz="2000" dirty="0">
+                <a:latin typeface="メイリオ" panose="020B0604030504040204" pitchFamily="50" charset="-128"/>
+                <a:ea typeface="メイリオ" panose="020B0604030504040204" pitchFamily="50" charset="-128"/>
+              </a:rPr>
+              <a:t>担当</a:t>
+            </a:r>
+            <a:r>
+              <a:rPr kumimoji="1" lang="en-US" altLang="ja-JP" sz="2000" dirty="0">
+                <a:latin typeface="メイリオ" panose="020B0604030504040204" pitchFamily="50" charset="-128"/>
+                <a:ea typeface="メイリオ" panose="020B0604030504040204" pitchFamily="50" charset="-128"/>
+              </a:rPr>
+              <a:t>		</a:t>
+            </a:r>
+            <a:r>
+              <a:rPr kumimoji="1" lang="ja-JP" altLang="en-US" sz="2000" dirty="0">
+                <a:latin typeface="メイリオ" panose="020B0604030504040204" pitchFamily="50" charset="-128"/>
+                <a:ea typeface="メイリオ" panose="020B0604030504040204" pitchFamily="50" charset="-128"/>
+              </a:rPr>
+              <a:t>車の制御以外のプログラム全般</a:t>
+            </a:r>
+            <a:endParaRPr kumimoji="1" lang="en-US" altLang="ja-JP" sz="2000" dirty="0">
+              <a:latin typeface="メイリオ" panose="020B0604030504040204" pitchFamily="50" charset="-128"/>
+              <a:ea typeface="メイリオ" panose="020B0604030504040204" pitchFamily="50" charset="-128"/>
+            </a:endParaRPr>
+          </a:p>
+          <a:p>
+            <a:endParaRPr kumimoji="1" lang="en-US" altLang="ja-JP" sz="2000" dirty="0">
+              <a:latin typeface="メイリオ" panose="020B0604030504040204" pitchFamily="50" charset="-128"/>
+              <a:ea typeface="メイリオ" panose="020B0604030504040204" pitchFamily="50" charset="-128"/>
+            </a:endParaRPr>
+          </a:p>
+          <a:p>
+            <a:r>
+              <a:rPr kumimoji="1" lang="ja-JP" altLang="en-US" sz="2000" dirty="0">
+                <a:latin typeface="メイリオ" panose="020B0604030504040204" pitchFamily="50" charset="-128"/>
+                <a:ea typeface="メイリオ" panose="020B0604030504040204" pitchFamily="50" charset="-128"/>
+              </a:rPr>
+              <a:t>目的、学んだこと</a:t>
+            </a:r>
+            <a:endParaRPr kumimoji="1" lang="en-US" altLang="ja-JP" sz="2000" dirty="0">
+              <a:latin typeface="メイリオ" panose="020B0604030504040204" pitchFamily="50" charset="-128"/>
+              <a:ea typeface="メイリオ" panose="020B0604030504040204" pitchFamily="50" charset="-128"/>
+            </a:endParaRPr>
+          </a:p>
+          <a:p>
+            <a:r>
+              <a:rPr kumimoji="1" lang="en-US" altLang="ja-JP" sz="2000" dirty="0">
+                <a:latin typeface="メイリオ" panose="020B0604030504040204" pitchFamily="50" charset="-128"/>
+                <a:ea typeface="メイリオ" panose="020B0604030504040204" pitchFamily="50" charset="-128"/>
+              </a:rPr>
+              <a:t>C#</a:t>
+            </a:r>
+            <a:r>
+              <a:rPr kumimoji="1" lang="ja-JP" altLang="en-US" sz="2000" dirty="0">
+                <a:latin typeface="メイリオ" panose="020B0604030504040204" pitchFamily="50" charset="-128"/>
+                <a:ea typeface="メイリオ" panose="020B0604030504040204" pitchFamily="50" charset="-128"/>
+              </a:rPr>
+              <a:t>の基礎知識</a:t>
+            </a:r>
+            <a:endParaRPr kumimoji="1" lang="en-US" altLang="ja-JP" sz="2000" dirty="0">
+              <a:latin typeface="メイリオ" panose="020B0604030504040204" pitchFamily="50" charset="-128"/>
+              <a:ea typeface="メイリオ" panose="020B0604030504040204" pitchFamily="50" charset="-128"/>
+            </a:endParaRPr>
+          </a:p>
+          <a:p>
+            <a:r>
+              <a:rPr kumimoji="1" lang="ja-JP" altLang="en-US" sz="2000" dirty="0">
+                <a:latin typeface="メイリオ" panose="020B0604030504040204" pitchFamily="50" charset="-128"/>
+                <a:ea typeface="メイリオ" panose="020B0604030504040204" pitchFamily="50" charset="-128"/>
+              </a:rPr>
+              <a:t>アセットの使用方法</a:t>
+            </a:r>
+            <a:endParaRPr kumimoji="1" lang="en-US" altLang="ja-JP" sz="2000" dirty="0">
+              <a:latin typeface="メイリオ" panose="020B0604030504040204" pitchFamily="50" charset="-128"/>
+              <a:ea typeface="メイリオ" panose="020B0604030504040204" pitchFamily="50" charset="-128"/>
+            </a:endParaRPr>
           </a:p>
         </p:txBody>
       </p:sp>
     </p:spTree>
     <p:extLst>
       <p:ext uri="{BB962C8B-B14F-4D97-AF65-F5344CB8AC3E}">
-        <p14:creationId xmlns:p14="http://schemas.microsoft.com/office/powerpoint/2010/main" val="2760715441"/>
+        <p14:creationId xmlns:p14="http://schemas.microsoft.com/office/powerpoint/2010/main" val="633171451"/>
       </p:ext>
     </p:extLst>
   </p:cSld>
@@ -4516,42 +5211,6 @@
       </p:grpSpPr>
       <p:sp>
         <p:nvSpPr>
-          <p:cNvPr id="2" name="テキスト ボックス 1">
-            <a:extLst>
-              <a:ext uri="{FF2B5EF4-FFF2-40B4-BE49-F238E27FC236}">
-                <a16:creationId xmlns:a16="http://schemas.microsoft.com/office/drawing/2014/main" id="{58890BA2-147B-4C3F-853F-D8DB86E09C0F}"/>
-              </a:ext>
-            </a:extLst>
-          </p:cNvPr>
-          <p:cNvSpPr txBox="1"/>
-          <p:nvPr/>
-        </p:nvSpPr>
-        <p:spPr>
-          <a:xfrm>
-            <a:off x="491490" y="411480"/>
-            <a:ext cx="1800493" cy="369332"/>
-          </a:xfrm>
-          <a:prstGeom prst="rect">
-            <a:avLst/>
-          </a:prstGeom>
-          <a:noFill/>
-        </p:spPr>
-        <p:txBody>
-          <a:bodyPr wrap="none" rtlCol="0">
-            <a:spAutoFit/>
-          </a:bodyPr>
-          <a:lstStyle/>
-          <a:p>
-            <a:r>
-              <a:rPr kumimoji="1" lang="ja-JP" altLang="en-US" dirty="0"/>
-              <a:t>ゲーム作品一覧</a:t>
-            </a:r>
-            <a:endParaRPr kumimoji="1" lang="en-US" altLang="ja-JP" dirty="0"/>
-          </a:p>
-        </p:txBody>
-      </p:sp>
-      <p:sp>
-        <p:nvSpPr>
           <p:cNvPr id="3" name="テキスト ボックス 2">
             <a:extLst>
               <a:ext uri="{FF2B5EF4-FFF2-40B4-BE49-F238E27FC236}">
@@ -4564,8 +5223,8 @@
         </p:nvSpPr>
         <p:spPr>
           <a:xfrm>
-            <a:off x="491489" y="906780"/>
-            <a:ext cx="1569660" cy="369332"/>
+            <a:off x="491489" y="362494"/>
+            <a:ext cx="1481496" cy="369332"/>
           </a:xfrm>
           <a:prstGeom prst="rect">
             <a:avLst/>
@@ -4579,19 +5238,28 @@
           <a:lstStyle/>
           <a:p>
             <a:r>
-              <a:rPr kumimoji="1" lang="ja-JP" altLang="en-US" dirty="0"/>
-              <a:t>ゲーム作品５</a:t>
-            </a:r>
-            <a:endParaRPr kumimoji="1" lang="en-US" altLang="ja-JP" dirty="0"/>
-          </a:p>
-        </p:txBody>
-      </p:sp>
-      <p:sp>
-        <p:nvSpPr>
-          <p:cNvPr id="4" name="テキスト ボックス 3">
+              <a:rPr kumimoji="1" lang="ja-JP" altLang="en-US" dirty="0">
+                <a:latin typeface="メイリオ" panose="020B0604030504040204" pitchFamily="50" charset="-128"/>
+                <a:ea typeface="メイリオ" panose="020B0604030504040204" pitchFamily="50" charset="-128"/>
+              </a:rPr>
+              <a:t>ゲーム作品</a:t>
+            </a:r>
+            <a:r>
+              <a:rPr kumimoji="1" lang="en-US" altLang="ja-JP" dirty="0">
+                <a:latin typeface="メイリオ" panose="020B0604030504040204" pitchFamily="50" charset="-128"/>
+                <a:ea typeface="メイリオ" panose="020B0604030504040204" pitchFamily="50" charset="-128"/>
+              </a:rPr>
+              <a:t>5</a:t>
+            </a:r>
+          </a:p>
+        </p:txBody>
+      </p:sp>
+      <p:sp>
+        <p:nvSpPr>
+          <p:cNvPr id="5" name="テキスト ボックス 4">
             <a:extLst>
               <a:ext uri="{FF2B5EF4-FFF2-40B4-BE49-F238E27FC236}">
-                <a16:creationId xmlns:a16="http://schemas.microsoft.com/office/drawing/2014/main" id="{0E21A147-0C79-40ED-963F-C4259945323E}"/>
+                <a16:creationId xmlns:a16="http://schemas.microsoft.com/office/drawing/2014/main" id="{E9CF6073-1E8B-4106-A9B1-5E6450D659D8}"/>
               </a:ext>
             </a:extLst>
           </p:cNvPr>
@@ -4600,43 +5268,7 @@
         </p:nvSpPr>
         <p:spPr>
           <a:xfrm>
-            <a:off x="491490" y="4533900"/>
-            <a:ext cx="1569660" cy="369332"/>
-          </a:xfrm>
-          <a:prstGeom prst="rect">
-            <a:avLst/>
-          </a:prstGeom>
-          <a:noFill/>
-        </p:spPr>
-        <p:txBody>
-          <a:bodyPr wrap="none" rtlCol="0">
-            <a:spAutoFit/>
-          </a:bodyPr>
-          <a:lstStyle/>
-          <a:p>
-            <a:r>
-              <a:rPr kumimoji="1" lang="ja-JP" altLang="en-US" dirty="0"/>
-              <a:t>ゲーム作品６</a:t>
-            </a:r>
-            <a:endParaRPr kumimoji="1" lang="en-US" altLang="ja-JP" dirty="0"/>
-          </a:p>
-        </p:txBody>
-      </p:sp>
-      <p:sp>
-        <p:nvSpPr>
-          <p:cNvPr id="5" name="テキスト ボックス 4">
-            <a:extLst>
-              <a:ext uri="{FF2B5EF4-FFF2-40B4-BE49-F238E27FC236}">
-                <a16:creationId xmlns:a16="http://schemas.microsoft.com/office/drawing/2014/main" id="{8A6303D7-29C2-494A-97FC-6A8BBF5D57AA}"/>
-              </a:ext>
-            </a:extLst>
-          </p:cNvPr>
-          <p:cNvSpPr txBox="1"/>
-          <p:nvPr/>
-        </p:nvSpPr>
-        <p:spPr>
-          <a:xfrm>
-            <a:off x="582929" y="2181731"/>
+            <a:off x="582929" y="1637445"/>
             <a:ext cx="2526031" cy="1446550"/>
           </a:xfrm>
           <a:prstGeom prst="rect">
@@ -4660,10 +5292,10 @@
       </p:sp>
       <p:sp>
         <p:nvSpPr>
-          <p:cNvPr id="6" name="テキスト ボックス 5">
+          <p:cNvPr id="7" name="テキスト ボックス 6">
             <a:extLst>
               <a:ext uri="{FF2B5EF4-FFF2-40B4-BE49-F238E27FC236}">
-                <a16:creationId xmlns:a16="http://schemas.microsoft.com/office/drawing/2014/main" id="{F16C6D58-A5EB-4D18-B3C6-6818D96B938A}"/>
+                <a16:creationId xmlns:a16="http://schemas.microsoft.com/office/drawing/2014/main" id="{491CE403-E128-4CCF-8775-8749A0A20407}"/>
               </a:ext>
             </a:extLst>
           </p:cNvPr>
@@ -4672,8 +5304,8 @@
         </p:nvSpPr>
         <p:spPr>
           <a:xfrm>
-            <a:off x="491489" y="5427851"/>
-            <a:ext cx="2526031" cy="1446550"/>
+            <a:off x="4530088" y="511739"/>
+            <a:ext cx="4834272" cy="2862322"/>
           </a:xfrm>
           <a:prstGeom prst="rect">
             <a:avLst/>
@@ -4681,137 +5313,198 @@
           <a:noFill/>
         </p:spPr>
         <p:txBody>
-          <a:bodyPr wrap="square" rtlCol="0">
-            <a:spAutoFit/>
-          </a:bodyPr>
-          <a:lstStyle/>
-          <a:p>
-            <a:r>
-              <a:rPr kumimoji="1" lang="ja-JP" altLang="en-US" sz="8800" dirty="0"/>
-              <a:t>画像</a:t>
-            </a:r>
-            <a:endParaRPr kumimoji="1" lang="en-US" altLang="ja-JP" sz="8800" dirty="0"/>
-          </a:p>
-        </p:txBody>
-      </p:sp>
-      <p:sp>
-        <p:nvSpPr>
-          <p:cNvPr id="7" name="テキスト ボックス 6">
-            <a:extLst>
-              <a:ext uri="{FF2B5EF4-FFF2-40B4-BE49-F238E27FC236}">
-                <a16:creationId xmlns:a16="http://schemas.microsoft.com/office/drawing/2014/main" id="{B214C022-FD08-4D9E-9FF5-21E9AD148730}"/>
-              </a:ext>
-            </a:extLst>
-          </p:cNvPr>
-          <p:cNvSpPr txBox="1"/>
-          <p:nvPr/>
-        </p:nvSpPr>
-        <p:spPr>
-          <a:xfrm>
-            <a:off x="4530089" y="2076450"/>
-            <a:ext cx="2031325" cy="1200329"/>
-          </a:xfrm>
-          <a:prstGeom prst="rect">
-            <a:avLst/>
-          </a:prstGeom>
-          <a:noFill/>
-        </p:spPr>
-        <p:txBody>
           <a:bodyPr wrap="none" rtlCol="0">
             <a:spAutoFit/>
           </a:bodyPr>
           <a:lstStyle/>
           <a:p>
             <a:r>
-              <a:rPr kumimoji="1" lang="ja-JP" altLang="en-US" dirty="0"/>
+              <a:rPr kumimoji="1" lang="ja-JP" altLang="en-US" sz="2000" dirty="0">
+                <a:latin typeface="メイリオ" panose="020B0604030504040204" pitchFamily="50" charset="-128"/>
+                <a:ea typeface="メイリオ" panose="020B0604030504040204" pitchFamily="50" charset="-128"/>
+              </a:rPr>
               <a:t>作品名</a:t>
             </a:r>
-            <a:endParaRPr kumimoji="1" lang="en-US" altLang="ja-JP" dirty="0"/>
-          </a:p>
-          <a:p>
-            <a:r>
-              <a:rPr kumimoji="1" lang="ja-JP" altLang="en-US" dirty="0"/>
+            <a:r>
+              <a:rPr kumimoji="1" lang="en-US" altLang="ja-JP" sz="2000" dirty="0">
+                <a:latin typeface="メイリオ" panose="020B0604030504040204" pitchFamily="50" charset="-128"/>
+                <a:ea typeface="メイリオ" panose="020B0604030504040204" pitchFamily="50" charset="-128"/>
+              </a:rPr>
+              <a:t>		</a:t>
+            </a:r>
+            <a:r>
+              <a:rPr kumimoji="1" lang="ja-JP" altLang="en-US" sz="2000" dirty="0">
+                <a:latin typeface="メイリオ" panose="020B0604030504040204" pitchFamily="50" charset="-128"/>
+                <a:ea typeface="メイリオ" panose="020B0604030504040204" pitchFamily="50" charset="-128"/>
+              </a:rPr>
+              <a:t>ブロック崩し</a:t>
+            </a:r>
+            <a:endParaRPr kumimoji="1" lang="en-US" altLang="ja-JP" sz="2000" dirty="0">
+              <a:latin typeface="メイリオ" panose="020B0604030504040204" pitchFamily="50" charset="-128"/>
+              <a:ea typeface="メイリオ" panose="020B0604030504040204" pitchFamily="50" charset="-128"/>
+            </a:endParaRPr>
+          </a:p>
+          <a:p>
+            <a:r>
+              <a:rPr kumimoji="1" lang="ja-JP" altLang="en-US" sz="2000" dirty="0">
+                <a:latin typeface="メイリオ" panose="020B0604030504040204" pitchFamily="50" charset="-128"/>
+                <a:ea typeface="メイリオ" panose="020B0604030504040204" pitchFamily="50" charset="-128"/>
+              </a:rPr>
+              <a:t>ジャンル</a:t>
+            </a:r>
+            <a:r>
+              <a:rPr kumimoji="1" lang="en-US" altLang="ja-JP" sz="2000" dirty="0">
+                <a:latin typeface="メイリオ" panose="020B0604030504040204" pitchFamily="50" charset="-128"/>
+                <a:ea typeface="メイリオ" panose="020B0604030504040204" pitchFamily="50" charset="-128"/>
+              </a:rPr>
+              <a:t>	</a:t>
+            </a:r>
+            <a:r>
+              <a:rPr kumimoji="1" lang="ja-JP" altLang="en-US" sz="2000" dirty="0">
+                <a:latin typeface="メイリオ" panose="020B0604030504040204" pitchFamily="50" charset="-128"/>
+                <a:ea typeface="メイリオ" panose="020B0604030504040204" pitchFamily="50" charset="-128"/>
+              </a:rPr>
+              <a:t>ブロック崩し</a:t>
+            </a:r>
+            <a:endParaRPr kumimoji="1" lang="en-US" altLang="ja-JP" sz="2000" dirty="0">
+              <a:latin typeface="メイリオ" panose="020B0604030504040204" pitchFamily="50" charset="-128"/>
+              <a:ea typeface="メイリオ" panose="020B0604030504040204" pitchFamily="50" charset="-128"/>
+            </a:endParaRPr>
+          </a:p>
+          <a:p>
+            <a:r>
+              <a:rPr kumimoji="1" lang="ja-JP" altLang="en-US" sz="2000" dirty="0">
+                <a:latin typeface="メイリオ" panose="020B0604030504040204" pitchFamily="50" charset="-128"/>
+                <a:ea typeface="メイリオ" panose="020B0604030504040204" pitchFamily="50" charset="-128"/>
+              </a:rPr>
               <a:t>製作期間</a:t>
             </a:r>
-            <a:endParaRPr kumimoji="1" lang="en-US" altLang="ja-JP" dirty="0"/>
-          </a:p>
-          <a:p>
-            <a:r>
-              <a:rPr kumimoji="1" lang="ja-JP" altLang="en-US" dirty="0"/>
+            <a:r>
+              <a:rPr kumimoji="1" lang="en-US" altLang="ja-JP" sz="2000" dirty="0">
+                <a:latin typeface="メイリオ" panose="020B0604030504040204" pitchFamily="50" charset="-128"/>
+                <a:ea typeface="メイリオ" panose="020B0604030504040204" pitchFamily="50" charset="-128"/>
+              </a:rPr>
+              <a:t>	2022/08/01</a:t>
+            </a:r>
+            <a:r>
+              <a:rPr kumimoji="1" lang="ja-JP" altLang="en-US" sz="2000" dirty="0">
+                <a:latin typeface="メイリオ" panose="020B0604030504040204" pitchFamily="50" charset="-128"/>
+                <a:ea typeface="メイリオ" panose="020B0604030504040204" pitchFamily="50" charset="-128"/>
+              </a:rPr>
+              <a:t>～</a:t>
+            </a:r>
+            <a:r>
+              <a:rPr kumimoji="1" lang="en-US" altLang="ja-JP" sz="2000" dirty="0">
+                <a:latin typeface="メイリオ" panose="020B0604030504040204" pitchFamily="50" charset="-128"/>
+                <a:ea typeface="メイリオ" panose="020B0604030504040204" pitchFamily="50" charset="-128"/>
+              </a:rPr>
+              <a:t>2022/08/12</a:t>
+            </a:r>
+          </a:p>
+          <a:p>
+            <a:r>
+              <a:rPr kumimoji="1" lang="ja-JP" altLang="en-US" sz="2000" dirty="0">
+                <a:latin typeface="メイリオ" panose="020B0604030504040204" pitchFamily="50" charset="-128"/>
+                <a:ea typeface="メイリオ" panose="020B0604030504040204" pitchFamily="50" charset="-128"/>
+              </a:rPr>
               <a:t>制作環境</a:t>
             </a:r>
-            <a:endParaRPr kumimoji="1" lang="en-US" altLang="ja-JP" dirty="0"/>
-          </a:p>
-          <a:p>
-            <a:r>
-              <a:rPr kumimoji="1" lang="ja-JP" altLang="en-US" dirty="0"/>
-              <a:t>アピールポイント</a:t>
-            </a:r>
-            <a:endParaRPr kumimoji="1" lang="en-US" altLang="ja-JP" dirty="0"/>
-          </a:p>
-        </p:txBody>
-      </p:sp>
-      <p:sp>
-        <p:nvSpPr>
-          <p:cNvPr id="8" name="テキスト ボックス 7">
-            <a:extLst>
-              <a:ext uri="{FF2B5EF4-FFF2-40B4-BE49-F238E27FC236}">
-                <a16:creationId xmlns:a16="http://schemas.microsoft.com/office/drawing/2014/main" id="{395D2054-40EF-47AF-9243-72274C8EC429}"/>
-              </a:ext>
-            </a:extLst>
-          </p:cNvPr>
-          <p:cNvSpPr txBox="1"/>
-          <p:nvPr/>
-        </p:nvSpPr>
-        <p:spPr>
-          <a:xfrm>
-            <a:off x="4530088" y="5427851"/>
-            <a:ext cx="2031325" cy="1200329"/>
-          </a:xfrm>
-          <a:prstGeom prst="rect">
-            <a:avLst/>
-          </a:prstGeom>
-          <a:noFill/>
-        </p:spPr>
-        <p:txBody>
-          <a:bodyPr wrap="none" rtlCol="0">
-            <a:spAutoFit/>
-          </a:bodyPr>
-          <a:lstStyle/>
-          <a:p>
-            <a:r>
-              <a:rPr kumimoji="1" lang="ja-JP" altLang="en-US" dirty="0"/>
-              <a:t>作品名</a:t>
-            </a:r>
-            <a:endParaRPr kumimoji="1" lang="en-US" altLang="ja-JP" dirty="0"/>
-          </a:p>
-          <a:p>
-            <a:r>
-              <a:rPr kumimoji="1" lang="ja-JP" altLang="en-US" dirty="0"/>
-              <a:t>製作期間</a:t>
-            </a:r>
-            <a:endParaRPr kumimoji="1" lang="en-US" altLang="ja-JP" dirty="0"/>
-          </a:p>
-          <a:p>
-            <a:r>
-              <a:rPr kumimoji="1" lang="ja-JP" altLang="en-US" dirty="0"/>
-              <a:t>制作環境</a:t>
-            </a:r>
-            <a:endParaRPr kumimoji="1" lang="en-US" altLang="ja-JP" dirty="0"/>
-          </a:p>
-          <a:p>
-            <a:r>
-              <a:rPr kumimoji="1" lang="ja-JP" altLang="en-US" dirty="0"/>
-              <a:t>アピールポイント</a:t>
-            </a:r>
-            <a:endParaRPr kumimoji="1" lang="en-US" altLang="ja-JP" dirty="0"/>
+            <a:r>
+              <a:rPr kumimoji="1" lang="en-US" altLang="ja-JP" sz="2000" dirty="0">
+                <a:latin typeface="メイリオ" panose="020B0604030504040204" pitchFamily="50" charset="-128"/>
+                <a:ea typeface="メイリオ" panose="020B0604030504040204" pitchFamily="50" charset="-128"/>
+              </a:rPr>
+              <a:t>	Unity/C#</a:t>
+            </a:r>
+          </a:p>
+          <a:p>
+            <a:r>
+              <a:rPr kumimoji="1" lang="ja-JP" altLang="en-US" sz="2000" dirty="0">
+                <a:latin typeface="メイリオ" panose="020B0604030504040204" pitchFamily="50" charset="-128"/>
+                <a:ea typeface="メイリオ" panose="020B0604030504040204" pitchFamily="50" charset="-128"/>
+              </a:rPr>
+              <a:t>対応機種</a:t>
+            </a:r>
+            <a:r>
+              <a:rPr kumimoji="1" lang="en-US" altLang="ja-JP" sz="2000" dirty="0">
+                <a:latin typeface="メイリオ" panose="020B0604030504040204" pitchFamily="50" charset="-128"/>
+                <a:ea typeface="メイリオ" panose="020B0604030504040204" pitchFamily="50" charset="-128"/>
+              </a:rPr>
+              <a:t>	Windows</a:t>
+            </a:r>
+          </a:p>
+          <a:p>
+            <a:r>
+              <a:rPr kumimoji="1" lang="ja-JP" altLang="en-US" sz="2000" dirty="0">
+                <a:latin typeface="メイリオ" panose="020B0604030504040204" pitchFamily="50" charset="-128"/>
+                <a:ea typeface="メイリオ" panose="020B0604030504040204" pitchFamily="50" charset="-128"/>
+              </a:rPr>
+              <a:t>担当</a:t>
+            </a:r>
+            <a:r>
+              <a:rPr kumimoji="1" lang="en-US" altLang="ja-JP" sz="2000" dirty="0">
+                <a:latin typeface="メイリオ" panose="020B0604030504040204" pitchFamily="50" charset="-128"/>
+                <a:ea typeface="メイリオ" panose="020B0604030504040204" pitchFamily="50" charset="-128"/>
+              </a:rPr>
+              <a:t>		</a:t>
+            </a:r>
+            <a:r>
+              <a:rPr kumimoji="1" lang="ja-JP" altLang="en-US" sz="2000" dirty="0">
+                <a:latin typeface="メイリオ" panose="020B0604030504040204" pitchFamily="50" charset="-128"/>
+                <a:ea typeface="メイリオ" panose="020B0604030504040204" pitchFamily="50" charset="-128"/>
+              </a:rPr>
+              <a:t>プログラム全般</a:t>
+            </a:r>
+            <a:endParaRPr kumimoji="1" lang="en-US" altLang="ja-JP" sz="2000" dirty="0">
+              <a:latin typeface="メイリオ" panose="020B0604030504040204" pitchFamily="50" charset="-128"/>
+              <a:ea typeface="メイリオ" panose="020B0604030504040204" pitchFamily="50" charset="-128"/>
+            </a:endParaRPr>
+          </a:p>
+          <a:p>
+            <a:endParaRPr kumimoji="1" lang="en-US" altLang="ja-JP" sz="2000" dirty="0">
+              <a:latin typeface="メイリオ" panose="020B0604030504040204" pitchFamily="50" charset="-128"/>
+              <a:ea typeface="メイリオ" panose="020B0604030504040204" pitchFamily="50" charset="-128"/>
+            </a:endParaRPr>
+          </a:p>
+          <a:p>
+            <a:r>
+              <a:rPr kumimoji="1" lang="ja-JP" altLang="en-US" sz="2000" dirty="0">
+                <a:latin typeface="メイリオ" panose="020B0604030504040204" pitchFamily="50" charset="-128"/>
+                <a:ea typeface="メイリオ" panose="020B0604030504040204" pitchFamily="50" charset="-128"/>
+              </a:rPr>
+              <a:t>目的、学んだこと</a:t>
+            </a:r>
+            <a:endParaRPr kumimoji="1" lang="en-US" altLang="ja-JP" sz="2000" dirty="0">
+              <a:latin typeface="メイリオ" panose="020B0604030504040204" pitchFamily="50" charset="-128"/>
+              <a:ea typeface="メイリオ" panose="020B0604030504040204" pitchFamily="50" charset="-128"/>
+            </a:endParaRPr>
+          </a:p>
+          <a:p>
+            <a:r>
+              <a:rPr kumimoji="1" lang="en-US" altLang="ja-JP" sz="2000" dirty="0">
+                <a:latin typeface="メイリオ" panose="020B0604030504040204" pitchFamily="50" charset="-128"/>
+                <a:ea typeface="メイリオ" panose="020B0604030504040204" pitchFamily="50" charset="-128"/>
+              </a:rPr>
+              <a:t>Unity</a:t>
+            </a:r>
+            <a:r>
+              <a:rPr kumimoji="1" lang="ja-JP" altLang="en-US" sz="2000" dirty="0">
+                <a:latin typeface="メイリオ" panose="020B0604030504040204" pitchFamily="50" charset="-128"/>
+                <a:ea typeface="メイリオ" panose="020B0604030504040204" pitchFamily="50" charset="-128"/>
+              </a:rPr>
+              <a:t>の基礎知識</a:t>
+            </a:r>
+            <a:endParaRPr kumimoji="1" lang="en-US" altLang="ja-JP" sz="2000" dirty="0">
+              <a:latin typeface="メイリオ" panose="020B0604030504040204" pitchFamily="50" charset="-128"/>
+              <a:ea typeface="メイリオ" panose="020B0604030504040204" pitchFamily="50" charset="-128"/>
+            </a:endParaRPr>
           </a:p>
         </p:txBody>
       </p:sp>
     </p:spTree>
     <p:extLst>
       <p:ext uri="{BB962C8B-B14F-4D97-AF65-F5344CB8AC3E}">
-        <p14:creationId xmlns:p14="http://schemas.microsoft.com/office/powerpoint/2010/main" val="3084507272"/>
+        <p14:creationId xmlns:p14="http://schemas.microsoft.com/office/powerpoint/2010/main" val="4110926318"/>
       </p:ext>
     </p:extLst>
   </p:cSld>
@@ -4918,8 +5611,8 @@
         </p:nvSpPr>
         <p:spPr>
           <a:xfrm>
-            <a:off x="1303020" y="1120140"/>
-            <a:ext cx="646331" cy="369332"/>
+            <a:off x="922020" y="446008"/>
+            <a:ext cx="1569660" cy="923330"/>
           </a:xfrm>
           <a:prstGeom prst="rect">
             <a:avLst/>
@@ -4933,7 +5626,10 @@
           <a:lstStyle/>
           <a:p>
             <a:r>
-              <a:rPr kumimoji="1" lang="ja-JP" altLang="en-US" dirty="0"/>
+              <a:rPr kumimoji="1" lang="ja-JP" altLang="en-US" sz="5400" dirty="0">
+                <a:latin typeface="メイリオ" panose="020B0604030504040204" pitchFamily="50" charset="-128"/>
+                <a:ea typeface="メイリオ" panose="020B0604030504040204" pitchFamily="50" charset="-128"/>
+              </a:rPr>
               <a:t>目次</a:t>
             </a:r>
           </a:p>
@@ -4954,7 +5650,7 @@
         <p:spPr>
           <a:xfrm>
             <a:off x="502919" y="2038330"/>
-            <a:ext cx="5314275" cy="4401205"/>
+            <a:ext cx="6853158" cy="4401205"/>
           </a:xfrm>
           <a:prstGeom prst="rect">
             <a:avLst/>
@@ -4968,37 +5664,67 @@
           <a:lstStyle/>
           <a:p>
             <a:r>
-              <a:rPr kumimoji="1" lang="ja-JP" altLang="en-US" sz="4000" dirty="0"/>
+              <a:rPr kumimoji="1" lang="ja-JP" altLang="en-US" sz="4000" dirty="0">
+                <a:latin typeface="メイリオ" panose="020B0604030504040204" pitchFamily="50" charset="-128"/>
+                <a:ea typeface="メイリオ" panose="020B0604030504040204" pitchFamily="50" charset="-128"/>
+              </a:rPr>
               <a:t>・自己紹介</a:t>
             </a:r>
-            <a:endParaRPr kumimoji="1" lang="en-US" altLang="ja-JP" sz="4000" dirty="0"/>
-          </a:p>
-          <a:p>
-            <a:endParaRPr kumimoji="1" lang="en-US" altLang="ja-JP" sz="4000" dirty="0"/>
-          </a:p>
-          <a:p>
-            <a:r>
-              <a:rPr kumimoji="1" lang="ja-JP" altLang="en-US" sz="4000" dirty="0"/>
-              <a:t>・自信ある作品の紹介</a:t>
-            </a:r>
-            <a:endParaRPr kumimoji="1" lang="en-US" altLang="ja-JP" sz="4000" dirty="0"/>
-          </a:p>
-          <a:p>
-            <a:endParaRPr kumimoji="1" lang="en-US" altLang="ja-JP" sz="4000" dirty="0"/>
-          </a:p>
-          <a:p>
-            <a:r>
-              <a:rPr kumimoji="1" lang="ja-JP" altLang="en-US" sz="4000" dirty="0"/>
-              <a:t>・作品一覧</a:t>
-            </a:r>
-            <a:endParaRPr kumimoji="1" lang="en-US" altLang="ja-JP" sz="4000" dirty="0"/>
-          </a:p>
-          <a:p>
-            <a:endParaRPr kumimoji="1" lang="en-US" altLang="ja-JP" sz="4000" dirty="0"/>
-          </a:p>
-          <a:p>
-            <a:r>
-              <a:rPr kumimoji="1" lang="ja-JP" altLang="en-US" sz="4000" dirty="0"/>
+            <a:endParaRPr kumimoji="1" lang="en-US" altLang="ja-JP" sz="4000" dirty="0">
+              <a:latin typeface="メイリオ" panose="020B0604030504040204" pitchFamily="50" charset="-128"/>
+              <a:ea typeface="メイリオ" panose="020B0604030504040204" pitchFamily="50" charset="-128"/>
+            </a:endParaRPr>
+          </a:p>
+          <a:p>
+            <a:endParaRPr kumimoji="1" lang="en-US" altLang="ja-JP" sz="4000" dirty="0">
+              <a:latin typeface="メイリオ" panose="020B0604030504040204" pitchFamily="50" charset="-128"/>
+              <a:ea typeface="メイリオ" panose="020B0604030504040204" pitchFamily="50" charset="-128"/>
+            </a:endParaRPr>
+          </a:p>
+          <a:p>
+            <a:r>
+              <a:rPr kumimoji="1" lang="ja-JP" altLang="en-US" sz="4000" dirty="0">
+                <a:latin typeface="メイリオ" panose="020B0604030504040204" pitchFamily="50" charset="-128"/>
+                <a:ea typeface="メイリオ" panose="020B0604030504040204" pitchFamily="50" charset="-128"/>
+              </a:rPr>
+              <a:t>・最後に制作した作品の紹介</a:t>
+            </a:r>
+            <a:endParaRPr kumimoji="1" lang="en-US" altLang="ja-JP" sz="4000" dirty="0">
+              <a:latin typeface="メイリオ" panose="020B0604030504040204" pitchFamily="50" charset="-128"/>
+              <a:ea typeface="メイリオ" panose="020B0604030504040204" pitchFamily="50" charset="-128"/>
+            </a:endParaRPr>
+          </a:p>
+          <a:p>
+            <a:endParaRPr kumimoji="1" lang="en-US" altLang="ja-JP" sz="4000" dirty="0">
+              <a:latin typeface="メイリオ" panose="020B0604030504040204" pitchFamily="50" charset="-128"/>
+              <a:ea typeface="メイリオ" panose="020B0604030504040204" pitchFamily="50" charset="-128"/>
+            </a:endParaRPr>
+          </a:p>
+          <a:p>
+            <a:r>
+              <a:rPr kumimoji="1" lang="ja-JP" altLang="en-US" sz="4000" dirty="0">
+                <a:latin typeface="メイリオ" panose="020B0604030504040204" pitchFamily="50" charset="-128"/>
+                <a:ea typeface="メイリオ" panose="020B0604030504040204" pitchFamily="50" charset="-128"/>
+              </a:rPr>
+              <a:t>・制作作品一覧</a:t>
+            </a:r>
+            <a:endParaRPr kumimoji="1" lang="en-US" altLang="ja-JP" sz="4000" dirty="0">
+              <a:latin typeface="メイリオ" panose="020B0604030504040204" pitchFamily="50" charset="-128"/>
+              <a:ea typeface="メイリオ" panose="020B0604030504040204" pitchFamily="50" charset="-128"/>
+            </a:endParaRPr>
+          </a:p>
+          <a:p>
+            <a:endParaRPr kumimoji="1" lang="en-US" altLang="ja-JP" sz="4000" dirty="0">
+              <a:latin typeface="メイリオ" panose="020B0604030504040204" pitchFamily="50" charset="-128"/>
+              <a:ea typeface="メイリオ" panose="020B0604030504040204" pitchFamily="50" charset="-128"/>
+            </a:endParaRPr>
+          </a:p>
+          <a:p>
+            <a:r>
+              <a:rPr kumimoji="1" lang="ja-JP" altLang="en-US" sz="4000" dirty="0">
+                <a:latin typeface="メイリオ" panose="020B0604030504040204" pitchFamily="50" charset="-128"/>
+                <a:ea typeface="メイリオ" panose="020B0604030504040204" pitchFamily="50" charset="-128"/>
+              </a:rPr>
               <a:t>・これからの目標</a:t>
             </a:r>
           </a:p>
@@ -5048,8 +5774,8 @@
         </p:nvSpPr>
         <p:spPr>
           <a:xfrm>
-            <a:off x="902970" y="651510"/>
-            <a:ext cx="1569660" cy="369332"/>
+            <a:off x="797641" y="607967"/>
+            <a:ext cx="3262432" cy="707886"/>
           </a:xfrm>
           <a:prstGeom prst="rect">
             <a:avLst/>
@@ -5063,7 +5789,10 @@
           <a:lstStyle/>
           <a:p>
             <a:r>
-              <a:rPr kumimoji="1" lang="ja-JP" altLang="en-US" dirty="0"/>
+              <a:rPr kumimoji="1" lang="ja-JP" altLang="en-US" sz="4000" dirty="0">
+                <a:latin typeface="メイリオ" panose="020B0604030504040204" pitchFamily="50" charset="-128"/>
+                <a:ea typeface="メイリオ" panose="020B0604030504040204" pitchFamily="50" charset="-128"/>
+              </a:rPr>
               <a:t>プロフィール</a:t>
             </a:r>
           </a:p>
@@ -5083,8 +5812,8 @@
         </p:nvSpPr>
         <p:spPr>
           <a:xfrm>
-            <a:off x="800100" y="1581150"/>
-            <a:ext cx="8443337" cy="954107"/>
+            <a:off x="797641" y="1581150"/>
+            <a:ext cx="6647974" cy="954107"/>
           </a:xfrm>
           <a:prstGeom prst="rect">
             <a:avLst/>
@@ -5098,15 +5827,24 @@
           <a:lstStyle/>
           <a:p>
             <a:r>
-              <a:rPr kumimoji="1" lang="ja-JP" altLang="en-US" sz="2800" dirty="0"/>
+              <a:rPr kumimoji="1" lang="ja-JP" altLang="en-US" sz="2800" dirty="0">
+                <a:latin typeface="メイリオ" panose="020B0604030504040204" pitchFamily="50" charset="-128"/>
+                <a:ea typeface="メイリオ" panose="020B0604030504040204" pitchFamily="50" charset="-128"/>
+              </a:rPr>
               <a:t>名前：浜松　廉斗</a:t>
             </a:r>
-            <a:endParaRPr kumimoji="1" lang="en-US" altLang="ja-JP" sz="2800" dirty="0"/>
-          </a:p>
-          <a:p>
-            <a:r>
-              <a:rPr kumimoji="1" lang="ja-JP" altLang="en-US" sz="2800" dirty="0"/>
-              <a:t>趣味、特技：ピアノ演奏、ゲーム、外食、モンハン</a:t>
+            <a:endParaRPr kumimoji="1" lang="en-US" altLang="ja-JP" sz="2800" dirty="0">
+              <a:latin typeface="メイリオ" panose="020B0604030504040204" pitchFamily="50" charset="-128"/>
+              <a:ea typeface="メイリオ" panose="020B0604030504040204" pitchFamily="50" charset="-128"/>
+            </a:endParaRPr>
+          </a:p>
+          <a:p>
+            <a:r>
+              <a:rPr kumimoji="1" lang="ja-JP" altLang="en-US" sz="2800" dirty="0">
+                <a:latin typeface="メイリオ" panose="020B0604030504040204" pitchFamily="50" charset="-128"/>
+                <a:ea typeface="メイリオ" panose="020B0604030504040204" pitchFamily="50" charset="-128"/>
+              </a:rPr>
+              <a:t>趣味、特技：ピアノ演奏、ゲーム、外食</a:t>
             </a:r>
           </a:p>
         </p:txBody>
@@ -5125,8 +5863,8 @@
         </p:nvSpPr>
         <p:spPr>
           <a:xfrm>
-            <a:off x="800100" y="4639697"/>
-            <a:ext cx="4051109" cy="2677656"/>
+            <a:off x="797641" y="4639697"/>
+            <a:ext cx="3913251" cy="2677656"/>
           </a:xfrm>
           <a:prstGeom prst="rect">
             <a:avLst/>
@@ -5140,65 +5878,200 @@
           <a:lstStyle/>
           <a:p>
             <a:r>
-              <a:rPr kumimoji="1" lang="ja-JP" altLang="en-US" sz="2800" dirty="0"/>
+              <a:rPr kumimoji="1" lang="ja-JP" altLang="en-US" sz="2800" dirty="0">
+                <a:latin typeface="メイリオ" panose="020B0604030504040204" pitchFamily="50" charset="-128"/>
+                <a:ea typeface="メイリオ" panose="020B0604030504040204" pitchFamily="50" charset="-128"/>
+              </a:rPr>
               <a:t>ステータス</a:t>
             </a:r>
-            <a:endParaRPr kumimoji="1" lang="en-US" altLang="ja-JP" sz="2800" dirty="0"/>
-          </a:p>
-          <a:p>
-            <a:r>
-              <a:rPr kumimoji="1" lang="en-US" altLang="ja-JP" sz="2800" dirty="0"/>
-              <a:t>C++		</a:t>
-            </a:r>
-            <a:r>
-              <a:rPr kumimoji="1" lang="ja-JP" altLang="en-US" sz="2800" dirty="0"/>
-              <a:t>：★ ★ ★ ★ ★</a:t>
-            </a:r>
-            <a:endParaRPr kumimoji="1" lang="en-US" altLang="ja-JP" sz="2800" dirty="0"/>
-          </a:p>
-          <a:p>
-            <a:r>
-              <a:rPr kumimoji="1" lang="en-US" altLang="ja-JP" sz="2800" dirty="0"/>
+            <a:endParaRPr kumimoji="1" lang="en-US" altLang="ja-JP" sz="2800" dirty="0">
+              <a:latin typeface="メイリオ" panose="020B0604030504040204" pitchFamily="50" charset="-128"/>
+              <a:ea typeface="メイリオ" panose="020B0604030504040204" pitchFamily="50" charset="-128"/>
+            </a:endParaRPr>
+          </a:p>
+          <a:p>
+            <a:r>
+              <a:rPr kumimoji="1" lang="en-US" altLang="ja-JP" sz="2800" dirty="0">
+                <a:latin typeface="メイリオ" panose="020B0604030504040204" pitchFamily="50" charset="-128"/>
+                <a:ea typeface="メイリオ" panose="020B0604030504040204" pitchFamily="50" charset="-128"/>
+              </a:rPr>
+              <a:t>C++			</a:t>
+            </a:r>
+            <a:r>
+              <a:rPr kumimoji="1" lang="ja-JP" altLang="en-US" sz="2800" dirty="0">
+                <a:latin typeface="メイリオ" panose="020B0604030504040204" pitchFamily="50" charset="-128"/>
+                <a:ea typeface="メイリオ" panose="020B0604030504040204" pitchFamily="50" charset="-128"/>
+              </a:rPr>
+              <a:t>：</a:t>
+            </a:r>
+            <a:r>
+              <a:rPr kumimoji="1" lang="en-US" altLang="ja-JP" sz="2800" dirty="0">
+                <a:latin typeface="メイリオ" panose="020B0604030504040204" pitchFamily="50" charset="-128"/>
+                <a:ea typeface="メイリオ" panose="020B0604030504040204" pitchFamily="50" charset="-128"/>
+              </a:rPr>
+              <a:t>1</a:t>
+            </a:r>
+            <a:r>
+              <a:rPr kumimoji="1" lang="ja-JP" altLang="en-US" sz="2800" dirty="0">
+                <a:latin typeface="メイリオ" panose="020B0604030504040204" pitchFamily="50" charset="-128"/>
+                <a:ea typeface="メイリオ" panose="020B0604030504040204" pitchFamily="50" charset="-128"/>
+              </a:rPr>
+              <a:t>年</a:t>
+            </a:r>
+            <a:r>
+              <a:rPr kumimoji="1" lang="en-US" altLang="ja-JP" sz="2800" dirty="0">
+                <a:latin typeface="メイリオ" panose="020B0604030504040204" pitchFamily="50" charset="-128"/>
+                <a:ea typeface="メイリオ" panose="020B0604030504040204" pitchFamily="50" charset="-128"/>
+              </a:rPr>
+              <a:t>4</a:t>
+            </a:r>
+            <a:r>
+              <a:rPr kumimoji="1" lang="ja-JP" altLang="en-US" sz="2800" dirty="0">
+                <a:latin typeface="メイリオ" panose="020B0604030504040204" pitchFamily="50" charset="-128"/>
+                <a:ea typeface="メイリオ" panose="020B0604030504040204" pitchFamily="50" charset="-128"/>
+              </a:rPr>
+              <a:t>ヶ月</a:t>
+            </a:r>
+            <a:endParaRPr kumimoji="1" lang="en-US" altLang="ja-JP" sz="2800" dirty="0">
+              <a:latin typeface="メイリオ" panose="020B0604030504040204" pitchFamily="50" charset="-128"/>
+              <a:ea typeface="メイリオ" panose="020B0604030504040204" pitchFamily="50" charset="-128"/>
+            </a:endParaRPr>
+          </a:p>
+          <a:p>
+            <a:r>
+              <a:rPr kumimoji="1" lang="en-US" altLang="ja-JP" sz="2800" dirty="0">
+                <a:latin typeface="メイリオ" panose="020B0604030504040204" pitchFamily="50" charset="-128"/>
+                <a:ea typeface="メイリオ" panose="020B0604030504040204" pitchFamily="50" charset="-128"/>
+              </a:rPr>
               <a:t>Unity/C#	</a:t>
             </a:r>
             <a:r>
-              <a:rPr kumimoji="1" lang="ja-JP" altLang="en-US" sz="2800" dirty="0"/>
-              <a:t>：★ ★ ★ ★</a:t>
-            </a:r>
-            <a:endParaRPr kumimoji="1" lang="en-US" altLang="ja-JP" sz="2800" dirty="0"/>
-          </a:p>
-          <a:p>
-            <a:r>
-              <a:rPr kumimoji="1" lang="en-US" altLang="ja-JP" sz="2800" dirty="0"/>
-              <a:t>GitHub	</a:t>
-            </a:r>
-            <a:r>
-              <a:rPr kumimoji="1" lang="ja-JP" altLang="en-US" sz="2800" dirty="0"/>
-              <a:t>：★ ★ ★ ★</a:t>
-            </a:r>
-            <a:endParaRPr kumimoji="1" lang="en-US" altLang="ja-JP" sz="2800" dirty="0"/>
-          </a:p>
-          <a:p>
-            <a:r>
-              <a:rPr kumimoji="1" lang="en-US" altLang="ja-JP" sz="2800" dirty="0"/>
-              <a:t>PHP		</a:t>
-            </a:r>
-            <a:r>
-              <a:rPr kumimoji="1" lang="ja-JP" altLang="en-US" sz="2800" dirty="0"/>
-              <a:t>：★ ★ ★</a:t>
+              <a:rPr kumimoji="1" lang="ja-JP" altLang="en-US" sz="2800" dirty="0">
+                <a:latin typeface="メイリオ" panose="020B0604030504040204" pitchFamily="50" charset="-128"/>
+                <a:ea typeface="メイリオ" panose="020B0604030504040204" pitchFamily="50" charset="-128"/>
+              </a:rPr>
+              <a:t>：</a:t>
+            </a:r>
+            <a:r>
+              <a:rPr kumimoji="1" lang="en-US" altLang="ja-JP" sz="2800" dirty="0">
+                <a:latin typeface="メイリオ" panose="020B0604030504040204" pitchFamily="50" charset="-128"/>
+                <a:ea typeface="メイリオ" panose="020B0604030504040204" pitchFamily="50" charset="-128"/>
+              </a:rPr>
+              <a:t>1</a:t>
+            </a:r>
+            <a:r>
+              <a:rPr kumimoji="1" lang="ja-JP" altLang="en-US" sz="2800" dirty="0">
+                <a:latin typeface="メイリオ" panose="020B0604030504040204" pitchFamily="50" charset="-128"/>
+                <a:ea typeface="メイリオ" panose="020B0604030504040204" pitchFamily="50" charset="-128"/>
+              </a:rPr>
+              <a:t>年</a:t>
+            </a:r>
+            <a:endParaRPr kumimoji="1" lang="en-US" altLang="ja-JP" sz="2800" dirty="0">
+              <a:latin typeface="メイリオ" panose="020B0604030504040204" pitchFamily="50" charset="-128"/>
+              <a:ea typeface="メイリオ" panose="020B0604030504040204" pitchFamily="50" charset="-128"/>
+            </a:endParaRPr>
+          </a:p>
+          <a:p>
+            <a:r>
+              <a:rPr kumimoji="1" lang="en-US" altLang="ja-JP" sz="2800" dirty="0">
+                <a:latin typeface="メイリオ" panose="020B0604030504040204" pitchFamily="50" charset="-128"/>
+                <a:ea typeface="メイリオ" panose="020B0604030504040204" pitchFamily="50" charset="-128"/>
+              </a:rPr>
+              <a:t>GitHub		</a:t>
+            </a:r>
+            <a:r>
+              <a:rPr kumimoji="1" lang="ja-JP" altLang="en-US" sz="2800" dirty="0">
+                <a:latin typeface="メイリオ" panose="020B0604030504040204" pitchFamily="50" charset="-128"/>
+                <a:ea typeface="メイリオ" panose="020B0604030504040204" pitchFamily="50" charset="-128"/>
+              </a:rPr>
+              <a:t>：</a:t>
+            </a:r>
+            <a:r>
+              <a:rPr kumimoji="1" lang="en-US" altLang="ja-JP" sz="2800" dirty="0">
+                <a:latin typeface="メイリオ" panose="020B0604030504040204" pitchFamily="50" charset="-128"/>
+                <a:ea typeface="メイリオ" panose="020B0604030504040204" pitchFamily="50" charset="-128"/>
+              </a:rPr>
+              <a:t>1</a:t>
+            </a:r>
+            <a:r>
+              <a:rPr kumimoji="1" lang="ja-JP" altLang="en-US" sz="2800" dirty="0">
+                <a:latin typeface="メイリオ" panose="020B0604030504040204" pitchFamily="50" charset="-128"/>
+                <a:ea typeface="メイリオ" panose="020B0604030504040204" pitchFamily="50" charset="-128"/>
+              </a:rPr>
+              <a:t>年</a:t>
+            </a:r>
+            <a:endParaRPr kumimoji="1" lang="en-US" altLang="ja-JP" sz="2800" dirty="0">
+              <a:latin typeface="メイリオ" panose="020B0604030504040204" pitchFamily="50" charset="-128"/>
+              <a:ea typeface="メイリオ" panose="020B0604030504040204" pitchFamily="50" charset="-128"/>
+            </a:endParaRPr>
+          </a:p>
+          <a:p>
+            <a:r>
+              <a:rPr kumimoji="1" lang="en-US" altLang="ja-JP" sz="2800" dirty="0">
+                <a:latin typeface="メイリオ" panose="020B0604030504040204" pitchFamily="50" charset="-128"/>
+                <a:ea typeface="メイリオ" panose="020B0604030504040204" pitchFamily="50" charset="-128"/>
+              </a:rPr>
+              <a:t>PHP			</a:t>
+            </a:r>
+            <a:r>
+              <a:rPr kumimoji="1" lang="ja-JP" altLang="en-US" sz="2800" dirty="0">
+                <a:latin typeface="メイリオ" panose="020B0604030504040204" pitchFamily="50" charset="-128"/>
+                <a:ea typeface="メイリオ" panose="020B0604030504040204" pitchFamily="50" charset="-128"/>
+              </a:rPr>
+              <a:t>：</a:t>
+            </a:r>
+            <a:r>
+              <a:rPr kumimoji="1" lang="en-US" altLang="ja-JP" sz="2800" dirty="0">
+                <a:latin typeface="メイリオ" panose="020B0604030504040204" pitchFamily="50" charset="-128"/>
+                <a:ea typeface="メイリオ" panose="020B0604030504040204" pitchFamily="50" charset="-128"/>
+              </a:rPr>
+              <a:t>2</a:t>
+            </a:r>
+            <a:r>
+              <a:rPr kumimoji="1" lang="ja-JP" altLang="en-US" sz="2800" dirty="0">
+                <a:latin typeface="メイリオ" panose="020B0604030504040204" pitchFamily="50" charset="-128"/>
+                <a:ea typeface="メイリオ" panose="020B0604030504040204" pitchFamily="50" charset="-128"/>
+              </a:rPr>
+              <a:t>ヶ月</a:t>
             </a:r>
             <a:br>
-              <a:rPr kumimoji="1" lang="en-US" altLang="ja-JP" sz="2800" dirty="0"/>
+              <a:rPr kumimoji="1" lang="en-US" altLang="ja-JP" sz="2800" dirty="0">
+                <a:latin typeface="メイリオ" panose="020B0604030504040204" pitchFamily="50" charset="-128"/>
+                <a:ea typeface="メイリオ" panose="020B0604030504040204" pitchFamily="50" charset="-128"/>
+              </a:rPr>
             </a:br>
             <a:r>
-              <a:rPr kumimoji="1" lang="en-US" altLang="ja-JP" sz="2800" dirty="0"/>
-              <a:t>SQL		</a:t>
-            </a:r>
-            <a:r>
-              <a:rPr kumimoji="1" lang="ja-JP" altLang="en-US" sz="2800" dirty="0"/>
-              <a:t>：★ ★</a:t>
-            </a:r>
-            <a:endParaRPr kumimoji="1" lang="en-US" altLang="ja-JP" sz="2800" dirty="0"/>
+              <a:rPr kumimoji="1" lang="en-US" altLang="ja-JP" sz="2800" dirty="0">
+                <a:latin typeface="メイリオ" panose="020B0604030504040204" pitchFamily="50" charset="-128"/>
+                <a:ea typeface="メイリオ" panose="020B0604030504040204" pitchFamily="50" charset="-128"/>
+              </a:rPr>
+              <a:t>SQL			</a:t>
+            </a:r>
+            <a:r>
+              <a:rPr kumimoji="1" lang="ja-JP" altLang="en-US" sz="2800" dirty="0">
+                <a:latin typeface="メイリオ" panose="020B0604030504040204" pitchFamily="50" charset="-128"/>
+                <a:ea typeface="メイリオ" panose="020B0604030504040204" pitchFamily="50" charset="-128"/>
+              </a:rPr>
+              <a:t>：</a:t>
+            </a:r>
+            <a:r>
+              <a:rPr kumimoji="1" lang="en-US" altLang="ja-JP" sz="2800" dirty="0">
+                <a:latin typeface="メイリオ" panose="020B0604030504040204" pitchFamily="50" charset="-128"/>
+                <a:ea typeface="メイリオ" panose="020B0604030504040204" pitchFamily="50" charset="-128"/>
+              </a:rPr>
+              <a:t>2</a:t>
+            </a:r>
+            <a:r>
+              <a:rPr kumimoji="1" lang="ja-JP" altLang="en-US" sz="2800" dirty="0">
+                <a:latin typeface="メイリオ" panose="020B0604030504040204" pitchFamily="50" charset="-128"/>
+                <a:ea typeface="メイリオ" panose="020B0604030504040204" pitchFamily="50" charset="-128"/>
+              </a:rPr>
+              <a:t>ヶ月</a:t>
+            </a:r>
+            <a:endParaRPr kumimoji="1" lang="en-US" altLang="ja-JP" sz="2800" dirty="0">
+              <a:latin typeface="メイリオ" panose="020B0604030504040204" pitchFamily="50" charset="-128"/>
+              <a:ea typeface="メイリオ" panose="020B0604030504040204" pitchFamily="50" charset="-128"/>
+            </a:endParaRPr>
           </a:p>
         </p:txBody>
       </p:sp>
@@ -5216,8 +6089,8 @@
         </p:nvSpPr>
         <p:spPr>
           <a:xfrm>
-            <a:off x="800100" y="2679536"/>
-            <a:ext cx="1928733" cy="1815882"/>
+            <a:off x="797641" y="2879591"/>
+            <a:ext cx="5931496" cy="1384995"/>
           </a:xfrm>
           <a:prstGeom prst="rect">
             <a:avLst/>
@@ -5231,55 +6104,131 @@
           <a:lstStyle/>
           <a:p>
             <a:r>
-              <a:rPr kumimoji="1" lang="en-US" altLang="ja-JP" sz="2800" dirty="0"/>
+              <a:rPr kumimoji="1" lang="en-US" altLang="ja-JP" sz="2800" dirty="0">
+                <a:latin typeface="メイリオ" panose="020B0604030504040204" pitchFamily="50" charset="-128"/>
+                <a:ea typeface="メイリオ" panose="020B0604030504040204" pitchFamily="50" charset="-128"/>
+              </a:rPr>
               <a:t>SNS</a:t>
             </a:r>
             <a:r>
-              <a:rPr kumimoji="1" lang="ja-JP" altLang="en-US" sz="2800" dirty="0"/>
+              <a:rPr kumimoji="1" lang="ja-JP" altLang="en-US" sz="2800" dirty="0">
+                <a:latin typeface="メイリオ" panose="020B0604030504040204" pitchFamily="50" charset="-128"/>
+                <a:ea typeface="メイリオ" panose="020B0604030504040204" pitchFamily="50" charset="-128"/>
+              </a:rPr>
               <a:t>等</a:t>
             </a:r>
-            <a:endParaRPr kumimoji="1" lang="en-US" altLang="ja-JP" sz="2800" dirty="0"/>
-          </a:p>
-          <a:p>
-            <a:r>
-              <a:rPr kumimoji="1" lang="ja-JP" altLang="en-US" sz="2800" dirty="0"/>
+            <a:endParaRPr kumimoji="1" lang="en-US" altLang="ja-JP" sz="2800" dirty="0">
+              <a:latin typeface="メイリオ" panose="020B0604030504040204" pitchFamily="50" charset="-128"/>
+              <a:ea typeface="メイリオ" panose="020B0604030504040204" pitchFamily="50" charset="-128"/>
+            </a:endParaRPr>
+          </a:p>
+          <a:p>
+            <a:r>
+              <a:rPr kumimoji="1" lang="ja-JP" altLang="en-US" sz="2800" dirty="0">
+                <a:latin typeface="メイリオ" panose="020B0604030504040204" pitchFamily="50" charset="-128"/>
+                <a:ea typeface="メイリオ" panose="020B0604030504040204" pitchFamily="50" charset="-128"/>
+              </a:rPr>
               <a:t>メール</a:t>
             </a:r>
             <a:r>
-              <a:rPr kumimoji="1" lang="en-US" altLang="ja-JP" sz="2800" dirty="0"/>
+              <a:rPr kumimoji="1" lang="en-US" altLang="ja-JP" sz="2800" dirty="0">
+                <a:latin typeface="メイリオ" panose="020B0604030504040204" pitchFamily="50" charset="-128"/>
+                <a:ea typeface="メイリオ" panose="020B0604030504040204" pitchFamily="50" charset="-128"/>
+              </a:rPr>
               <a:t>	</a:t>
             </a:r>
             <a:r>
-              <a:rPr kumimoji="1" lang="ja-JP" altLang="en-US" sz="2800" dirty="0"/>
+              <a:rPr kumimoji="1" lang="ja-JP" altLang="en-US" sz="2800" dirty="0">
+                <a:latin typeface="メイリオ" panose="020B0604030504040204" pitchFamily="50" charset="-128"/>
+                <a:ea typeface="メイリオ" panose="020B0604030504040204" pitchFamily="50" charset="-128"/>
+              </a:rPr>
               <a:t>：</a:t>
             </a:r>
-            <a:endParaRPr kumimoji="1" lang="en-US" altLang="ja-JP" sz="2800" dirty="0"/>
-          </a:p>
-          <a:p>
-            <a:r>
-              <a:rPr kumimoji="1" lang="en-US" altLang="ja-JP" sz="2800" dirty="0"/>
-              <a:t>ⅹ			</a:t>
-            </a:r>
-            <a:r>
-              <a:rPr kumimoji="1" lang="ja-JP" altLang="en-US" sz="2800" dirty="0"/>
+            <a:r>
+              <a:rPr kumimoji="1" lang="en-US" altLang="ja-JP" sz="2800" dirty="0">
+                <a:latin typeface="メイリオ" panose="020B0604030504040204" pitchFamily="50" charset="-128"/>
+                <a:ea typeface="メイリオ" panose="020B0604030504040204" pitchFamily="50" charset="-128"/>
+              </a:rPr>
+              <a:t>renia5310@gmail.com</a:t>
+            </a:r>
+          </a:p>
+          <a:p>
+            <a:r>
+              <a:rPr kumimoji="1" lang="en-US" altLang="ja-JP" sz="2800" dirty="0" err="1">
+                <a:latin typeface="メイリオ" panose="020B0604030504040204" pitchFamily="50" charset="-128"/>
+                <a:ea typeface="メイリオ" panose="020B0604030504040204" pitchFamily="50" charset="-128"/>
+              </a:rPr>
+              <a:t>GitURL</a:t>
+            </a:r>
+            <a:r>
+              <a:rPr kumimoji="1" lang="en-US" altLang="ja-JP" sz="2800" dirty="0">
+                <a:latin typeface="メイリオ" panose="020B0604030504040204" pitchFamily="50" charset="-128"/>
+                <a:ea typeface="メイリオ" panose="020B0604030504040204" pitchFamily="50" charset="-128"/>
+              </a:rPr>
+              <a:t>	</a:t>
+            </a:r>
+            <a:r>
+              <a:rPr kumimoji="1" lang="ja-JP" altLang="en-US" sz="2800" dirty="0">
+                <a:latin typeface="メイリオ" panose="020B0604030504040204" pitchFamily="50" charset="-128"/>
+                <a:ea typeface="メイリオ" panose="020B0604030504040204" pitchFamily="50" charset="-128"/>
+              </a:rPr>
               <a:t>：</a:t>
             </a:r>
-            <a:endParaRPr kumimoji="1" lang="en-US" altLang="ja-JP" sz="2800" dirty="0"/>
-          </a:p>
-          <a:p>
-            <a:r>
-              <a:rPr kumimoji="1" lang="en-US" altLang="ja-JP" sz="2800" dirty="0" err="1"/>
-              <a:t>GitURL</a:t>
-            </a:r>
-            <a:r>
-              <a:rPr kumimoji="1" lang="en-US" altLang="ja-JP" sz="2800" dirty="0"/>
-              <a:t>	</a:t>
-            </a:r>
-            <a:r>
-              <a:rPr kumimoji="1" lang="ja-JP" altLang="en-US" sz="2800" dirty="0"/>
-              <a:t>：</a:t>
-            </a:r>
-            <a:endParaRPr kumimoji="1" lang="en-US" altLang="ja-JP" sz="2800" dirty="0"/>
+            <a:r>
+              <a:rPr lang="en-US" altLang="ja-JP" sz="2800" dirty="0" err="1">
+                <a:latin typeface="メイリオ" panose="020B0604030504040204" pitchFamily="50" charset="-128"/>
+                <a:ea typeface="メイリオ" panose="020B0604030504040204" pitchFamily="50" charset="-128"/>
+                <a:hlinkClick r:id="rId2"/>
+              </a:rPr>
+              <a:t>Hmmtrnt</a:t>
+            </a:r>
+            <a:r>
+              <a:rPr lang="en-US" altLang="ja-JP" sz="2800" dirty="0">
+                <a:latin typeface="メイリオ" panose="020B0604030504040204" pitchFamily="50" charset="-128"/>
+                <a:ea typeface="メイリオ" panose="020B0604030504040204" pitchFamily="50" charset="-128"/>
+                <a:hlinkClick r:id="rId2"/>
+              </a:rPr>
+              <a:t> (github.com)</a:t>
+            </a:r>
+            <a:endParaRPr kumimoji="1" lang="en-US" altLang="ja-JP" sz="2800" dirty="0">
+              <a:latin typeface="メイリオ" panose="020B0604030504040204" pitchFamily="50" charset="-128"/>
+              <a:ea typeface="メイリオ" panose="020B0604030504040204" pitchFamily="50" charset="-128"/>
+            </a:endParaRPr>
+          </a:p>
+        </p:txBody>
+      </p:sp>
+      <p:sp>
+        <p:nvSpPr>
+          <p:cNvPr id="2" name="テキスト ボックス 1">
+            <a:extLst>
+              <a:ext uri="{FF2B5EF4-FFF2-40B4-BE49-F238E27FC236}">
+                <a16:creationId xmlns:a16="http://schemas.microsoft.com/office/drawing/2014/main" id="{34D5A4C5-1054-4EDB-966E-9586BD1B5630}"/>
+              </a:ext>
+            </a:extLst>
+          </p:cNvPr>
+          <p:cNvSpPr txBox="1"/>
+          <p:nvPr/>
+        </p:nvSpPr>
+        <p:spPr>
+          <a:xfrm>
+            <a:off x="5791169" y="4670475"/>
+            <a:ext cx="4442242" cy="2646878"/>
+          </a:xfrm>
+          <a:prstGeom prst="rect">
+            <a:avLst/>
+          </a:prstGeom>
+          <a:noFill/>
+        </p:spPr>
+        <p:txBody>
+          <a:bodyPr wrap="none" rtlCol="0">
+            <a:spAutoFit/>
+          </a:bodyPr>
+          <a:lstStyle/>
+          <a:p>
+            <a:r>
+              <a:rPr kumimoji="1" lang="ja-JP" altLang="en-US" sz="16600" dirty="0"/>
+              <a:t>写真</a:t>
+            </a:r>
           </a:p>
         </p:txBody>
       </p:sp>
@@ -5327,8 +6276,8 @@
         </p:nvSpPr>
         <p:spPr>
           <a:xfrm>
-            <a:off x="914400" y="845820"/>
-            <a:ext cx="3416320" cy="369332"/>
+            <a:off x="602166" y="507891"/>
+            <a:ext cx="3262432" cy="707886"/>
           </a:xfrm>
           <a:prstGeom prst="rect">
             <a:avLst/>
@@ -5342,45 +6291,12 @@
           <a:lstStyle/>
           <a:p>
             <a:r>
-              <a:rPr kumimoji="1" lang="ja-JP" altLang="en-US" dirty="0"/>
-              <a:t>一番自信のある個人作品の説明</a:t>
-            </a:r>
-          </a:p>
-        </p:txBody>
-      </p:sp>
-      <p:sp>
-        <p:nvSpPr>
-          <p:cNvPr id="3" name="テキスト ボックス 2">
-            <a:extLst>
-              <a:ext uri="{FF2B5EF4-FFF2-40B4-BE49-F238E27FC236}">
-                <a16:creationId xmlns:a16="http://schemas.microsoft.com/office/drawing/2014/main" id="{081B8CF0-F6DE-4113-AAB7-4236DDBBECFE}"/>
-              </a:ext>
-            </a:extLst>
-          </p:cNvPr>
-          <p:cNvSpPr txBox="1"/>
-          <p:nvPr/>
-        </p:nvSpPr>
-        <p:spPr>
-          <a:xfrm>
-            <a:off x="754379" y="1861691"/>
-            <a:ext cx="2526031" cy="1446550"/>
-          </a:xfrm>
-          <a:prstGeom prst="rect">
-            <a:avLst/>
-          </a:prstGeom>
-          <a:noFill/>
-        </p:spPr>
-        <p:txBody>
-          <a:bodyPr wrap="square" rtlCol="0">
-            <a:spAutoFit/>
-          </a:bodyPr>
-          <a:lstStyle/>
-          <a:p>
-            <a:r>
-              <a:rPr kumimoji="1" lang="ja-JP" altLang="en-US" sz="8800" dirty="0"/>
-              <a:t>画像</a:t>
-            </a:r>
-            <a:endParaRPr kumimoji="1" lang="en-US" altLang="ja-JP" sz="8800" dirty="0"/>
+              <a:rPr kumimoji="1" lang="ja-JP" altLang="en-US" sz="4000" dirty="0">
+                <a:latin typeface="BIZ UDPゴシック" panose="020B0400000000000000" pitchFamily="50" charset="-128"/>
+                <a:ea typeface="BIZ UDPゴシック" panose="020B0400000000000000" pitchFamily="50" charset="-128"/>
+              </a:rPr>
+              <a:t>最終制作作品</a:t>
+            </a:r>
           </a:p>
         </p:txBody>
       </p:sp>
@@ -5398,8 +6314,8 @@
         </p:nvSpPr>
         <p:spPr>
           <a:xfrm>
-            <a:off x="754378" y="4662041"/>
-            <a:ext cx="2526031" cy="1323439"/>
+            <a:off x="602166" y="6486236"/>
+            <a:ext cx="7409720" cy="707886"/>
           </a:xfrm>
           <a:prstGeom prst="rect">
             <a:avLst/>
@@ -5413,15 +6329,20 @@
           <a:lstStyle/>
           <a:p>
             <a:r>
-              <a:rPr kumimoji="1" lang="ja-JP" altLang="en-US" sz="4000" dirty="0"/>
-              <a:t>動画</a:t>
-            </a:r>
-            <a:endParaRPr kumimoji="1" lang="en-US" altLang="ja-JP" sz="4000" dirty="0"/>
-          </a:p>
-          <a:p>
-            <a:r>
-              <a:rPr kumimoji="1" lang="en-US" altLang="ja-JP" sz="4000" dirty="0"/>
-              <a:t>(URL)</a:t>
+              <a:rPr kumimoji="1" lang="en-US" altLang="ja-JP" sz="2000" dirty="0">
+                <a:latin typeface="メイリオ" panose="020B0604030504040204" pitchFamily="50" charset="-128"/>
+                <a:ea typeface="メイリオ" panose="020B0604030504040204" pitchFamily="50" charset="-128"/>
+              </a:rPr>
+              <a:t>GitHub</a:t>
+            </a:r>
+          </a:p>
+          <a:p>
+            <a:r>
+              <a:rPr kumimoji="1" lang="en-US" altLang="ja-JP" sz="2000" dirty="0">
+                <a:latin typeface="メイリオ" panose="020B0604030504040204" pitchFamily="50" charset="-128"/>
+                <a:ea typeface="メイリオ" panose="020B0604030504040204" pitchFamily="50" charset="-128"/>
+              </a:rPr>
+              <a:t>https://github.com/Hmmtrnt/MonsterHunterHDRP.git</a:t>
             </a:r>
           </a:p>
         </p:txBody>
@@ -5440,8 +6361,8 @@
         </p:nvSpPr>
         <p:spPr>
           <a:xfrm>
-            <a:off x="5345906" y="1861691"/>
-            <a:ext cx="2031325" cy="1477328"/>
+            <a:off x="602166" y="1215777"/>
+            <a:ext cx="8531503" cy="5032147"/>
           </a:xfrm>
           <a:prstGeom prst="rect">
             <a:avLst/>
@@ -5454,42 +6375,315 @@
           </a:bodyPr>
           <a:lstStyle/>
           <a:p>
-            <a:r>
-              <a:rPr kumimoji="1" lang="ja-JP" altLang="en-US" dirty="0"/>
+            <a:pPr>
+              <a:lnSpc>
+                <a:spcPct val="150000"/>
+              </a:lnSpc>
+            </a:pPr>
+            <a:r>
+              <a:rPr kumimoji="1" lang="ja-JP" altLang="en-US" sz="2400" dirty="0">
+                <a:latin typeface="メイリオ" panose="020B0604030504040204" pitchFamily="50" charset="-128"/>
+                <a:ea typeface="メイリオ" panose="020B0604030504040204" pitchFamily="50" charset="-128"/>
+              </a:rPr>
               <a:t>作品名</a:t>
             </a:r>
-            <a:endParaRPr kumimoji="1" lang="en-US" altLang="ja-JP" dirty="0"/>
-          </a:p>
-          <a:p>
-            <a:r>
-              <a:rPr kumimoji="1" lang="ja-JP" altLang="en-US" dirty="0"/>
+            <a:r>
+              <a:rPr kumimoji="1" lang="en-US" altLang="ja-JP" sz="2400" dirty="0">
+                <a:latin typeface="メイリオ" panose="020B0604030504040204" pitchFamily="50" charset="-128"/>
+                <a:ea typeface="メイリオ" panose="020B0604030504040204" pitchFamily="50" charset="-128"/>
+              </a:rPr>
+              <a:t>		</a:t>
+            </a:r>
+            <a:r>
+              <a:rPr kumimoji="1" lang="en-US" altLang="ja-JP" sz="2400" dirty="0" err="1">
+                <a:latin typeface="メイリオ" panose="020B0604030504040204" pitchFamily="50" charset="-128"/>
+                <a:ea typeface="メイリオ" panose="020B0604030504040204" pitchFamily="50" charset="-128"/>
+              </a:rPr>
+              <a:t>DoragonHunter</a:t>
+            </a:r>
+            <a:endParaRPr kumimoji="1" lang="en-US" altLang="ja-JP" sz="2400" dirty="0">
+              <a:latin typeface="メイリオ" panose="020B0604030504040204" pitchFamily="50" charset="-128"/>
+              <a:ea typeface="メイリオ" panose="020B0604030504040204" pitchFamily="50" charset="-128"/>
+            </a:endParaRPr>
+          </a:p>
+          <a:p>
+            <a:pPr>
+              <a:lnSpc>
+                <a:spcPct val="150000"/>
+              </a:lnSpc>
+            </a:pPr>
+            <a:r>
+              <a:rPr kumimoji="1" lang="ja-JP" altLang="en-US" sz="2400" dirty="0">
+                <a:latin typeface="メイリオ" panose="020B0604030504040204" pitchFamily="50" charset="-128"/>
+                <a:ea typeface="メイリオ" panose="020B0604030504040204" pitchFamily="50" charset="-128"/>
+              </a:rPr>
+              <a:t>ジャンル</a:t>
+            </a:r>
+            <a:r>
+              <a:rPr kumimoji="1" lang="en-US" altLang="ja-JP" sz="2400" dirty="0">
+                <a:latin typeface="メイリオ" panose="020B0604030504040204" pitchFamily="50" charset="-128"/>
+                <a:ea typeface="メイリオ" panose="020B0604030504040204" pitchFamily="50" charset="-128"/>
+              </a:rPr>
+              <a:t>		</a:t>
+            </a:r>
+            <a:r>
+              <a:rPr kumimoji="1" lang="ja-JP" altLang="en-US" sz="2400" dirty="0">
+                <a:latin typeface="メイリオ" panose="020B0604030504040204" pitchFamily="50" charset="-128"/>
+                <a:ea typeface="メイリオ" panose="020B0604030504040204" pitchFamily="50" charset="-128"/>
+              </a:rPr>
+              <a:t>アクションゲーム</a:t>
+            </a:r>
+            <a:endParaRPr kumimoji="1" lang="en-US" altLang="ja-JP" sz="2400" dirty="0">
+              <a:latin typeface="メイリオ" panose="020B0604030504040204" pitchFamily="50" charset="-128"/>
+              <a:ea typeface="メイリオ" panose="020B0604030504040204" pitchFamily="50" charset="-128"/>
+            </a:endParaRPr>
+          </a:p>
+          <a:p>
+            <a:pPr>
+              <a:lnSpc>
+                <a:spcPct val="150000"/>
+              </a:lnSpc>
+            </a:pPr>
+            <a:r>
+              <a:rPr kumimoji="1" lang="ja-JP" altLang="en-US" sz="2400" dirty="0">
+                <a:latin typeface="メイリオ" panose="020B0604030504040204" pitchFamily="50" charset="-128"/>
+                <a:ea typeface="メイリオ" panose="020B0604030504040204" pitchFamily="50" charset="-128"/>
+              </a:rPr>
               <a:t>製作期間</a:t>
             </a:r>
-            <a:endParaRPr kumimoji="1" lang="en-US" altLang="ja-JP" dirty="0"/>
-          </a:p>
-          <a:p>
-            <a:r>
-              <a:rPr kumimoji="1" lang="ja-JP" altLang="en-US" dirty="0"/>
+            <a:r>
+              <a:rPr kumimoji="1" lang="en-US" altLang="ja-JP" sz="2400" dirty="0">
+                <a:latin typeface="メイリオ" panose="020B0604030504040204" pitchFamily="50" charset="-128"/>
+                <a:ea typeface="メイリオ" panose="020B0604030504040204" pitchFamily="50" charset="-128"/>
+              </a:rPr>
+              <a:t>		10/09</a:t>
+            </a:r>
+            <a:r>
+              <a:rPr kumimoji="1" lang="ja-JP" altLang="en-US" sz="2400" dirty="0">
+                <a:latin typeface="メイリオ" panose="020B0604030504040204" pitchFamily="50" charset="-128"/>
+                <a:ea typeface="メイリオ" panose="020B0604030504040204" pitchFamily="50" charset="-128"/>
+              </a:rPr>
+              <a:t>～</a:t>
+            </a:r>
+            <a:r>
+              <a:rPr kumimoji="1" lang="en-US" altLang="ja-JP" sz="2400" dirty="0">
+                <a:latin typeface="メイリオ" panose="020B0604030504040204" pitchFamily="50" charset="-128"/>
+                <a:ea typeface="メイリオ" panose="020B0604030504040204" pitchFamily="50" charset="-128"/>
+              </a:rPr>
+              <a:t>1/26</a:t>
+            </a:r>
+          </a:p>
+          <a:p>
+            <a:pPr>
+              <a:lnSpc>
+                <a:spcPct val="150000"/>
+              </a:lnSpc>
+            </a:pPr>
+            <a:r>
+              <a:rPr kumimoji="1" lang="ja-JP" altLang="en-US" sz="2400" dirty="0">
+                <a:latin typeface="メイリオ" panose="020B0604030504040204" pitchFamily="50" charset="-128"/>
+                <a:ea typeface="メイリオ" panose="020B0604030504040204" pitchFamily="50" charset="-128"/>
+              </a:rPr>
               <a:t>制作環境</a:t>
             </a:r>
-            <a:endParaRPr kumimoji="1" lang="en-US" altLang="ja-JP" dirty="0"/>
-          </a:p>
-          <a:p>
-            <a:r>
-              <a:rPr kumimoji="1" lang="ja-JP" altLang="en-US" dirty="0"/>
-              <a:t>アピールポイント</a:t>
-            </a:r>
-            <a:endParaRPr kumimoji="1" lang="en-US" altLang="ja-JP" dirty="0"/>
-          </a:p>
-          <a:p>
-            <a:r>
-              <a:rPr kumimoji="1" lang="ja-JP" altLang="en-US" dirty="0"/>
-              <a:t>詳細説明</a:t>
-            </a:r>
-            <a:endParaRPr kumimoji="1" lang="en-US" altLang="ja-JP" dirty="0"/>
-          </a:p>
-        </p:txBody>
-      </p:sp>
+            <a:r>
+              <a:rPr kumimoji="1" lang="en-US" altLang="ja-JP" sz="2400" dirty="0">
+                <a:latin typeface="メイリオ" panose="020B0604030504040204" pitchFamily="50" charset="-128"/>
+                <a:ea typeface="メイリオ" panose="020B0604030504040204" pitchFamily="50" charset="-128"/>
+              </a:rPr>
+              <a:t>		Unity/C#/</a:t>
+            </a:r>
+          </a:p>
+          <a:p>
+            <a:pPr>
+              <a:lnSpc>
+                <a:spcPct val="150000"/>
+              </a:lnSpc>
+            </a:pPr>
+            <a:r>
+              <a:rPr kumimoji="1" lang="en-US" altLang="ja-JP" sz="2400" dirty="0">
+                <a:latin typeface="メイリオ" panose="020B0604030504040204" pitchFamily="50" charset="-128"/>
+                <a:ea typeface="メイリオ" panose="020B0604030504040204" pitchFamily="50" charset="-128"/>
+              </a:rPr>
+              <a:t>				GitHub Desktop</a:t>
+            </a:r>
+          </a:p>
+          <a:p>
+            <a:pPr>
+              <a:lnSpc>
+                <a:spcPct val="150000"/>
+              </a:lnSpc>
+            </a:pPr>
+            <a:r>
+              <a:rPr kumimoji="1" lang="ja-JP" altLang="en-US" sz="2400" dirty="0">
+                <a:latin typeface="メイリオ" panose="020B0604030504040204" pitchFamily="50" charset="-128"/>
+                <a:ea typeface="メイリオ" panose="020B0604030504040204" pitchFamily="50" charset="-128"/>
+              </a:rPr>
+              <a:t>制作人数</a:t>
+            </a:r>
+            <a:r>
+              <a:rPr kumimoji="1" lang="en-US" altLang="ja-JP" sz="2400" dirty="0">
+                <a:latin typeface="メイリオ" panose="020B0604030504040204" pitchFamily="50" charset="-128"/>
+                <a:ea typeface="メイリオ" panose="020B0604030504040204" pitchFamily="50" charset="-128"/>
+              </a:rPr>
+              <a:t>		</a:t>
+            </a:r>
+          </a:p>
+          <a:p>
+            <a:pPr lvl="1">
+              <a:lnSpc>
+                <a:spcPct val="150000"/>
+              </a:lnSpc>
+            </a:pPr>
+            <a:r>
+              <a:rPr kumimoji="1" lang="ja-JP" altLang="en-US" sz="2400" dirty="0">
+                <a:latin typeface="メイリオ" panose="020B0604030504040204" pitchFamily="50" charset="-128"/>
+                <a:ea typeface="メイリオ" panose="020B0604030504040204" pitchFamily="50" charset="-128"/>
+              </a:rPr>
+              <a:t>プログラマー　</a:t>
+            </a:r>
+            <a:r>
+              <a:rPr kumimoji="1" lang="en-US" altLang="ja-JP" sz="2400" dirty="0">
+                <a:latin typeface="メイリオ" panose="020B0604030504040204" pitchFamily="50" charset="-128"/>
+                <a:ea typeface="メイリオ" panose="020B0604030504040204" pitchFamily="50" charset="-128"/>
+              </a:rPr>
+              <a:t>			1</a:t>
+            </a:r>
+            <a:r>
+              <a:rPr kumimoji="1" lang="ja-JP" altLang="en-US" sz="2400" dirty="0">
+                <a:latin typeface="メイリオ" panose="020B0604030504040204" pitchFamily="50" charset="-128"/>
+                <a:ea typeface="メイリオ" panose="020B0604030504040204" pitchFamily="50" charset="-128"/>
+              </a:rPr>
+              <a:t>名、モーションデザイナー</a:t>
+            </a:r>
+            <a:r>
+              <a:rPr kumimoji="1" lang="en-US" altLang="ja-JP" sz="2400" dirty="0">
+                <a:latin typeface="メイリオ" panose="020B0604030504040204" pitchFamily="50" charset="-128"/>
+                <a:ea typeface="メイリオ" panose="020B0604030504040204" pitchFamily="50" charset="-128"/>
+              </a:rPr>
+              <a:t>	1</a:t>
+            </a:r>
+            <a:r>
+              <a:rPr kumimoji="1" lang="ja-JP" altLang="en-US" sz="2400" dirty="0">
+                <a:latin typeface="メイリオ" panose="020B0604030504040204" pitchFamily="50" charset="-128"/>
+                <a:ea typeface="メイリオ" panose="020B0604030504040204" pitchFamily="50" charset="-128"/>
+              </a:rPr>
+              <a:t>名</a:t>
+            </a:r>
+            <a:endParaRPr kumimoji="1" lang="en-US" altLang="ja-JP" sz="2400" dirty="0">
+              <a:latin typeface="メイリオ" panose="020B0604030504040204" pitchFamily="50" charset="-128"/>
+              <a:ea typeface="メイリオ" panose="020B0604030504040204" pitchFamily="50" charset="-128"/>
+            </a:endParaRPr>
+          </a:p>
+          <a:p>
+            <a:pPr lvl="1">
+              <a:lnSpc>
+                <a:spcPct val="150000"/>
+              </a:lnSpc>
+            </a:pPr>
+            <a:r>
+              <a:rPr kumimoji="1" lang="en-US" altLang="ja-JP" sz="2400" dirty="0">
+                <a:latin typeface="メイリオ" panose="020B0604030504040204" pitchFamily="50" charset="-128"/>
+                <a:ea typeface="メイリオ" panose="020B0604030504040204" pitchFamily="50" charset="-128"/>
+              </a:rPr>
+              <a:t>UI</a:t>
+            </a:r>
+            <a:r>
+              <a:rPr kumimoji="1" lang="ja-JP" altLang="en-US" sz="2400" dirty="0">
+                <a:latin typeface="メイリオ" panose="020B0604030504040204" pitchFamily="50" charset="-128"/>
+                <a:ea typeface="メイリオ" panose="020B0604030504040204" pitchFamily="50" charset="-128"/>
+              </a:rPr>
+              <a:t>デザイナー</a:t>
+            </a:r>
+            <a:r>
+              <a:rPr kumimoji="1" lang="en-US" altLang="ja-JP" sz="2400" dirty="0">
+                <a:latin typeface="メイリオ" panose="020B0604030504040204" pitchFamily="50" charset="-128"/>
+                <a:ea typeface="メイリオ" panose="020B0604030504040204" pitchFamily="50" charset="-128"/>
+              </a:rPr>
+              <a:t>			1</a:t>
+            </a:r>
+            <a:r>
+              <a:rPr kumimoji="1" lang="ja-JP" altLang="en-US" sz="2400" dirty="0">
+                <a:latin typeface="メイリオ" panose="020B0604030504040204" pitchFamily="50" charset="-128"/>
+                <a:ea typeface="メイリオ" panose="020B0604030504040204" pitchFamily="50" charset="-128"/>
+              </a:rPr>
+              <a:t>名</a:t>
+            </a:r>
+            <a:endParaRPr kumimoji="1" lang="en-US" altLang="ja-JP" sz="2400" dirty="0">
+              <a:latin typeface="メイリオ" panose="020B0604030504040204" pitchFamily="50" charset="-128"/>
+              <a:ea typeface="メイリオ" panose="020B0604030504040204" pitchFamily="50" charset="-128"/>
+            </a:endParaRPr>
+          </a:p>
+          <a:p>
+            <a:pPr>
+              <a:lnSpc>
+                <a:spcPct val="150000"/>
+              </a:lnSpc>
+            </a:pPr>
+            <a:r>
+              <a:rPr kumimoji="1" lang="ja-JP" altLang="en-US" sz="2400" dirty="0">
+                <a:latin typeface="メイリオ" panose="020B0604030504040204" pitchFamily="50" charset="-128"/>
+                <a:ea typeface="メイリオ" panose="020B0604030504040204" pitchFamily="50" charset="-128"/>
+              </a:rPr>
+              <a:t>担当箇所</a:t>
+            </a:r>
+            <a:r>
+              <a:rPr kumimoji="1" lang="en-US" altLang="ja-JP" sz="2400" dirty="0">
+                <a:latin typeface="メイリオ" panose="020B0604030504040204" pitchFamily="50" charset="-128"/>
+                <a:ea typeface="メイリオ" panose="020B0604030504040204" pitchFamily="50" charset="-128"/>
+              </a:rPr>
+              <a:t>		</a:t>
+            </a:r>
+            <a:r>
+              <a:rPr kumimoji="1" lang="ja-JP" altLang="en-US" sz="2400" dirty="0">
+                <a:latin typeface="メイリオ" panose="020B0604030504040204" pitchFamily="50" charset="-128"/>
+                <a:ea typeface="メイリオ" panose="020B0604030504040204" pitchFamily="50" charset="-128"/>
+              </a:rPr>
+              <a:t>プログラミング全般</a:t>
+            </a:r>
+            <a:endParaRPr kumimoji="1" lang="en-US" altLang="ja-JP" sz="2400" dirty="0">
+              <a:latin typeface="メイリオ" panose="020B0604030504040204" pitchFamily="50" charset="-128"/>
+              <a:ea typeface="メイリオ" panose="020B0604030504040204" pitchFamily="50" charset="-128"/>
+            </a:endParaRPr>
+          </a:p>
+        </p:txBody>
+      </p:sp>
+      <p:pic>
+        <p:nvPicPr>
+          <p:cNvPr id="7" name="図 6">
+            <a:extLst>
+              <a:ext uri="{FF2B5EF4-FFF2-40B4-BE49-F238E27FC236}">
+                <a16:creationId xmlns:a16="http://schemas.microsoft.com/office/drawing/2014/main" id="{008F9E9F-97CB-42AE-8D68-BAD2E2182FCC}"/>
+              </a:ext>
+            </a:extLst>
+          </p:cNvPr>
+          <p:cNvPicPr>
+            <a:picLocks noChangeAspect="1"/>
+          </p:cNvPicPr>
+          <p:nvPr/>
+        </p:nvPicPr>
+        <p:blipFill>
+          <a:blip r:embed="rId2">
+            <a:extLst>
+              <a:ext uri="{28A0092B-C50C-407E-A947-70E740481C1C}">
+                <a14:useLocalDpi xmlns:a14="http://schemas.microsoft.com/office/drawing/2010/main" val="0"/>
+              </a:ext>
+            </a:extLst>
+          </a:blip>
+          <a:stretch>
+            <a:fillRect/>
+          </a:stretch>
+        </p:blipFill>
+        <p:spPr>
+          <a:xfrm>
+            <a:off x="5141310" y="1240140"/>
+            <a:ext cx="5372414" cy="2768709"/>
+          </a:xfrm>
+          <a:prstGeom prst="rect">
+            <a:avLst/>
+          </a:prstGeom>
+        </p:spPr>
+      </p:pic>
     </p:spTree>
     <p:extLst>
       <p:ext uri="{BB962C8B-B14F-4D97-AF65-F5344CB8AC3E}">
@@ -5534,8 +6728,8 @@
         </p:nvSpPr>
         <p:spPr>
           <a:xfrm>
-            <a:off x="1394460" y="1703070"/>
-            <a:ext cx="3647152" cy="646331"/>
+            <a:off x="686889" y="516528"/>
+            <a:ext cx="3262432" cy="707886"/>
           </a:xfrm>
           <a:prstGeom prst="rect">
             <a:avLst/>
@@ -5549,25 +6743,228 @@
           <a:lstStyle/>
           <a:p>
             <a:r>
-              <a:rPr kumimoji="1" lang="ja-JP" altLang="en-US" dirty="0"/>
-              <a:t>一番自信のある個人作品の説明２</a:t>
-            </a:r>
-            <a:endParaRPr kumimoji="1" lang="en-US" altLang="ja-JP" dirty="0"/>
-          </a:p>
-          <a:p>
-            <a:r>
-              <a:rPr kumimoji="1" lang="en-US" altLang="ja-JP" dirty="0"/>
-              <a:t>(</a:t>
-            </a:r>
-            <a:r>
-              <a:rPr kumimoji="1" lang="ja-JP" altLang="en-US" dirty="0"/>
-              <a:t>一番頑張ったこと</a:t>
-            </a:r>
-            <a:r>
-              <a:rPr kumimoji="1" lang="en-US" altLang="ja-JP" dirty="0"/>
-              <a:t>)</a:t>
-            </a:r>
-            <a:endParaRPr kumimoji="1" lang="ja-JP" altLang="en-US" dirty="0"/>
+              <a:rPr kumimoji="1" lang="ja-JP" altLang="en-US" sz="4000" dirty="0">
+                <a:latin typeface="BIZ UDPゴシック" panose="020B0400000000000000" pitchFamily="50" charset="-128"/>
+                <a:ea typeface="BIZ UDPゴシック" panose="020B0400000000000000" pitchFamily="50" charset="-128"/>
+              </a:rPr>
+              <a:t>制作作品企画</a:t>
+            </a:r>
+          </a:p>
+        </p:txBody>
+      </p:sp>
+      <p:sp>
+        <p:nvSpPr>
+          <p:cNvPr id="5" name="テキスト ボックス 4">
+            <a:extLst>
+              <a:ext uri="{FF2B5EF4-FFF2-40B4-BE49-F238E27FC236}">
+                <a16:creationId xmlns:a16="http://schemas.microsoft.com/office/drawing/2014/main" id="{FEBD8F18-9873-46A2-A05B-4FD8E68439E7}"/>
+              </a:ext>
+            </a:extLst>
+          </p:cNvPr>
+          <p:cNvSpPr txBox="1"/>
+          <p:nvPr/>
+        </p:nvSpPr>
+        <p:spPr>
+          <a:xfrm>
+            <a:off x="6270171" y="5535026"/>
+            <a:ext cx="800219" cy="461665"/>
+          </a:xfrm>
+          <a:prstGeom prst="rect">
+            <a:avLst/>
+          </a:prstGeom>
+          <a:noFill/>
+        </p:spPr>
+        <p:txBody>
+          <a:bodyPr wrap="none" rtlCol="0">
+            <a:spAutoFit/>
+          </a:bodyPr>
+          <a:lstStyle/>
+          <a:p>
+            <a:r>
+              <a:rPr kumimoji="1" lang="ja-JP" altLang="en-US" sz="2400" dirty="0">
+                <a:latin typeface="BIZ UDPゴシック" panose="020B0400000000000000" pitchFamily="50" charset="-128"/>
+                <a:ea typeface="BIZ UDPゴシック" panose="020B0400000000000000" pitchFamily="50" charset="-128"/>
+              </a:rPr>
+              <a:t>画像</a:t>
+            </a:r>
+          </a:p>
+        </p:txBody>
+      </p:sp>
+      <p:sp>
+        <p:nvSpPr>
+          <p:cNvPr id="6" name="テキスト ボックス 5">
+            <a:extLst>
+              <a:ext uri="{FF2B5EF4-FFF2-40B4-BE49-F238E27FC236}">
+                <a16:creationId xmlns:a16="http://schemas.microsoft.com/office/drawing/2014/main" id="{385874C9-0869-47DB-8687-7A1541BD9583}"/>
+              </a:ext>
+            </a:extLst>
+          </p:cNvPr>
+          <p:cNvSpPr txBox="1"/>
+          <p:nvPr/>
+        </p:nvSpPr>
+        <p:spPr>
+          <a:xfrm>
+            <a:off x="979713" y="5507358"/>
+            <a:ext cx="800219" cy="461665"/>
+          </a:xfrm>
+          <a:prstGeom prst="rect">
+            <a:avLst/>
+          </a:prstGeom>
+          <a:noFill/>
+        </p:spPr>
+        <p:txBody>
+          <a:bodyPr wrap="none" rtlCol="0">
+            <a:spAutoFit/>
+          </a:bodyPr>
+          <a:lstStyle/>
+          <a:p>
+            <a:r>
+              <a:rPr kumimoji="1" lang="ja-JP" altLang="en-US" sz="2400" dirty="0">
+                <a:latin typeface="BIZ UDPゴシック" panose="020B0400000000000000" pitchFamily="50" charset="-128"/>
+                <a:ea typeface="BIZ UDPゴシック" panose="020B0400000000000000" pitchFamily="50" charset="-128"/>
+              </a:rPr>
+              <a:t>画像</a:t>
+            </a:r>
+          </a:p>
+        </p:txBody>
+      </p:sp>
+      <p:sp>
+        <p:nvSpPr>
+          <p:cNvPr id="8" name="テキスト ボックス 7">
+            <a:extLst>
+              <a:ext uri="{FF2B5EF4-FFF2-40B4-BE49-F238E27FC236}">
+                <a16:creationId xmlns:a16="http://schemas.microsoft.com/office/drawing/2014/main" id="{30A111FE-73FE-4596-BCE5-D1D053A25FF3}"/>
+              </a:ext>
+            </a:extLst>
+          </p:cNvPr>
+          <p:cNvSpPr txBox="1"/>
+          <p:nvPr/>
+        </p:nvSpPr>
+        <p:spPr>
+          <a:xfrm>
+            <a:off x="979713" y="1915886"/>
+            <a:ext cx="3877985" cy="461665"/>
+          </a:xfrm>
+          <a:prstGeom prst="rect">
+            <a:avLst/>
+          </a:prstGeom>
+          <a:noFill/>
+        </p:spPr>
+        <p:txBody>
+          <a:bodyPr wrap="none" rtlCol="0">
+            <a:spAutoFit/>
+          </a:bodyPr>
+          <a:lstStyle/>
+          <a:p>
+            <a:r>
+              <a:rPr kumimoji="1" lang="ja-JP" altLang="en-US" sz="2400" dirty="0">
+                <a:latin typeface="メイリオ" panose="020B0604030504040204" pitchFamily="50" charset="-128"/>
+                <a:ea typeface="メイリオ" panose="020B0604030504040204" pitchFamily="50" charset="-128"/>
+              </a:rPr>
+              <a:t>目標はドラゴンを狩ること</a:t>
+            </a:r>
+          </a:p>
+        </p:txBody>
+      </p:sp>
+      <p:sp>
+        <p:nvSpPr>
+          <p:cNvPr id="9" name="テキスト ボックス 8">
+            <a:extLst>
+              <a:ext uri="{FF2B5EF4-FFF2-40B4-BE49-F238E27FC236}">
+                <a16:creationId xmlns:a16="http://schemas.microsoft.com/office/drawing/2014/main" id="{9843A4DF-9E86-4642-9BD6-8466DFD12EC9}"/>
+              </a:ext>
+            </a:extLst>
+          </p:cNvPr>
+          <p:cNvSpPr txBox="1"/>
+          <p:nvPr/>
+        </p:nvSpPr>
+        <p:spPr>
+          <a:xfrm>
+            <a:off x="6253960" y="1562984"/>
+            <a:ext cx="800219" cy="461665"/>
+          </a:xfrm>
+          <a:prstGeom prst="rect">
+            <a:avLst/>
+          </a:prstGeom>
+          <a:noFill/>
+        </p:spPr>
+        <p:txBody>
+          <a:bodyPr wrap="none" rtlCol="0">
+            <a:spAutoFit/>
+          </a:bodyPr>
+          <a:lstStyle/>
+          <a:p>
+            <a:r>
+              <a:rPr kumimoji="1" lang="ja-JP" altLang="en-US" sz="2400" dirty="0">
+                <a:latin typeface="BIZ UDPゴシック" panose="020B0400000000000000" pitchFamily="50" charset="-128"/>
+                <a:ea typeface="BIZ UDPゴシック" panose="020B0400000000000000" pitchFamily="50" charset="-128"/>
+              </a:rPr>
+              <a:t>画像</a:t>
+            </a:r>
+          </a:p>
+        </p:txBody>
+      </p:sp>
+      <p:sp>
+        <p:nvSpPr>
+          <p:cNvPr id="10" name="テキスト ボックス 9">
+            <a:extLst>
+              <a:ext uri="{FF2B5EF4-FFF2-40B4-BE49-F238E27FC236}">
+                <a16:creationId xmlns:a16="http://schemas.microsoft.com/office/drawing/2014/main" id="{D106B5B0-F2B4-4AE5-9FBA-7F1F98C32AA9}"/>
+              </a:ext>
+            </a:extLst>
+          </p:cNvPr>
+          <p:cNvSpPr txBox="1"/>
+          <p:nvPr/>
+        </p:nvSpPr>
+        <p:spPr>
+          <a:xfrm>
+            <a:off x="1055914" y="2765721"/>
+            <a:ext cx="4185761" cy="1200329"/>
+          </a:xfrm>
+          <a:prstGeom prst="rect">
+            <a:avLst/>
+          </a:prstGeom>
+          <a:noFill/>
+        </p:spPr>
+        <p:txBody>
+          <a:bodyPr wrap="none" rtlCol="0">
+            <a:spAutoFit/>
+          </a:bodyPr>
+          <a:lstStyle/>
+          <a:p>
+            <a:r>
+              <a:rPr kumimoji="1" lang="ja-JP" altLang="en-US" sz="2400" dirty="0">
+                <a:latin typeface="メイリオ" panose="020B0604030504040204" pitchFamily="50" charset="-128"/>
+                <a:ea typeface="メイリオ" panose="020B0604030504040204" pitchFamily="50" charset="-128"/>
+              </a:rPr>
+              <a:t>二つの難易度があり、</a:t>
+            </a:r>
+            <a:endParaRPr kumimoji="1" lang="en-US" altLang="ja-JP" sz="2400" dirty="0">
+              <a:latin typeface="メイリオ" panose="020B0604030504040204" pitchFamily="50" charset="-128"/>
+              <a:ea typeface="メイリオ" panose="020B0604030504040204" pitchFamily="50" charset="-128"/>
+            </a:endParaRPr>
+          </a:p>
+          <a:p>
+            <a:r>
+              <a:rPr kumimoji="1" lang="ja-JP" altLang="en-US" sz="2400" dirty="0">
+                <a:latin typeface="メイリオ" panose="020B0604030504040204" pitchFamily="50" charset="-128"/>
+                <a:ea typeface="メイリオ" panose="020B0604030504040204" pitchFamily="50" charset="-128"/>
+              </a:rPr>
+              <a:t>短時間で狩れるモードと</a:t>
+            </a:r>
+            <a:endParaRPr kumimoji="1" lang="en-US" altLang="ja-JP" sz="2400" dirty="0">
+              <a:latin typeface="メイリオ" panose="020B0604030504040204" pitchFamily="50" charset="-128"/>
+              <a:ea typeface="メイリオ" panose="020B0604030504040204" pitchFamily="50" charset="-128"/>
+            </a:endParaRPr>
+          </a:p>
+          <a:p>
+            <a:r>
+              <a:rPr kumimoji="1" lang="ja-JP" altLang="en-US" sz="2400" dirty="0">
+                <a:latin typeface="メイリオ" panose="020B0604030504040204" pitchFamily="50" charset="-128"/>
+                <a:ea typeface="メイリオ" panose="020B0604030504040204" pitchFamily="50" charset="-128"/>
+              </a:rPr>
+              <a:t>長時間で狩れるモードがある</a:t>
+            </a:r>
           </a:p>
         </p:txBody>
       </p:sp>
@@ -5603,10 +7000,10 @@
       </p:grpSpPr>
       <p:sp>
         <p:nvSpPr>
-          <p:cNvPr id="2" name="テキスト ボックス 1">
+          <p:cNvPr id="3" name="テキスト ボックス 2">
             <a:extLst>
               <a:ext uri="{FF2B5EF4-FFF2-40B4-BE49-F238E27FC236}">
-                <a16:creationId xmlns:a16="http://schemas.microsoft.com/office/drawing/2014/main" id="{58890BA2-147B-4C3F-853F-D8DB86E09C0F}"/>
+                <a16:creationId xmlns:a16="http://schemas.microsoft.com/office/drawing/2014/main" id="{5AB5856C-4495-4FD6-8A64-221EA00932A6}"/>
               </a:ext>
             </a:extLst>
           </p:cNvPr>
@@ -5615,8 +7012,8 @@
         </p:nvSpPr>
         <p:spPr>
           <a:xfrm>
-            <a:off x="1394460" y="1703070"/>
-            <a:ext cx="3647152" cy="646331"/>
+            <a:off x="686889" y="516528"/>
+            <a:ext cx="6792244" cy="707886"/>
           </a:xfrm>
           <a:prstGeom prst="rect">
             <a:avLst/>
@@ -5630,16 +7027,79 @@
           <a:lstStyle/>
           <a:p>
             <a:r>
-              <a:rPr kumimoji="1" lang="ja-JP" altLang="en-US" dirty="0"/>
-              <a:t>一番自信のある個人作品の説明３</a:t>
-            </a:r>
-            <a:endParaRPr kumimoji="1" lang="en-US" altLang="ja-JP" dirty="0"/>
-          </a:p>
-          <a:p>
-            <a:r>
-              <a:rPr kumimoji="1" lang="ja-JP" altLang="en-US" dirty="0"/>
-              <a:t>何がやりたいかをわかりやすく</a:t>
-            </a:r>
+              <a:rPr kumimoji="1" lang="ja-JP" altLang="en-US" sz="4000" dirty="0">
+                <a:latin typeface="メイリオ" panose="020B0604030504040204" pitchFamily="50" charset="-128"/>
+                <a:ea typeface="メイリオ" panose="020B0604030504040204" pitchFamily="50" charset="-128"/>
+              </a:rPr>
+              <a:t>制作作品</a:t>
+            </a:r>
+            <a:r>
+              <a:rPr kumimoji="1" lang="en-US" altLang="ja-JP" sz="4000" dirty="0">
+                <a:latin typeface="メイリオ" panose="020B0604030504040204" pitchFamily="50" charset="-128"/>
+                <a:ea typeface="メイリオ" panose="020B0604030504040204" pitchFamily="50" charset="-128"/>
+              </a:rPr>
+              <a:t>(</a:t>
+            </a:r>
+            <a:r>
+              <a:rPr kumimoji="1" lang="ja-JP" altLang="en-US" sz="4000" dirty="0">
+                <a:latin typeface="メイリオ" panose="020B0604030504040204" pitchFamily="50" charset="-128"/>
+                <a:ea typeface="メイリオ" panose="020B0604030504040204" pitchFamily="50" charset="-128"/>
+              </a:rPr>
+              <a:t>アピールポイント</a:t>
+            </a:r>
+            <a:r>
+              <a:rPr kumimoji="1" lang="en-US" altLang="ja-JP" sz="4000" dirty="0">
+                <a:latin typeface="メイリオ" panose="020B0604030504040204" pitchFamily="50" charset="-128"/>
+                <a:ea typeface="メイリオ" panose="020B0604030504040204" pitchFamily="50" charset="-128"/>
+              </a:rPr>
+              <a:t>)</a:t>
+            </a:r>
+            <a:endParaRPr kumimoji="1" lang="ja-JP" altLang="en-US" sz="4000" dirty="0">
+              <a:latin typeface="メイリオ" panose="020B0604030504040204" pitchFamily="50" charset="-128"/>
+              <a:ea typeface="メイリオ" panose="020B0604030504040204" pitchFamily="50" charset="-128"/>
+            </a:endParaRPr>
+          </a:p>
+        </p:txBody>
+      </p:sp>
+      <p:sp>
+        <p:nvSpPr>
+          <p:cNvPr id="4" name="テキスト ボックス 3">
+            <a:extLst>
+              <a:ext uri="{FF2B5EF4-FFF2-40B4-BE49-F238E27FC236}">
+                <a16:creationId xmlns:a16="http://schemas.microsoft.com/office/drawing/2014/main" id="{450CA013-275B-4893-8B1C-B5D18BC85CF3}"/>
+              </a:ext>
+            </a:extLst>
+          </p:cNvPr>
+          <p:cNvSpPr txBox="1"/>
+          <p:nvPr/>
+        </p:nvSpPr>
+        <p:spPr>
+          <a:xfrm>
+            <a:off x="686889" y="1524000"/>
+            <a:ext cx="3607078" cy="523220"/>
+          </a:xfrm>
+          <a:prstGeom prst="rect">
+            <a:avLst/>
+          </a:prstGeom>
+          <a:noFill/>
+        </p:spPr>
+        <p:txBody>
+          <a:bodyPr wrap="none" rtlCol="0">
+            <a:spAutoFit/>
+          </a:bodyPr>
+          <a:lstStyle/>
+          <a:p>
+            <a:r>
+              <a:rPr kumimoji="1" lang="ja-JP" altLang="en-US" sz="2800" dirty="0">
+                <a:latin typeface="BIZ UDPゴシック" panose="020B0400000000000000" pitchFamily="50" charset="-128"/>
+                <a:ea typeface="BIZ UDPゴシック" panose="020B0400000000000000" pitchFamily="50" charset="-128"/>
+              </a:rPr>
+              <a:t>プレイヤーの状態制御</a:t>
+            </a:r>
+            <a:endParaRPr kumimoji="1" lang="en-US" altLang="ja-JP" sz="2000" dirty="0">
+              <a:latin typeface="BIZ UDPゴシック" panose="020B0400000000000000" pitchFamily="50" charset="-128"/>
+              <a:ea typeface="BIZ UDPゴシック" panose="020B0400000000000000" pitchFamily="50" charset="-128"/>
+            </a:endParaRPr>
           </a:p>
         </p:txBody>
       </p:sp>
@@ -5675,10 +7135,10 @@
       </p:grpSpPr>
       <p:sp>
         <p:nvSpPr>
-          <p:cNvPr id="2" name="テキスト ボックス 1">
+          <p:cNvPr id="3" name="テキスト ボックス 2">
             <a:extLst>
               <a:ext uri="{FF2B5EF4-FFF2-40B4-BE49-F238E27FC236}">
-                <a16:creationId xmlns:a16="http://schemas.microsoft.com/office/drawing/2014/main" id="{58890BA2-147B-4C3F-853F-D8DB86E09C0F}"/>
+                <a16:creationId xmlns:a16="http://schemas.microsoft.com/office/drawing/2014/main" id="{CB46EE2E-4951-4E82-BCC2-2A1A29B96D14}"/>
               </a:ext>
             </a:extLst>
           </p:cNvPr>
@@ -5687,8 +7147,8 @@
         </p:nvSpPr>
         <p:spPr>
           <a:xfrm>
-            <a:off x="1394460" y="1703070"/>
-            <a:ext cx="4339650" cy="646331"/>
+            <a:off x="686889" y="516528"/>
+            <a:ext cx="8351966" cy="707886"/>
           </a:xfrm>
           <a:prstGeom prst="rect">
             <a:avLst/>
@@ -5702,17 +7162,79 @@
           <a:lstStyle/>
           <a:p>
             <a:r>
-              <a:rPr kumimoji="1" lang="ja-JP" altLang="en-US" dirty="0"/>
-              <a:t>一番自信のあるチーム作品の説明</a:t>
-            </a:r>
-            <a:endParaRPr kumimoji="1" lang="en-US" altLang="ja-JP" dirty="0"/>
-          </a:p>
-          <a:p>
-            <a:r>
-              <a:rPr kumimoji="1" lang="ja-JP" altLang="en-US" dirty="0"/>
-              <a:t>流れや構成は個人製作と一緒にする予定</a:t>
-            </a:r>
-            <a:endParaRPr kumimoji="1" lang="en-US" altLang="ja-JP" dirty="0"/>
+              <a:rPr kumimoji="1" lang="ja-JP" altLang="en-US" sz="4000" dirty="0">
+                <a:latin typeface="BIZ UDPゴシック" panose="020B0400000000000000" pitchFamily="50" charset="-128"/>
+                <a:ea typeface="BIZ UDPゴシック" panose="020B0400000000000000" pitchFamily="50" charset="-128"/>
+              </a:rPr>
+              <a:t>制作作品　</a:t>
+            </a:r>
+            <a:r>
+              <a:rPr kumimoji="1" lang="en-US" altLang="ja-JP" sz="4000" dirty="0">
+                <a:latin typeface="BIZ UDPゴシック" panose="020B0400000000000000" pitchFamily="50" charset="-128"/>
+                <a:ea typeface="BIZ UDPゴシック" panose="020B0400000000000000" pitchFamily="50" charset="-128"/>
+              </a:rPr>
+              <a:t>(</a:t>
+            </a:r>
+            <a:r>
+              <a:rPr kumimoji="1" lang="ja-JP" altLang="en-US" sz="4000" dirty="0">
+                <a:latin typeface="BIZ UDPゴシック" panose="020B0400000000000000" pitchFamily="50" charset="-128"/>
+                <a:ea typeface="BIZ UDPゴシック" panose="020B0400000000000000" pitchFamily="50" charset="-128"/>
+              </a:rPr>
+              <a:t>アピールポイントその</a:t>
+            </a:r>
+            <a:r>
+              <a:rPr kumimoji="1" lang="en-US" altLang="ja-JP" sz="4000" dirty="0">
+                <a:latin typeface="BIZ UDPゴシック" panose="020B0400000000000000" pitchFamily="50" charset="-128"/>
+                <a:ea typeface="BIZ UDPゴシック" panose="020B0400000000000000" pitchFamily="50" charset="-128"/>
+              </a:rPr>
+              <a:t>2)</a:t>
+            </a:r>
+            <a:endParaRPr kumimoji="1" lang="ja-JP" altLang="en-US" sz="4000" dirty="0">
+              <a:latin typeface="BIZ UDPゴシック" panose="020B0400000000000000" pitchFamily="50" charset="-128"/>
+              <a:ea typeface="BIZ UDPゴシック" panose="020B0400000000000000" pitchFamily="50" charset="-128"/>
+            </a:endParaRPr>
+          </a:p>
+        </p:txBody>
+      </p:sp>
+      <p:sp>
+        <p:nvSpPr>
+          <p:cNvPr id="4" name="テキスト ボックス 3">
+            <a:extLst>
+              <a:ext uri="{FF2B5EF4-FFF2-40B4-BE49-F238E27FC236}">
+                <a16:creationId xmlns:a16="http://schemas.microsoft.com/office/drawing/2014/main" id="{7D51808B-2206-4B0D-96CF-2D79CCAD8D63}"/>
+              </a:ext>
+            </a:extLst>
+          </p:cNvPr>
+          <p:cNvSpPr txBox="1"/>
+          <p:nvPr/>
+        </p:nvSpPr>
+        <p:spPr>
+          <a:xfrm>
+            <a:off x="686889" y="1524000"/>
+            <a:ext cx="3225563" cy="369332"/>
+          </a:xfrm>
+          <a:prstGeom prst="rect">
+            <a:avLst/>
+          </a:prstGeom>
+          <a:noFill/>
+        </p:spPr>
+        <p:txBody>
+          <a:bodyPr wrap="none" rtlCol="0">
+            <a:spAutoFit/>
+          </a:bodyPr>
+          <a:lstStyle/>
+          <a:p>
+            <a:r>
+              <a:rPr kumimoji="1" lang="ja-JP" altLang="en-US" dirty="0">
+                <a:latin typeface="BIZ UDPゴシック" panose="020B0400000000000000" pitchFamily="50" charset="-128"/>
+                <a:ea typeface="BIZ UDPゴシック" panose="020B0400000000000000" pitchFamily="50" charset="-128"/>
+              </a:rPr>
+              <a:t>プログラムコードについて書く</a:t>
+            </a:r>
+            <a:endParaRPr kumimoji="1" lang="en-US" altLang="ja-JP" dirty="0">
+              <a:latin typeface="BIZ UDPゴシック" panose="020B0400000000000000" pitchFamily="50" charset="-128"/>
+              <a:ea typeface="BIZ UDPゴシック" panose="020B0400000000000000" pitchFamily="50" charset="-128"/>
+            </a:endParaRPr>
           </a:p>
         </p:txBody>
       </p:sp>
@@ -5751,7 +7273,7 @@
           <p:cNvPr id="2" name="テキスト ボックス 1">
             <a:extLst>
               <a:ext uri="{FF2B5EF4-FFF2-40B4-BE49-F238E27FC236}">
-                <a16:creationId xmlns:a16="http://schemas.microsoft.com/office/drawing/2014/main" id="{58890BA2-147B-4C3F-853F-D8DB86E09C0F}"/>
+                <a16:creationId xmlns:a16="http://schemas.microsoft.com/office/drawing/2014/main" id="{FDEFD51E-E76A-4D25-8B42-BC591C6849AB}"/>
               </a:ext>
             </a:extLst>
           </p:cNvPr>
@@ -5760,8 +7282,8 @@
         </p:nvSpPr>
         <p:spPr>
           <a:xfrm>
-            <a:off x="1394460" y="1703070"/>
-            <a:ext cx="3877985" cy="369332"/>
+            <a:off x="2291223" y="2718008"/>
+            <a:ext cx="6109365" cy="2123658"/>
           </a:xfrm>
           <a:prstGeom prst="rect">
             <a:avLst/>
@@ -5774,18 +7296,49 @@
           </a:bodyPr>
           <a:lstStyle/>
           <a:p>
-            <a:r>
-              <a:rPr kumimoji="1" lang="ja-JP" altLang="en-US" dirty="0"/>
-              <a:t>一番自信のあるチーム作品の説明２</a:t>
-            </a:r>
-            <a:endParaRPr kumimoji="1" lang="en-US" altLang="ja-JP" dirty="0"/>
+            <a:pPr algn="ctr"/>
+            <a:r>
+              <a:rPr kumimoji="1" lang="ja-JP" altLang="en-US" sz="6600" dirty="0">
+                <a:latin typeface="メイリオ" panose="020B0604030504040204" pitchFamily="50" charset="-128"/>
+                <a:ea typeface="メイリオ" panose="020B0604030504040204" pitchFamily="50" charset="-128"/>
+              </a:rPr>
+              <a:t>ゲーム作品一覧</a:t>
+            </a:r>
+            <a:endParaRPr kumimoji="1" lang="en-US" altLang="ja-JP" sz="6600" dirty="0">
+              <a:latin typeface="メイリオ" panose="020B0604030504040204" pitchFamily="50" charset="-128"/>
+              <a:ea typeface="メイリオ" panose="020B0604030504040204" pitchFamily="50" charset="-128"/>
+            </a:endParaRPr>
+          </a:p>
+          <a:p>
+            <a:pPr algn="ctr"/>
+            <a:r>
+              <a:rPr kumimoji="1" lang="en-US" altLang="ja-JP" sz="6600" dirty="0">
+                <a:latin typeface="メイリオ" panose="020B0604030504040204" pitchFamily="50" charset="-128"/>
+                <a:ea typeface="メイリオ" panose="020B0604030504040204" pitchFamily="50" charset="-128"/>
+              </a:rPr>
+              <a:t>(</a:t>
+            </a:r>
+            <a:r>
+              <a:rPr kumimoji="1" lang="ja-JP" altLang="en-US" sz="6600" dirty="0">
+                <a:latin typeface="メイリオ" panose="020B0604030504040204" pitchFamily="50" charset="-128"/>
+                <a:ea typeface="メイリオ" panose="020B0604030504040204" pitchFamily="50" charset="-128"/>
+              </a:rPr>
+              <a:t>新しい順</a:t>
+            </a:r>
+            <a:r>
+              <a:rPr kumimoji="1" lang="en-US" altLang="ja-JP" sz="6600" dirty="0">
+                <a:latin typeface="メイリオ" panose="020B0604030504040204" pitchFamily="50" charset="-128"/>
+                <a:ea typeface="メイリオ" panose="020B0604030504040204" pitchFamily="50" charset="-128"/>
+              </a:rPr>
+              <a:t>)</a:t>
+            </a:r>
           </a:p>
         </p:txBody>
       </p:sp>
     </p:spTree>
     <p:extLst>
       <p:ext uri="{BB962C8B-B14F-4D97-AF65-F5344CB8AC3E}">
-        <p14:creationId xmlns:p14="http://schemas.microsoft.com/office/powerpoint/2010/main" val="4010658385"/>
+        <p14:creationId xmlns:p14="http://schemas.microsoft.com/office/powerpoint/2010/main" val="1627345143"/>
       </p:ext>
     </p:extLst>
   </p:cSld>
@@ -5814,10 +7367,10 @@
       </p:grpSpPr>
       <p:sp>
         <p:nvSpPr>
-          <p:cNvPr id="2" name="テキスト ボックス 1">
+          <p:cNvPr id="3" name="テキスト ボックス 2">
             <a:extLst>
               <a:ext uri="{FF2B5EF4-FFF2-40B4-BE49-F238E27FC236}">
-                <a16:creationId xmlns:a16="http://schemas.microsoft.com/office/drawing/2014/main" id="{58890BA2-147B-4C3F-853F-D8DB86E09C0F}"/>
+                <a16:creationId xmlns:a16="http://schemas.microsoft.com/office/drawing/2014/main" id="{51C27040-C434-4283-A381-EA27DCDDEA17}"/>
               </a:ext>
             </a:extLst>
           </p:cNvPr>
@@ -5826,8 +7379,8 @@
         </p:nvSpPr>
         <p:spPr>
           <a:xfrm>
-            <a:off x="1394460" y="1703070"/>
-            <a:ext cx="3877985" cy="369332"/>
+            <a:off x="491489" y="362494"/>
+            <a:ext cx="1569660" cy="369332"/>
           </a:xfrm>
           <a:prstGeom prst="rect">
             <a:avLst/>
@@ -5841,17 +7394,630 @@
           <a:lstStyle/>
           <a:p>
             <a:r>
-              <a:rPr kumimoji="1" lang="ja-JP" altLang="en-US" dirty="0"/>
-              <a:t>一番自信のあるチーム作品の説明３</a:t>
-            </a:r>
-            <a:endParaRPr kumimoji="1" lang="en-US" altLang="ja-JP" dirty="0"/>
+              <a:rPr kumimoji="1" lang="ja-JP" altLang="en-US" dirty="0">
+                <a:latin typeface="メイリオ" panose="020B0604030504040204" pitchFamily="50" charset="-128"/>
+                <a:ea typeface="メイリオ" panose="020B0604030504040204" pitchFamily="50" charset="-128"/>
+              </a:rPr>
+              <a:t>ゲーム作品１</a:t>
+            </a:r>
+            <a:endParaRPr kumimoji="1" lang="en-US" altLang="ja-JP" dirty="0">
+              <a:latin typeface="メイリオ" panose="020B0604030504040204" pitchFamily="50" charset="-128"/>
+              <a:ea typeface="メイリオ" panose="020B0604030504040204" pitchFamily="50" charset="-128"/>
+            </a:endParaRPr>
+          </a:p>
+        </p:txBody>
+      </p:sp>
+      <p:sp>
+        <p:nvSpPr>
+          <p:cNvPr id="4" name="テキスト ボックス 3">
+            <a:extLst>
+              <a:ext uri="{FF2B5EF4-FFF2-40B4-BE49-F238E27FC236}">
+                <a16:creationId xmlns:a16="http://schemas.microsoft.com/office/drawing/2014/main" id="{0E21A147-0C79-40ED-963F-C4259945323E}"/>
+              </a:ext>
+            </a:extLst>
+          </p:cNvPr>
+          <p:cNvSpPr txBox="1"/>
+          <p:nvPr/>
+        </p:nvSpPr>
+        <p:spPr>
+          <a:xfrm>
+            <a:off x="491490" y="3989614"/>
+            <a:ext cx="1569660" cy="369332"/>
+          </a:xfrm>
+          <a:prstGeom prst="rect">
+            <a:avLst/>
+          </a:prstGeom>
+          <a:noFill/>
+        </p:spPr>
+        <p:txBody>
+          <a:bodyPr wrap="none" rtlCol="0">
+            <a:spAutoFit/>
+          </a:bodyPr>
+          <a:lstStyle/>
+          <a:p>
+            <a:r>
+              <a:rPr kumimoji="1" lang="ja-JP" altLang="en-US" dirty="0">
+                <a:latin typeface="メイリオ" panose="020B0604030504040204" pitchFamily="50" charset="-128"/>
+                <a:ea typeface="メイリオ" panose="020B0604030504040204" pitchFamily="50" charset="-128"/>
+              </a:rPr>
+              <a:t>ゲーム作品２</a:t>
+            </a:r>
+            <a:endParaRPr kumimoji="1" lang="en-US" altLang="ja-JP" dirty="0">
+              <a:latin typeface="メイリオ" panose="020B0604030504040204" pitchFamily="50" charset="-128"/>
+              <a:ea typeface="メイリオ" panose="020B0604030504040204" pitchFamily="50" charset="-128"/>
+            </a:endParaRPr>
+          </a:p>
+        </p:txBody>
+      </p:sp>
+      <p:sp>
+        <p:nvSpPr>
+          <p:cNvPr id="5" name="テキスト ボックス 4">
+            <a:extLst>
+              <a:ext uri="{FF2B5EF4-FFF2-40B4-BE49-F238E27FC236}">
+                <a16:creationId xmlns:a16="http://schemas.microsoft.com/office/drawing/2014/main" id="{E9CF6073-1E8B-4106-A9B1-5E6450D659D8}"/>
+              </a:ext>
+            </a:extLst>
+          </p:cNvPr>
+          <p:cNvSpPr txBox="1"/>
+          <p:nvPr/>
+        </p:nvSpPr>
+        <p:spPr>
+          <a:xfrm>
+            <a:off x="582929" y="1637445"/>
+            <a:ext cx="2526031" cy="1446550"/>
+          </a:xfrm>
+          <a:prstGeom prst="rect">
+            <a:avLst/>
+          </a:prstGeom>
+          <a:noFill/>
+        </p:spPr>
+        <p:txBody>
+          <a:bodyPr wrap="square" rtlCol="0">
+            <a:spAutoFit/>
+          </a:bodyPr>
+          <a:lstStyle/>
+          <a:p>
+            <a:r>
+              <a:rPr kumimoji="1" lang="ja-JP" altLang="en-US" sz="8800" dirty="0"/>
+              <a:t>画像</a:t>
+            </a:r>
+            <a:endParaRPr kumimoji="1" lang="en-US" altLang="ja-JP" sz="8800" dirty="0"/>
+          </a:p>
+        </p:txBody>
+      </p:sp>
+      <p:sp>
+        <p:nvSpPr>
+          <p:cNvPr id="6" name="テキスト ボックス 5">
+            <a:extLst>
+              <a:ext uri="{FF2B5EF4-FFF2-40B4-BE49-F238E27FC236}">
+                <a16:creationId xmlns:a16="http://schemas.microsoft.com/office/drawing/2014/main" id="{F6F2CD01-C918-428A-B6F0-1B665F589E83}"/>
+              </a:ext>
+            </a:extLst>
+          </p:cNvPr>
+          <p:cNvSpPr txBox="1"/>
+          <p:nvPr/>
+        </p:nvSpPr>
+        <p:spPr>
+          <a:xfrm>
+            <a:off x="491489" y="4883565"/>
+            <a:ext cx="2526031" cy="1446550"/>
+          </a:xfrm>
+          <a:prstGeom prst="rect">
+            <a:avLst/>
+          </a:prstGeom>
+          <a:noFill/>
+        </p:spPr>
+        <p:txBody>
+          <a:bodyPr wrap="square" rtlCol="0">
+            <a:spAutoFit/>
+          </a:bodyPr>
+          <a:lstStyle/>
+          <a:p>
+            <a:r>
+              <a:rPr kumimoji="1" lang="ja-JP" altLang="en-US" sz="8800" dirty="0"/>
+              <a:t>画像</a:t>
+            </a:r>
+            <a:endParaRPr kumimoji="1" lang="en-US" altLang="ja-JP" sz="8800" dirty="0"/>
+          </a:p>
+        </p:txBody>
+      </p:sp>
+      <p:sp>
+        <p:nvSpPr>
+          <p:cNvPr id="7" name="テキスト ボックス 6">
+            <a:extLst>
+              <a:ext uri="{FF2B5EF4-FFF2-40B4-BE49-F238E27FC236}">
+                <a16:creationId xmlns:a16="http://schemas.microsoft.com/office/drawing/2014/main" id="{491CE403-E128-4CCF-8775-8749A0A20407}"/>
+              </a:ext>
+            </a:extLst>
+          </p:cNvPr>
+          <p:cNvSpPr txBox="1"/>
+          <p:nvPr/>
+        </p:nvSpPr>
+        <p:spPr>
+          <a:xfrm>
+            <a:off x="4530088" y="511739"/>
+            <a:ext cx="5929828" cy="3477875"/>
+          </a:xfrm>
+          <a:prstGeom prst="rect">
+            <a:avLst/>
+          </a:prstGeom>
+          <a:noFill/>
+        </p:spPr>
+        <p:txBody>
+          <a:bodyPr wrap="none" rtlCol="0">
+            <a:spAutoFit/>
+          </a:bodyPr>
+          <a:lstStyle/>
+          <a:p>
+            <a:r>
+              <a:rPr kumimoji="1" lang="ja-JP" altLang="en-US" sz="2000" dirty="0">
+                <a:latin typeface="メイリオ" panose="020B0604030504040204" pitchFamily="50" charset="-128"/>
+                <a:ea typeface="メイリオ" panose="020B0604030504040204" pitchFamily="50" charset="-128"/>
+              </a:rPr>
+              <a:t>作品名</a:t>
+            </a:r>
+            <a:r>
+              <a:rPr kumimoji="1" lang="en-US" altLang="ja-JP" sz="2000" dirty="0">
+                <a:latin typeface="メイリオ" panose="020B0604030504040204" pitchFamily="50" charset="-128"/>
+                <a:ea typeface="メイリオ" panose="020B0604030504040204" pitchFamily="50" charset="-128"/>
+              </a:rPr>
+              <a:t>		</a:t>
+            </a:r>
+            <a:r>
+              <a:rPr kumimoji="1" lang="ja-JP" altLang="en-US" sz="2000" dirty="0">
+                <a:latin typeface="メイリオ" panose="020B0604030504040204" pitchFamily="50" charset="-128"/>
+                <a:ea typeface="メイリオ" panose="020B0604030504040204" pitchFamily="50" charset="-128"/>
+              </a:rPr>
+              <a:t>キツネたろう二世の大冒険</a:t>
+            </a:r>
+            <a:endParaRPr kumimoji="1" lang="en-US" altLang="ja-JP" sz="2000" dirty="0">
+              <a:latin typeface="メイリオ" panose="020B0604030504040204" pitchFamily="50" charset="-128"/>
+              <a:ea typeface="メイリオ" panose="020B0604030504040204" pitchFamily="50" charset="-128"/>
+            </a:endParaRPr>
+          </a:p>
+          <a:p>
+            <a:r>
+              <a:rPr kumimoji="1" lang="ja-JP" altLang="en-US" sz="2000" dirty="0">
+                <a:latin typeface="メイリオ" panose="020B0604030504040204" pitchFamily="50" charset="-128"/>
+                <a:ea typeface="メイリオ" panose="020B0604030504040204" pitchFamily="50" charset="-128"/>
+              </a:rPr>
+              <a:t>ジャンル</a:t>
+            </a:r>
+            <a:r>
+              <a:rPr kumimoji="1" lang="en-US" altLang="ja-JP" sz="2000" dirty="0">
+                <a:latin typeface="メイリオ" panose="020B0604030504040204" pitchFamily="50" charset="-128"/>
+                <a:ea typeface="メイリオ" panose="020B0604030504040204" pitchFamily="50" charset="-128"/>
+              </a:rPr>
+              <a:t>	</a:t>
+            </a:r>
+            <a:r>
+              <a:rPr kumimoji="1" lang="ja-JP" altLang="en-US" sz="2000" dirty="0">
+                <a:latin typeface="メイリオ" panose="020B0604030504040204" pitchFamily="50" charset="-128"/>
+                <a:ea typeface="メイリオ" panose="020B0604030504040204" pitchFamily="50" charset="-128"/>
+              </a:rPr>
+              <a:t>アクションゲーム</a:t>
+            </a:r>
+            <a:endParaRPr kumimoji="1" lang="en-US" altLang="ja-JP" sz="2000" dirty="0">
+              <a:latin typeface="メイリオ" panose="020B0604030504040204" pitchFamily="50" charset="-128"/>
+              <a:ea typeface="メイリオ" panose="020B0604030504040204" pitchFamily="50" charset="-128"/>
+            </a:endParaRPr>
+          </a:p>
+          <a:p>
+            <a:r>
+              <a:rPr kumimoji="1" lang="ja-JP" altLang="en-US" sz="2000" dirty="0">
+                <a:latin typeface="メイリオ" panose="020B0604030504040204" pitchFamily="50" charset="-128"/>
+                <a:ea typeface="メイリオ" panose="020B0604030504040204" pitchFamily="50" charset="-128"/>
+              </a:rPr>
+              <a:t>製作期間</a:t>
+            </a:r>
+            <a:r>
+              <a:rPr kumimoji="1" lang="en-US" altLang="ja-JP" sz="2000" dirty="0">
+                <a:latin typeface="メイリオ" panose="020B0604030504040204" pitchFamily="50" charset="-128"/>
+                <a:ea typeface="メイリオ" panose="020B0604030504040204" pitchFamily="50" charset="-128"/>
+              </a:rPr>
+              <a:t>	2023/09/04</a:t>
+            </a:r>
+            <a:r>
+              <a:rPr kumimoji="1" lang="ja-JP" altLang="en-US" sz="2000" dirty="0">
+                <a:latin typeface="メイリオ" panose="020B0604030504040204" pitchFamily="50" charset="-128"/>
+                <a:ea typeface="メイリオ" panose="020B0604030504040204" pitchFamily="50" charset="-128"/>
+              </a:rPr>
+              <a:t>～</a:t>
+            </a:r>
+            <a:r>
+              <a:rPr kumimoji="1" lang="en-US" altLang="ja-JP" sz="2000" dirty="0">
+                <a:latin typeface="メイリオ" panose="020B0604030504040204" pitchFamily="50" charset="-128"/>
+                <a:ea typeface="メイリオ" panose="020B0604030504040204" pitchFamily="50" charset="-128"/>
+              </a:rPr>
+              <a:t>2023/12/08</a:t>
+            </a:r>
+          </a:p>
+          <a:p>
+            <a:r>
+              <a:rPr kumimoji="1" lang="ja-JP" altLang="en-US" sz="2000" dirty="0">
+                <a:latin typeface="メイリオ" panose="020B0604030504040204" pitchFamily="50" charset="-128"/>
+                <a:ea typeface="メイリオ" panose="020B0604030504040204" pitchFamily="50" charset="-128"/>
+              </a:rPr>
+              <a:t>制作環境</a:t>
+            </a:r>
+            <a:r>
+              <a:rPr kumimoji="1" lang="en-US" altLang="ja-JP" sz="2000" dirty="0">
+                <a:latin typeface="メイリオ" panose="020B0604030504040204" pitchFamily="50" charset="-128"/>
+                <a:ea typeface="メイリオ" panose="020B0604030504040204" pitchFamily="50" charset="-128"/>
+              </a:rPr>
+              <a:t>	Unity/C#</a:t>
+            </a:r>
+          </a:p>
+          <a:p>
+            <a:r>
+              <a:rPr kumimoji="1" lang="ja-JP" altLang="en-US" sz="2000" dirty="0">
+                <a:latin typeface="メイリオ" panose="020B0604030504040204" pitchFamily="50" charset="-128"/>
+                <a:ea typeface="メイリオ" panose="020B0604030504040204" pitchFamily="50" charset="-128"/>
+              </a:rPr>
+              <a:t>対応機種</a:t>
+            </a:r>
+            <a:r>
+              <a:rPr kumimoji="1" lang="en-US" altLang="ja-JP" sz="2000" dirty="0">
+                <a:latin typeface="メイリオ" panose="020B0604030504040204" pitchFamily="50" charset="-128"/>
+                <a:ea typeface="メイリオ" panose="020B0604030504040204" pitchFamily="50" charset="-128"/>
+              </a:rPr>
+              <a:t>	Windows</a:t>
+            </a:r>
+          </a:p>
+          <a:p>
+            <a:r>
+              <a:rPr kumimoji="1" lang="ja-JP" altLang="en-US" sz="2000" dirty="0">
+                <a:latin typeface="メイリオ" panose="020B0604030504040204" pitchFamily="50" charset="-128"/>
+                <a:ea typeface="メイリオ" panose="020B0604030504040204" pitchFamily="50" charset="-128"/>
+              </a:rPr>
+              <a:t>担当</a:t>
+            </a:r>
+            <a:r>
+              <a:rPr kumimoji="1" lang="en-US" altLang="ja-JP" sz="2000" dirty="0">
+                <a:latin typeface="メイリオ" panose="020B0604030504040204" pitchFamily="50" charset="-128"/>
+                <a:ea typeface="メイリオ" panose="020B0604030504040204" pitchFamily="50" charset="-128"/>
+              </a:rPr>
+              <a:t>		</a:t>
+            </a:r>
+            <a:r>
+              <a:rPr kumimoji="1" lang="ja-JP" altLang="en-US" sz="2000" dirty="0">
+                <a:latin typeface="メイリオ" panose="020B0604030504040204" pitchFamily="50" charset="-128"/>
+                <a:ea typeface="メイリオ" panose="020B0604030504040204" pitchFamily="50" charset="-128"/>
+              </a:rPr>
+              <a:t>バージョン管理、プレイヤーの制御、</a:t>
+            </a:r>
+            <a:endParaRPr kumimoji="1" lang="en-US" altLang="ja-JP" sz="2000" dirty="0">
+              <a:latin typeface="メイリオ" panose="020B0604030504040204" pitchFamily="50" charset="-128"/>
+              <a:ea typeface="メイリオ" panose="020B0604030504040204" pitchFamily="50" charset="-128"/>
+            </a:endParaRPr>
+          </a:p>
+          <a:p>
+            <a:r>
+              <a:rPr kumimoji="1" lang="en-US" altLang="ja-JP" sz="2000" dirty="0">
+                <a:latin typeface="メイリオ" panose="020B0604030504040204" pitchFamily="50" charset="-128"/>
+                <a:ea typeface="メイリオ" panose="020B0604030504040204" pitchFamily="50" charset="-128"/>
+              </a:rPr>
+              <a:t>			2D</a:t>
+            </a:r>
+            <a:r>
+              <a:rPr kumimoji="1" lang="ja-JP" altLang="en-US" sz="2000" dirty="0">
+                <a:latin typeface="メイリオ" panose="020B0604030504040204" pitchFamily="50" charset="-128"/>
+                <a:ea typeface="メイリオ" panose="020B0604030504040204" pitchFamily="50" charset="-128"/>
+              </a:rPr>
+              <a:t>視点のステージ作成</a:t>
+            </a:r>
+            <a:r>
+              <a:rPr kumimoji="1" lang="en-US" altLang="ja-JP" sz="2000" dirty="0">
+                <a:latin typeface="メイリオ" panose="020B0604030504040204" pitchFamily="50" charset="-128"/>
+                <a:ea typeface="メイリオ" panose="020B0604030504040204" pitchFamily="50" charset="-128"/>
+              </a:rPr>
+              <a:t>	</a:t>
+            </a:r>
+            <a:r>
+              <a:rPr kumimoji="1" lang="ja-JP" altLang="en-US" sz="2000" dirty="0">
+                <a:latin typeface="メイリオ" panose="020B0604030504040204" pitchFamily="50" charset="-128"/>
+                <a:ea typeface="メイリオ" panose="020B0604030504040204" pitchFamily="50" charset="-128"/>
+              </a:rPr>
+              <a:t>シーン管理</a:t>
+            </a:r>
+            <a:endParaRPr kumimoji="1" lang="en-US" altLang="ja-JP" sz="2000" dirty="0">
+              <a:latin typeface="メイリオ" panose="020B0604030504040204" pitchFamily="50" charset="-128"/>
+              <a:ea typeface="メイリオ" panose="020B0604030504040204" pitchFamily="50" charset="-128"/>
+            </a:endParaRPr>
+          </a:p>
+          <a:p>
+            <a:endParaRPr kumimoji="1" lang="en-US" altLang="ja-JP" sz="2000" dirty="0">
+              <a:latin typeface="メイリオ" panose="020B0604030504040204" pitchFamily="50" charset="-128"/>
+              <a:ea typeface="メイリオ" panose="020B0604030504040204" pitchFamily="50" charset="-128"/>
+            </a:endParaRPr>
+          </a:p>
+          <a:p>
+            <a:r>
+              <a:rPr kumimoji="1" lang="ja-JP" altLang="en-US" sz="2000" dirty="0">
+                <a:latin typeface="メイリオ" panose="020B0604030504040204" pitchFamily="50" charset="-128"/>
+                <a:ea typeface="メイリオ" panose="020B0604030504040204" pitchFamily="50" charset="-128"/>
+              </a:rPr>
+              <a:t>目的、学んだこと</a:t>
+            </a:r>
+            <a:endParaRPr kumimoji="1" lang="en-US" altLang="ja-JP" sz="2000" dirty="0">
+              <a:latin typeface="メイリオ" panose="020B0604030504040204" pitchFamily="50" charset="-128"/>
+              <a:ea typeface="メイリオ" panose="020B0604030504040204" pitchFamily="50" charset="-128"/>
+            </a:endParaRPr>
+          </a:p>
+          <a:p>
+            <a:r>
+              <a:rPr kumimoji="1" lang="en-US" altLang="ja-JP" sz="2000" dirty="0">
+                <a:latin typeface="メイリオ" panose="020B0604030504040204" pitchFamily="50" charset="-128"/>
+                <a:ea typeface="メイリオ" panose="020B0604030504040204" pitchFamily="50" charset="-128"/>
+              </a:rPr>
+              <a:t>Unity</a:t>
+            </a:r>
+            <a:r>
+              <a:rPr kumimoji="1" lang="ja-JP" altLang="en-US" sz="2000" dirty="0">
+                <a:latin typeface="メイリオ" panose="020B0604030504040204" pitchFamily="50" charset="-128"/>
+                <a:ea typeface="メイリオ" panose="020B0604030504040204" pitchFamily="50" charset="-128"/>
+              </a:rPr>
+              <a:t>を使用したチーム制作の流れ</a:t>
+            </a:r>
+            <a:endParaRPr kumimoji="1" lang="en-US" altLang="ja-JP" sz="2000" dirty="0">
+              <a:latin typeface="メイリオ" panose="020B0604030504040204" pitchFamily="50" charset="-128"/>
+              <a:ea typeface="メイリオ" panose="020B0604030504040204" pitchFamily="50" charset="-128"/>
+            </a:endParaRPr>
+          </a:p>
+          <a:p>
+            <a:r>
+              <a:rPr kumimoji="1" lang="en-US" altLang="ja-JP" sz="2000" dirty="0">
+                <a:latin typeface="メイリオ" panose="020B0604030504040204" pitchFamily="50" charset="-128"/>
+                <a:ea typeface="メイリオ" panose="020B0604030504040204" pitchFamily="50" charset="-128"/>
+              </a:rPr>
+              <a:t>GFF</a:t>
+            </a:r>
+            <a:r>
+              <a:rPr kumimoji="1" lang="ja-JP" altLang="en-US" sz="2000" dirty="0">
+                <a:latin typeface="メイリオ" panose="020B0604030504040204" pitchFamily="50" charset="-128"/>
+                <a:ea typeface="メイリオ" panose="020B0604030504040204" pitchFamily="50" charset="-128"/>
+              </a:rPr>
+              <a:t>アワードに提出</a:t>
+            </a:r>
+            <a:endParaRPr kumimoji="1" lang="en-US" altLang="ja-JP" sz="2000" dirty="0">
+              <a:latin typeface="メイリオ" panose="020B0604030504040204" pitchFamily="50" charset="-128"/>
+              <a:ea typeface="メイリオ" panose="020B0604030504040204" pitchFamily="50" charset="-128"/>
+            </a:endParaRPr>
+          </a:p>
+        </p:txBody>
+      </p:sp>
+      <p:sp>
+        <p:nvSpPr>
+          <p:cNvPr id="9" name="テキスト ボックス 8">
+            <a:extLst>
+              <a:ext uri="{FF2B5EF4-FFF2-40B4-BE49-F238E27FC236}">
+                <a16:creationId xmlns:a16="http://schemas.microsoft.com/office/drawing/2014/main" id="{F7549F22-EC0F-4EAF-BE5B-CAA4FFF91E33}"/>
+              </a:ext>
+            </a:extLst>
+          </p:cNvPr>
+          <p:cNvSpPr txBox="1"/>
+          <p:nvPr/>
+        </p:nvSpPr>
+        <p:spPr>
+          <a:xfrm>
+            <a:off x="4530088" y="4174280"/>
+            <a:ext cx="4826962" cy="2862322"/>
+          </a:xfrm>
+          <a:prstGeom prst="rect">
+            <a:avLst/>
+          </a:prstGeom>
+          <a:noFill/>
+        </p:spPr>
+        <p:txBody>
+          <a:bodyPr wrap="none" rtlCol="0">
+            <a:spAutoFit/>
+          </a:bodyPr>
+          <a:lstStyle/>
+          <a:p>
+            <a:r>
+              <a:rPr kumimoji="1" lang="ja-JP" altLang="en-US" sz="2000" dirty="0">
+                <a:latin typeface="メイリオ" panose="020B0604030504040204" pitchFamily="50" charset="-128"/>
+                <a:ea typeface="メイリオ" panose="020B0604030504040204" pitchFamily="50" charset="-128"/>
+              </a:rPr>
+              <a:t>作品名</a:t>
+            </a:r>
+            <a:r>
+              <a:rPr kumimoji="1" lang="en-US" altLang="ja-JP" sz="2000" dirty="0">
+                <a:latin typeface="メイリオ" panose="020B0604030504040204" pitchFamily="50" charset="-128"/>
+                <a:ea typeface="メイリオ" panose="020B0604030504040204" pitchFamily="50" charset="-128"/>
+              </a:rPr>
+              <a:t>		Don’t Fall</a:t>
+            </a:r>
+          </a:p>
+          <a:p>
+            <a:r>
+              <a:rPr kumimoji="1" lang="ja-JP" altLang="en-US" sz="2000" dirty="0">
+                <a:latin typeface="メイリオ" panose="020B0604030504040204" pitchFamily="50" charset="-128"/>
+                <a:ea typeface="メイリオ" panose="020B0604030504040204" pitchFamily="50" charset="-128"/>
+              </a:rPr>
+              <a:t>ジャンル</a:t>
+            </a:r>
+            <a:r>
+              <a:rPr kumimoji="1" lang="en-US" altLang="ja-JP" sz="2000" dirty="0">
+                <a:latin typeface="メイリオ" panose="020B0604030504040204" pitchFamily="50" charset="-128"/>
+                <a:ea typeface="メイリオ" panose="020B0604030504040204" pitchFamily="50" charset="-128"/>
+              </a:rPr>
+              <a:t>	3D</a:t>
+            </a:r>
+            <a:r>
+              <a:rPr kumimoji="1" lang="ja-JP" altLang="en-US" sz="2000" dirty="0">
+                <a:latin typeface="メイリオ" panose="020B0604030504040204" pitchFamily="50" charset="-128"/>
+                <a:ea typeface="メイリオ" panose="020B0604030504040204" pitchFamily="50" charset="-128"/>
+              </a:rPr>
+              <a:t>アクションゲーム</a:t>
+            </a:r>
+            <a:endParaRPr kumimoji="1" lang="en-US" altLang="ja-JP" sz="2000" dirty="0">
+              <a:latin typeface="メイリオ" panose="020B0604030504040204" pitchFamily="50" charset="-128"/>
+              <a:ea typeface="メイリオ" panose="020B0604030504040204" pitchFamily="50" charset="-128"/>
+            </a:endParaRPr>
+          </a:p>
+          <a:p>
+            <a:r>
+              <a:rPr kumimoji="1" lang="ja-JP" altLang="en-US" sz="2000" dirty="0">
+                <a:latin typeface="メイリオ" panose="020B0604030504040204" pitchFamily="50" charset="-128"/>
+                <a:ea typeface="メイリオ" panose="020B0604030504040204" pitchFamily="50" charset="-128"/>
+              </a:rPr>
+              <a:t>製作期間</a:t>
+            </a:r>
+            <a:r>
+              <a:rPr kumimoji="1" lang="en-US" altLang="ja-JP" sz="2000" dirty="0">
+                <a:latin typeface="メイリオ" panose="020B0604030504040204" pitchFamily="50" charset="-128"/>
+                <a:ea typeface="メイリオ" panose="020B0604030504040204" pitchFamily="50" charset="-128"/>
+              </a:rPr>
+              <a:t>	2023/06/12</a:t>
+            </a:r>
+            <a:r>
+              <a:rPr kumimoji="1" lang="ja-JP" altLang="en-US" sz="2000" dirty="0">
+                <a:latin typeface="メイリオ" panose="020B0604030504040204" pitchFamily="50" charset="-128"/>
+                <a:ea typeface="メイリオ" panose="020B0604030504040204" pitchFamily="50" charset="-128"/>
+              </a:rPr>
+              <a:t>～</a:t>
+            </a:r>
+            <a:r>
+              <a:rPr kumimoji="1" lang="en-US" altLang="ja-JP" sz="2000" dirty="0">
+                <a:latin typeface="メイリオ" panose="020B0604030504040204" pitchFamily="50" charset="-128"/>
+                <a:ea typeface="メイリオ" panose="020B0604030504040204" pitchFamily="50" charset="-128"/>
+              </a:rPr>
+              <a:t>2023/08/11</a:t>
+            </a:r>
+          </a:p>
+          <a:p>
+            <a:r>
+              <a:rPr kumimoji="1" lang="ja-JP" altLang="en-US" sz="2000" dirty="0">
+                <a:latin typeface="メイリオ" panose="020B0604030504040204" pitchFamily="50" charset="-128"/>
+                <a:ea typeface="メイリオ" panose="020B0604030504040204" pitchFamily="50" charset="-128"/>
+              </a:rPr>
+              <a:t>制作環境</a:t>
+            </a:r>
+            <a:r>
+              <a:rPr kumimoji="1" lang="en-US" altLang="ja-JP" sz="2000" dirty="0">
+                <a:latin typeface="メイリオ" panose="020B0604030504040204" pitchFamily="50" charset="-128"/>
+                <a:ea typeface="メイリオ" panose="020B0604030504040204" pitchFamily="50" charset="-128"/>
+              </a:rPr>
+              <a:t>	DX</a:t>
+            </a:r>
+            <a:r>
+              <a:rPr kumimoji="1" lang="ja-JP" altLang="en-US" sz="2000" dirty="0">
+                <a:latin typeface="メイリオ" panose="020B0604030504040204" pitchFamily="50" charset="-128"/>
+                <a:ea typeface="メイリオ" panose="020B0604030504040204" pitchFamily="50" charset="-128"/>
+              </a:rPr>
+              <a:t>ライブラリ</a:t>
+            </a:r>
+            <a:r>
+              <a:rPr kumimoji="1" lang="en-US" altLang="ja-JP" sz="2000" dirty="0">
+                <a:latin typeface="メイリオ" panose="020B0604030504040204" pitchFamily="50" charset="-128"/>
+                <a:ea typeface="メイリオ" panose="020B0604030504040204" pitchFamily="50" charset="-128"/>
+              </a:rPr>
+              <a:t>/C++</a:t>
+            </a:r>
+          </a:p>
+          <a:p>
+            <a:r>
+              <a:rPr kumimoji="1" lang="ja-JP" altLang="en-US" sz="2000" dirty="0">
+                <a:latin typeface="メイリオ" panose="020B0604030504040204" pitchFamily="50" charset="-128"/>
+                <a:ea typeface="メイリオ" panose="020B0604030504040204" pitchFamily="50" charset="-128"/>
+              </a:rPr>
+              <a:t>対応機種</a:t>
+            </a:r>
+            <a:r>
+              <a:rPr kumimoji="1" lang="en-US" altLang="ja-JP" sz="2000" dirty="0">
+                <a:latin typeface="メイリオ" panose="020B0604030504040204" pitchFamily="50" charset="-128"/>
+                <a:ea typeface="メイリオ" panose="020B0604030504040204" pitchFamily="50" charset="-128"/>
+              </a:rPr>
+              <a:t>	Windows</a:t>
+            </a:r>
+          </a:p>
+          <a:p>
+            <a:r>
+              <a:rPr kumimoji="1" lang="ja-JP" altLang="en-US" sz="2000" dirty="0">
+                <a:latin typeface="メイリオ" panose="020B0604030504040204" pitchFamily="50" charset="-128"/>
+                <a:ea typeface="メイリオ" panose="020B0604030504040204" pitchFamily="50" charset="-128"/>
+              </a:rPr>
+              <a:t>担当</a:t>
+            </a:r>
+            <a:r>
+              <a:rPr kumimoji="1" lang="en-US" altLang="ja-JP" sz="2000" dirty="0">
+                <a:latin typeface="メイリオ" panose="020B0604030504040204" pitchFamily="50" charset="-128"/>
+                <a:ea typeface="メイリオ" panose="020B0604030504040204" pitchFamily="50" charset="-128"/>
+              </a:rPr>
+              <a:t>		</a:t>
+            </a:r>
+            <a:r>
+              <a:rPr kumimoji="1" lang="ja-JP" altLang="en-US" sz="2000" dirty="0">
+                <a:latin typeface="メイリオ" panose="020B0604030504040204" pitchFamily="50" charset="-128"/>
+                <a:ea typeface="メイリオ" panose="020B0604030504040204" pitchFamily="50" charset="-128"/>
+              </a:rPr>
+              <a:t>背景と</a:t>
+            </a:r>
+            <a:r>
+              <a:rPr kumimoji="1" lang="en-US" altLang="ja-JP" sz="2000" dirty="0">
+                <a:latin typeface="メイリオ" panose="020B0604030504040204" pitchFamily="50" charset="-128"/>
+                <a:ea typeface="メイリオ" panose="020B0604030504040204" pitchFamily="50" charset="-128"/>
+              </a:rPr>
+              <a:t>3D</a:t>
+            </a:r>
+            <a:r>
+              <a:rPr kumimoji="1" lang="ja-JP" altLang="en-US" sz="2000" dirty="0">
+                <a:latin typeface="メイリオ" panose="020B0604030504040204" pitchFamily="50" charset="-128"/>
+                <a:ea typeface="メイリオ" panose="020B0604030504040204" pitchFamily="50" charset="-128"/>
+              </a:rPr>
+              <a:t>モデル以外</a:t>
+            </a:r>
+            <a:endParaRPr kumimoji="1" lang="en-US" altLang="ja-JP" sz="2000" dirty="0">
+              <a:latin typeface="メイリオ" panose="020B0604030504040204" pitchFamily="50" charset="-128"/>
+              <a:ea typeface="メイリオ" panose="020B0604030504040204" pitchFamily="50" charset="-128"/>
+            </a:endParaRPr>
+          </a:p>
+          <a:p>
+            <a:endParaRPr kumimoji="1" lang="en-US" altLang="ja-JP" sz="2000" dirty="0">
+              <a:latin typeface="メイリオ" panose="020B0604030504040204" pitchFamily="50" charset="-128"/>
+              <a:ea typeface="メイリオ" panose="020B0604030504040204" pitchFamily="50" charset="-128"/>
+            </a:endParaRPr>
+          </a:p>
+          <a:p>
+            <a:r>
+              <a:rPr kumimoji="1" lang="ja-JP" altLang="en-US" sz="2000" dirty="0">
+                <a:latin typeface="メイリオ" panose="020B0604030504040204" pitchFamily="50" charset="-128"/>
+                <a:ea typeface="メイリオ" panose="020B0604030504040204" pitchFamily="50" charset="-128"/>
+              </a:rPr>
+              <a:t>目的、学んだこと</a:t>
+            </a:r>
+            <a:endParaRPr kumimoji="1" lang="en-US" altLang="ja-JP" sz="2000" dirty="0">
+              <a:latin typeface="メイリオ" panose="020B0604030504040204" pitchFamily="50" charset="-128"/>
+              <a:ea typeface="メイリオ" panose="020B0604030504040204" pitchFamily="50" charset="-128"/>
+            </a:endParaRPr>
+          </a:p>
+          <a:p>
+            <a:r>
+              <a:rPr kumimoji="1" lang="en-US" altLang="ja-JP" sz="2000" dirty="0">
+                <a:latin typeface="メイリオ" panose="020B0604030504040204" pitchFamily="50" charset="-128"/>
+                <a:ea typeface="メイリオ" panose="020B0604030504040204" pitchFamily="50" charset="-128"/>
+              </a:rPr>
+              <a:t>3D</a:t>
+            </a:r>
+            <a:r>
+              <a:rPr kumimoji="1" lang="ja-JP" altLang="en-US" sz="2000" dirty="0">
+                <a:latin typeface="メイリオ" panose="020B0604030504040204" pitchFamily="50" charset="-128"/>
+                <a:ea typeface="メイリオ" panose="020B0604030504040204" pitchFamily="50" charset="-128"/>
+              </a:rPr>
+              <a:t>ゲーム制作の基礎知識</a:t>
+            </a:r>
+            <a:endParaRPr kumimoji="1" lang="en-US" altLang="ja-JP" sz="2000" dirty="0">
+              <a:latin typeface="メイリオ" panose="020B0604030504040204" pitchFamily="50" charset="-128"/>
+              <a:ea typeface="メイリオ" panose="020B0604030504040204" pitchFamily="50" charset="-128"/>
+            </a:endParaRPr>
           </a:p>
         </p:txBody>
       </p:sp>
     </p:spTree>
     <p:extLst>
       <p:ext uri="{BB962C8B-B14F-4D97-AF65-F5344CB8AC3E}">
-        <p14:creationId xmlns:p14="http://schemas.microsoft.com/office/powerpoint/2010/main" val="1084993585"/>
+        <p14:creationId xmlns:p14="http://schemas.microsoft.com/office/powerpoint/2010/main" val="576450008"/>
       </p:ext>
     </p:extLst>
   </p:cSld>
